--- a/slides/Python_ready_set_go.pptx
+++ b/slides/Python_ready_set_go.pptx
@@ -6,10 +6,10 @@
     <p:sldMasterId id="2147483777" r:id="rId2"/>
   </p:sldMasterIdLst>
   <p:notesMasterIdLst>
-    <p:notesMasterId r:id="rId46"/>
+    <p:notesMasterId r:id="rId45"/>
   </p:notesMasterIdLst>
   <p:handoutMasterIdLst>
-    <p:handoutMasterId r:id="rId47"/>
+    <p:handoutMasterId r:id="rId46"/>
   </p:handoutMasterIdLst>
   <p:sldIdLst>
     <p:sldId id="262" r:id="rId3"/>
@@ -38,23 +38,22 @@
     <p:sldId id="317" r:id="rId26"/>
     <p:sldId id="313" r:id="rId27"/>
     <p:sldId id="318" r:id="rId28"/>
-    <p:sldId id="292" r:id="rId29"/>
-    <p:sldId id="293" r:id="rId30"/>
-    <p:sldId id="294" r:id="rId31"/>
-    <p:sldId id="302" r:id="rId32"/>
-    <p:sldId id="305" r:id="rId33"/>
-    <p:sldId id="306" r:id="rId34"/>
-    <p:sldId id="319" r:id="rId35"/>
-    <p:sldId id="320" r:id="rId36"/>
-    <p:sldId id="297" r:id="rId37"/>
-    <p:sldId id="321" r:id="rId38"/>
+    <p:sldId id="322" r:id="rId29"/>
+    <p:sldId id="292" r:id="rId30"/>
+    <p:sldId id="293" r:id="rId31"/>
+    <p:sldId id="294" r:id="rId32"/>
+    <p:sldId id="302" r:id="rId33"/>
+    <p:sldId id="305" r:id="rId34"/>
+    <p:sldId id="306" r:id="rId35"/>
+    <p:sldId id="319" r:id="rId36"/>
+    <p:sldId id="320" r:id="rId37"/>
+    <p:sldId id="297" r:id="rId38"/>
     <p:sldId id="316" r:id="rId39"/>
-    <p:sldId id="307" r:id="rId40"/>
-    <p:sldId id="308" r:id="rId41"/>
-    <p:sldId id="309" r:id="rId42"/>
-    <p:sldId id="310" r:id="rId43"/>
-    <p:sldId id="314" r:id="rId44"/>
-    <p:sldId id="315" r:id="rId45"/>
+    <p:sldId id="308" r:id="rId40"/>
+    <p:sldId id="309" r:id="rId41"/>
+    <p:sldId id="310" r:id="rId42"/>
+    <p:sldId id="314" r:id="rId43"/>
+    <p:sldId id="315" r:id="rId44"/>
   </p:sldIdLst>
   <p:sldSz cx="9144000" cy="6858000" type="screen4x3"/>
   <p:notesSz cx="7010400" cy="9296400"/>
@@ -2699,7 +2698,7 @@
               <a:pPr>
                 <a:defRPr/>
               </a:pPr>
-              <a:t>27</a:t>
+              <a:t>28</a:t>
             </a:fld>
             <a:endParaRPr lang="en-US"/>
           </a:p>
@@ -2789,7 +2788,7 @@
               <a:pPr>
                 <a:defRPr/>
               </a:pPr>
-              <a:t>28</a:t>
+              <a:t>29</a:t>
             </a:fld>
             <a:endParaRPr lang="en-US"/>
           </a:p>
@@ -2879,7 +2878,7 @@
               <a:pPr>
                 <a:defRPr/>
               </a:pPr>
-              <a:t>29</a:t>
+              <a:t>30</a:t>
             </a:fld>
             <a:endParaRPr lang="en-US"/>
           </a:p>
@@ -3059,7 +3058,7 @@
               <a:pPr>
                 <a:defRPr/>
               </a:pPr>
-              <a:t>30</a:t>
+              <a:t>31</a:t>
             </a:fld>
             <a:endParaRPr lang="en-US"/>
           </a:p>
@@ -3149,7 +3148,7 @@
               <a:pPr>
                 <a:defRPr/>
               </a:pPr>
-              <a:t>31</a:t>
+              <a:t>32</a:t>
             </a:fld>
             <a:endParaRPr lang="en-US"/>
           </a:p>
@@ -3239,7 +3238,7 @@
               <a:pPr>
                 <a:defRPr/>
               </a:pPr>
-              <a:t>32</a:t>
+              <a:t>33</a:t>
             </a:fld>
             <a:endParaRPr lang="en-US"/>
           </a:p>
@@ -3329,7 +3328,7 @@
               <a:pPr>
                 <a:defRPr/>
               </a:pPr>
-              <a:t>33</a:t>
+              <a:t>34</a:t>
             </a:fld>
             <a:endParaRPr lang="en-US"/>
           </a:p>
@@ -3419,7 +3418,7 @@
               <a:pPr>
                 <a:defRPr/>
               </a:pPr>
-              <a:t>34</a:t>
+              <a:t>35</a:t>
             </a:fld>
             <a:endParaRPr lang="en-US"/>
           </a:p>
@@ -3509,7 +3508,7 @@
               <a:pPr>
                 <a:defRPr/>
               </a:pPr>
-              <a:t>35</a:t>
+              <a:t>36</a:t>
             </a:fld>
             <a:endParaRPr lang="en-US"/>
           </a:p>
@@ -3599,7 +3598,7 @@
               <a:pPr>
                 <a:defRPr/>
               </a:pPr>
-              <a:t>36</a:t>
+              <a:t>37</a:t>
             </a:fld>
             <a:endParaRPr lang="en-US"/>
           </a:p>
@@ -3608,7 +3607,7 @@
     </p:spTree>
     <p:extLst>
       <p:ext uri="{BB962C8B-B14F-4D97-AF65-F5344CB8AC3E}">
-        <p14:creationId xmlns:p14="http://schemas.microsoft.com/office/powerpoint/2010/main" val="3719098070"/>
+        <p14:creationId xmlns:p14="http://schemas.microsoft.com/office/powerpoint/2010/main" val="3665134530"/>
       </p:ext>
     </p:extLst>
   </p:cSld>
@@ -3689,7 +3688,7 @@
               <a:pPr>
                 <a:defRPr/>
               </a:pPr>
-              <a:t>37</a:t>
+              <a:t>38</a:t>
             </a:fld>
             <a:endParaRPr lang="en-US"/>
           </a:p>
@@ -3698,7 +3697,7 @@
     </p:spTree>
     <p:extLst>
       <p:ext uri="{BB962C8B-B14F-4D97-AF65-F5344CB8AC3E}">
-        <p14:creationId xmlns:p14="http://schemas.microsoft.com/office/powerpoint/2010/main" val="3665134530"/>
+        <p14:creationId xmlns:p14="http://schemas.microsoft.com/office/powerpoint/2010/main" val="129658770"/>
       </p:ext>
     </p:extLst>
   </p:cSld>
@@ -3779,7 +3778,7 @@
               <a:pPr>
                 <a:defRPr/>
               </a:pPr>
-              <a:t>38</a:t>
+              <a:t>39</a:t>
             </a:fld>
             <a:endParaRPr lang="en-US"/>
           </a:p>
@@ -3788,7 +3787,7 @@
     </p:spTree>
     <p:extLst>
       <p:ext uri="{BB962C8B-B14F-4D97-AF65-F5344CB8AC3E}">
-        <p14:creationId xmlns:p14="http://schemas.microsoft.com/office/powerpoint/2010/main" val="2335301915"/>
+        <p14:creationId xmlns:p14="http://schemas.microsoft.com/office/powerpoint/2010/main" val="2192075919"/>
       </p:ext>
     </p:extLst>
   </p:cSld>
@@ -3869,7 +3868,7 @@
               <a:pPr>
                 <a:defRPr/>
               </a:pPr>
-              <a:t>39</a:t>
+              <a:t>40</a:t>
             </a:fld>
             <a:endParaRPr lang="en-US"/>
           </a:p>
@@ -3878,7 +3877,7 @@
     </p:spTree>
     <p:extLst>
       <p:ext uri="{BB962C8B-B14F-4D97-AF65-F5344CB8AC3E}">
-        <p14:creationId xmlns:p14="http://schemas.microsoft.com/office/powerpoint/2010/main" val="129658770"/>
+        <p14:creationId xmlns:p14="http://schemas.microsoft.com/office/powerpoint/2010/main" val="4179498498"/>
       </p:ext>
     </p:extLst>
   </p:cSld>
@@ -4049,7 +4048,7 @@
               <a:pPr>
                 <a:defRPr/>
               </a:pPr>
-              <a:t>40</a:t>
+              <a:t>41</a:t>
             </a:fld>
             <a:endParaRPr lang="en-US"/>
           </a:p>
@@ -4058,7 +4057,7 @@
     </p:spTree>
     <p:extLst>
       <p:ext uri="{BB962C8B-B14F-4D97-AF65-F5344CB8AC3E}">
-        <p14:creationId xmlns:p14="http://schemas.microsoft.com/office/powerpoint/2010/main" val="2192075919"/>
+        <p14:creationId xmlns:p14="http://schemas.microsoft.com/office/powerpoint/2010/main" val="773857331"/>
       </p:ext>
     </p:extLst>
   </p:cSld>
@@ -4139,187 +4138,7 @@
               <a:pPr>
                 <a:defRPr/>
               </a:pPr>
-              <a:t>41</a:t>
-            </a:fld>
-            <a:endParaRPr lang="en-US"/>
-          </a:p>
-        </p:txBody>
-      </p:sp>
-    </p:spTree>
-    <p:extLst>
-      <p:ext uri="{BB962C8B-B14F-4D97-AF65-F5344CB8AC3E}">
-        <p14:creationId xmlns:p14="http://schemas.microsoft.com/office/powerpoint/2010/main" val="4179498498"/>
-      </p:ext>
-    </p:extLst>
-  </p:cSld>
-  <p:clrMapOvr>
-    <a:masterClrMapping/>
-  </p:clrMapOvr>
-</p:notes>
-</file>
-
-<file path=ppt/notesSlides/notesSlide42.xml><?xml version="1.0" encoding="utf-8"?>
-<p:notes xmlns:a="http://schemas.openxmlformats.org/drawingml/2006/main" xmlns:r="http://schemas.openxmlformats.org/officeDocument/2006/relationships" xmlns:p="http://schemas.openxmlformats.org/presentationml/2006/main">
-  <p:cSld>
-    <p:spTree>
-      <p:nvGrpSpPr>
-        <p:cNvPr id="1" name=""/>
-        <p:cNvGrpSpPr/>
-        <p:nvPr/>
-      </p:nvGrpSpPr>
-      <p:grpSpPr>
-        <a:xfrm>
-          <a:off x="0" y="0"/>
-          <a:ext cx="0" cy="0"/>
-          <a:chOff x="0" y="0"/>
-          <a:chExt cx="0" cy="0"/>
-        </a:xfrm>
-      </p:grpSpPr>
-      <p:sp>
-        <p:nvSpPr>
-          <p:cNvPr id="2" name="Slide Image Placeholder 1"/>
-          <p:cNvSpPr>
-            <a:spLocks noGrp="1" noRot="1" noChangeAspect="1"/>
-          </p:cNvSpPr>
-          <p:nvPr>
-            <p:ph type="sldImg"/>
-          </p:nvPr>
-        </p:nvSpPr>
-        <p:spPr/>
-      </p:sp>
-      <p:sp>
-        <p:nvSpPr>
-          <p:cNvPr id="3" name="Notes Placeholder 2"/>
-          <p:cNvSpPr>
-            <a:spLocks noGrp="1"/>
-          </p:cNvSpPr>
-          <p:nvPr>
-            <p:ph type="body" idx="1"/>
-          </p:nvPr>
-        </p:nvSpPr>
-        <p:spPr/>
-        <p:txBody>
-          <a:bodyPr/>
-          <a:lstStyle/>
-          <a:p>
-            <a:endParaRPr lang="en-US"/>
-          </a:p>
-        </p:txBody>
-      </p:sp>
-      <p:sp>
-        <p:nvSpPr>
-          <p:cNvPr id="4" name="Slide Number Placeholder 3"/>
-          <p:cNvSpPr>
-            <a:spLocks noGrp="1"/>
-          </p:cNvSpPr>
-          <p:nvPr>
-            <p:ph type="sldNum" sz="quarter" idx="5"/>
-          </p:nvPr>
-        </p:nvSpPr>
-        <p:spPr/>
-        <p:txBody>
-          <a:bodyPr/>
-          <a:lstStyle/>
-          <a:p>
-            <a:pPr>
-              <a:defRPr/>
-            </a:pPr>
-            <a:fld id="{DB9721C8-080E-4AE7-89F7-915173249943}" type="slidenum">
-              <a:rPr lang="en-US" smtClean="0"/>
-              <a:pPr>
-                <a:defRPr/>
-              </a:pPr>
               <a:t>42</a:t>
-            </a:fld>
-            <a:endParaRPr lang="en-US"/>
-          </a:p>
-        </p:txBody>
-      </p:sp>
-    </p:spTree>
-    <p:extLst>
-      <p:ext uri="{BB962C8B-B14F-4D97-AF65-F5344CB8AC3E}">
-        <p14:creationId xmlns:p14="http://schemas.microsoft.com/office/powerpoint/2010/main" val="773857331"/>
-      </p:ext>
-    </p:extLst>
-  </p:cSld>
-  <p:clrMapOvr>
-    <a:masterClrMapping/>
-  </p:clrMapOvr>
-</p:notes>
-</file>
-
-<file path=ppt/notesSlides/notesSlide43.xml><?xml version="1.0" encoding="utf-8"?>
-<p:notes xmlns:a="http://schemas.openxmlformats.org/drawingml/2006/main" xmlns:r="http://schemas.openxmlformats.org/officeDocument/2006/relationships" xmlns:p="http://schemas.openxmlformats.org/presentationml/2006/main">
-  <p:cSld>
-    <p:spTree>
-      <p:nvGrpSpPr>
-        <p:cNvPr id="1" name=""/>
-        <p:cNvGrpSpPr/>
-        <p:nvPr/>
-      </p:nvGrpSpPr>
-      <p:grpSpPr>
-        <a:xfrm>
-          <a:off x="0" y="0"/>
-          <a:ext cx="0" cy="0"/>
-          <a:chOff x="0" y="0"/>
-          <a:chExt cx="0" cy="0"/>
-        </a:xfrm>
-      </p:grpSpPr>
-      <p:sp>
-        <p:nvSpPr>
-          <p:cNvPr id="2" name="Slide Image Placeholder 1"/>
-          <p:cNvSpPr>
-            <a:spLocks noGrp="1" noRot="1" noChangeAspect="1"/>
-          </p:cNvSpPr>
-          <p:nvPr>
-            <p:ph type="sldImg"/>
-          </p:nvPr>
-        </p:nvSpPr>
-        <p:spPr/>
-      </p:sp>
-      <p:sp>
-        <p:nvSpPr>
-          <p:cNvPr id="3" name="Notes Placeholder 2"/>
-          <p:cNvSpPr>
-            <a:spLocks noGrp="1"/>
-          </p:cNvSpPr>
-          <p:nvPr>
-            <p:ph type="body" idx="1"/>
-          </p:nvPr>
-        </p:nvSpPr>
-        <p:spPr/>
-        <p:txBody>
-          <a:bodyPr/>
-          <a:lstStyle/>
-          <a:p>
-            <a:endParaRPr lang="en-US"/>
-          </a:p>
-        </p:txBody>
-      </p:sp>
-      <p:sp>
-        <p:nvSpPr>
-          <p:cNvPr id="4" name="Slide Number Placeholder 3"/>
-          <p:cNvSpPr>
-            <a:spLocks noGrp="1"/>
-          </p:cNvSpPr>
-          <p:nvPr>
-            <p:ph type="sldNum" sz="quarter" idx="5"/>
-          </p:nvPr>
-        </p:nvSpPr>
-        <p:spPr/>
-        <p:txBody>
-          <a:bodyPr/>
-          <a:lstStyle/>
-          <a:p>
-            <a:pPr>
-              <a:defRPr/>
-            </a:pPr>
-            <a:fld id="{DB9721C8-080E-4AE7-89F7-915173249943}" type="slidenum">
-              <a:rPr lang="en-US" smtClean="0"/>
-              <a:pPr>
-                <a:defRPr/>
-              </a:pPr>
-              <a:t>43</a:t>
             </a:fld>
             <a:endParaRPr lang="en-US"/>
           </a:p>
@@ -20842,10 +20661,10 @@
       </p:grpSpPr>
       <p:sp>
         <p:nvSpPr>
-          <p:cNvPr id="2" name="Title 1">
+          <p:cNvPr id="6" name="Subtitle 5">
             <a:extLst>
               <a:ext uri="{FF2B5EF4-FFF2-40B4-BE49-F238E27FC236}">
-                <a16:creationId xmlns:a16="http://schemas.microsoft.com/office/drawing/2014/main" id="{8963A320-37E0-5049-BCA6-32369E9F2329}"/>
+                <a16:creationId xmlns:a16="http://schemas.microsoft.com/office/drawing/2014/main" id="{ACA49E08-E511-B045-AFCC-CA14C78B66D4}"/>
               </a:ext>
             </a:extLst>
           </p:cNvPr>
@@ -20853,7 +20672,7 @@
             <a:spLocks noGrp="1"/>
           </p:cNvSpPr>
           <p:nvPr>
-            <p:ph type="title"/>
+            <p:ph type="subTitle" idx="1"/>
           </p:nvPr>
         </p:nvSpPr>
         <p:spPr/>
@@ -20861,19 +20680,16 @@
           <a:bodyPr/>
           <a:lstStyle/>
           <a:p>
-            <a:r>
-              <a:rPr lang="en-US" dirty="0"/>
-              <a:t>Lists</a:t>
-            </a:r>
-          </a:p>
-        </p:txBody>
-      </p:sp>
-      <p:sp>
-        <p:nvSpPr>
-          <p:cNvPr id="3" name="Content Placeholder 2">
+            <a:endParaRPr lang="en-US"/>
+          </a:p>
+        </p:txBody>
+      </p:sp>
+      <p:sp>
+        <p:nvSpPr>
+          <p:cNvPr id="5" name="Title 4">
             <a:extLst>
               <a:ext uri="{FF2B5EF4-FFF2-40B4-BE49-F238E27FC236}">
-                <a16:creationId xmlns:a16="http://schemas.microsoft.com/office/drawing/2014/main" id="{F97E4805-F6F4-F14A-B34F-FF99997C042C}"/>
+                <a16:creationId xmlns:a16="http://schemas.microsoft.com/office/drawing/2014/main" id="{8656D9EE-B0F6-A344-A4C6-79F889E9974D}"/>
               </a:ext>
             </a:extLst>
           </p:cNvPr>
@@ -20881,50 +20697,17 @@
             <a:spLocks noGrp="1"/>
           </p:cNvSpPr>
           <p:nvPr>
-            <p:ph idx="1"/>
-          </p:nvPr>
-        </p:nvSpPr>
-        <p:spPr>
-          <a:xfrm>
-            <a:off x="455047" y="1405876"/>
-            <a:ext cx="8305800" cy="5001061"/>
-          </a:xfrm>
-        </p:spPr>
+            <p:ph type="ctrTitle"/>
+          </p:nvPr>
+        </p:nvSpPr>
+        <p:spPr/>
         <p:txBody>
           <a:bodyPr/>
           <a:lstStyle/>
           <a:p>
             <a:r>
               <a:rPr lang="en-US" dirty="0"/>
-              <a:t>A Python list is an </a:t>
-            </a:r>
-            <a:r>
-              <a:rPr lang="en-US" b="1" dirty="0"/>
-              <a:t>ordered</a:t>
-            </a:r>
-            <a:r>
-              <a:rPr lang="en-US" dirty="0"/>
-              <a:t>, </a:t>
-            </a:r>
-            <a:r>
-              <a:rPr lang="en-US" b="1" dirty="0"/>
-              <a:t>mutable</a:t>
-            </a:r>
-            <a:r>
-              <a:rPr lang="en-US" dirty="0"/>
-              <a:t> sequence of objects </a:t>
-            </a:r>
-          </a:p>
-          <a:p>
-            <a:r>
-              <a:rPr lang="en-US" dirty="0"/>
-              <a:t>Lists can contain a mixture of any sort of object: numbers, Booleans, strings, other lists, …</a:t>
-            </a:r>
-          </a:p>
-          <a:p>
-            <a:r>
-              <a:rPr lang="en-US" dirty="0"/>
-              <a:t>Lists can grow or shrink</a:t>
+              <a:t>Lists, dictionaries, etc.</a:t>
             </a:r>
           </a:p>
         </p:txBody>
@@ -20934,7 +20717,7 @@
           <p:cNvPr id="4" name="Slide Number Placeholder 3">
             <a:extLst>
               <a:ext uri="{FF2B5EF4-FFF2-40B4-BE49-F238E27FC236}">
-                <a16:creationId xmlns:a16="http://schemas.microsoft.com/office/drawing/2014/main" id="{854C8B2C-B660-4B43-B1A5-AA26154CC604}"/>
+                <a16:creationId xmlns:a16="http://schemas.microsoft.com/office/drawing/2014/main" id="{83D4C80E-30EF-6047-8C7A-C21F87B9A84B}"/>
               </a:ext>
             </a:extLst>
           </p:cNvPr>
@@ -20942,10 +20725,15 @@
             <a:spLocks noGrp="1"/>
           </p:cNvSpPr>
           <p:nvPr>
-            <p:ph type="sldNum" sz="quarter" idx="12"/>
-          </p:nvPr>
-        </p:nvSpPr>
-        <p:spPr/>
+            <p:ph type="sldNum" sz="quarter" idx="4294967295"/>
+          </p:nvPr>
+        </p:nvSpPr>
+        <p:spPr>
+          <a:xfrm>
+            <a:off x="7239000" y="6553200"/>
+            <a:ext cx="1905000" cy="304800"/>
+          </a:xfrm>
+        </p:spPr>
         <p:txBody>
           <a:bodyPr/>
           <a:lstStyle/>
@@ -20964,204 +20752,10 @@
           </a:p>
         </p:txBody>
       </p:sp>
-      <p:sp>
-        <p:nvSpPr>
-          <p:cNvPr id="9" name="TextBox 8">
-            <a:extLst>
-              <a:ext uri="{FF2B5EF4-FFF2-40B4-BE49-F238E27FC236}">
-                <a16:creationId xmlns:a16="http://schemas.microsoft.com/office/drawing/2014/main" id="{DFB4DB7D-615B-4B48-8AE5-A8E7A02428CF}"/>
-              </a:ext>
-            </a:extLst>
-          </p:cNvPr>
-          <p:cNvSpPr txBox="1"/>
-          <p:nvPr/>
-        </p:nvSpPr>
-        <p:spPr>
-          <a:xfrm>
-            <a:off x="851262" y="3143800"/>
-            <a:ext cx="7513369" cy="2862322"/>
-          </a:xfrm>
-          <a:prstGeom prst="rect">
-            <a:avLst/>
-          </a:prstGeom>
-          <a:solidFill>
-            <a:schemeClr val="bg1">
-              <a:lumMod val="95000"/>
-            </a:schemeClr>
-          </a:solidFill>
-        </p:spPr>
-        <p:txBody>
-          <a:bodyPr wrap="square" rtlCol="0">
-            <a:spAutoFit/>
-          </a:bodyPr>
-          <a:lstStyle/>
-          <a:p>
-            <a:r>
-              <a:rPr lang="en-US" sz="1800" b="1" dirty="0">
-                <a:latin typeface="Courier" pitchFamily="2" charset="0"/>
-              </a:rPr>
-              <a:t>&gt;&gt;&gt; </a:t>
-            </a:r>
-            <a:r>
-              <a:rPr lang="en-US" sz="1800" dirty="0" err="1">
-                <a:latin typeface="Courier" pitchFamily="2" charset="0"/>
-              </a:rPr>
-              <a:t>list_of_numbers</a:t>
-            </a:r>
-            <a:r>
-              <a:rPr lang="en-US" sz="1800" dirty="0">
-                <a:latin typeface="Courier" pitchFamily="2" charset="0"/>
-              </a:rPr>
-              <a:t> = [1,2,3,4,5]</a:t>
-            </a:r>
-            <a:endParaRPr lang="en-US" sz="1800" dirty="0">
-              <a:solidFill>
-                <a:srgbClr val="00B050"/>
-              </a:solidFill>
-              <a:latin typeface="Courier" pitchFamily="2" charset="0"/>
-            </a:endParaRPr>
-          </a:p>
-          <a:p>
-            <a:r>
-              <a:rPr lang="en-US" sz="1800" b="1" dirty="0">
-                <a:latin typeface="Courier" pitchFamily="2" charset="0"/>
-              </a:rPr>
-              <a:t>&gt;&gt;&gt; </a:t>
-            </a:r>
-            <a:r>
-              <a:rPr lang="en-US" sz="1800" dirty="0" err="1">
-                <a:latin typeface="Courier" pitchFamily="2" charset="0"/>
-              </a:rPr>
-              <a:t>len</a:t>
-            </a:r>
-            <a:r>
-              <a:rPr lang="en-US" sz="1800" dirty="0">
-                <a:latin typeface="Courier" pitchFamily="2" charset="0"/>
-              </a:rPr>
-              <a:t>(</a:t>
-            </a:r>
-            <a:r>
-              <a:rPr lang="en-US" sz="1800" dirty="0" err="1">
-                <a:latin typeface="Courier" pitchFamily="2" charset="0"/>
-              </a:rPr>
-              <a:t>list_of_numbers</a:t>
-            </a:r>
-            <a:r>
-              <a:rPr lang="en-US" sz="1800" dirty="0">
-                <a:latin typeface="Courier" pitchFamily="2" charset="0"/>
-              </a:rPr>
-              <a:t>)</a:t>
-            </a:r>
-          </a:p>
-          <a:p>
-            <a:r>
-              <a:rPr lang="en-US" sz="1800" dirty="0">
-                <a:latin typeface="Courier" pitchFamily="2" charset="0"/>
-              </a:rPr>
-              <a:t>5</a:t>
-            </a:r>
-          </a:p>
-          <a:p>
-            <a:r>
-              <a:rPr lang="en-US" sz="1800" b="1" dirty="0">
-                <a:latin typeface="Courier" pitchFamily="2" charset="0"/>
-              </a:rPr>
-              <a:t>&gt;&gt;&gt; </a:t>
-            </a:r>
-            <a:r>
-              <a:rPr lang="en-US" sz="1800" dirty="0" err="1">
-                <a:latin typeface="Courier" pitchFamily="2" charset="0"/>
-              </a:rPr>
-              <a:t>list_of_numbers</a:t>
-            </a:r>
-            <a:r>
-              <a:rPr lang="en-US" sz="1800" dirty="0">
-                <a:latin typeface="Courier" pitchFamily="2" charset="0"/>
-              </a:rPr>
-              <a:t>[0]</a:t>
-            </a:r>
-          </a:p>
-          <a:p>
-            <a:r>
-              <a:rPr lang="en-US" sz="1800" dirty="0">
-                <a:latin typeface="Courier" pitchFamily="2" charset="0"/>
-              </a:rPr>
-              <a:t>1</a:t>
-            </a:r>
-          </a:p>
-          <a:p>
-            <a:r>
-              <a:rPr lang="en-US" sz="1800" b="1" dirty="0">
-                <a:latin typeface="Courier" pitchFamily="2" charset="0"/>
-              </a:rPr>
-              <a:t>&gt;&gt;&gt; </a:t>
-            </a:r>
-            <a:r>
-              <a:rPr lang="en-US" sz="1800" dirty="0" err="1">
-                <a:latin typeface="Courier" pitchFamily="2" charset="0"/>
-              </a:rPr>
-              <a:t>list_of_numbers</a:t>
-            </a:r>
-            <a:r>
-              <a:rPr lang="en-US" sz="1800" dirty="0">
-                <a:latin typeface="Courier" pitchFamily="2" charset="0"/>
-              </a:rPr>
-              <a:t>[4]</a:t>
-            </a:r>
-          </a:p>
-          <a:p>
-            <a:r>
-              <a:rPr lang="en-US" sz="1800" dirty="0">
-                <a:latin typeface="Courier" pitchFamily="2" charset="0"/>
-              </a:rPr>
-              <a:t>5</a:t>
-            </a:r>
-          </a:p>
-          <a:p>
-            <a:r>
-              <a:rPr lang="en-US" sz="1800" b="1" dirty="0">
-                <a:latin typeface="Courier" pitchFamily="2" charset="0"/>
-              </a:rPr>
-              <a:t>&gt;&gt;&gt;</a:t>
-            </a:r>
-            <a:r>
-              <a:rPr lang="en-US" sz="1800" dirty="0">
-                <a:latin typeface="Courier" pitchFamily="2" charset="0"/>
-              </a:rPr>
-              <a:t> </a:t>
-            </a:r>
-            <a:r>
-              <a:rPr lang="en-US" sz="1800" dirty="0" err="1">
-                <a:latin typeface="Courier" pitchFamily="2" charset="0"/>
-              </a:rPr>
-              <a:t>list_of_numbers</a:t>
-            </a:r>
-            <a:r>
-              <a:rPr lang="en-US" sz="1800" dirty="0">
-                <a:latin typeface="Courier" pitchFamily="2" charset="0"/>
-              </a:rPr>
-              <a:t>[-2]</a:t>
-            </a:r>
-          </a:p>
-          <a:p>
-            <a:r>
-              <a:rPr lang="en-US" sz="1800" dirty="0">
-                <a:latin typeface="Courier" pitchFamily="2" charset="0"/>
-              </a:rPr>
-              <a:t>4</a:t>
-            </a:r>
-          </a:p>
-          <a:p>
-            <a:endParaRPr lang="en-US" sz="1800" b="1" dirty="0">
-              <a:latin typeface="Courier" pitchFamily="2" charset="0"/>
-            </a:endParaRPr>
-          </a:p>
-        </p:txBody>
-      </p:sp>
     </p:spTree>
     <p:extLst>
       <p:ext uri="{BB962C8B-B14F-4D97-AF65-F5344CB8AC3E}">
-        <p14:creationId xmlns:p14="http://schemas.microsoft.com/office/powerpoint/2010/main" val="3007123361"/>
+        <p14:creationId xmlns:p14="http://schemas.microsoft.com/office/powerpoint/2010/main" val="2014583189"/>
       </p:ext>
     </p:extLst>
   </p:cSld>
@@ -21242,10 +20836,38 @@
           <a:bodyPr/>
           <a:lstStyle/>
           <a:p>
-            <a:endParaRPr lang="en-US" dirty="0"/>
-          </a:p>
-          <a:p>
-            <a:endParaRPr lang="en-US" dirty="0"/>
+            <a:r>
+              <a:rPr lang="en-US" dirty="0"/>
+              <a:t>A Python list is an </a:t>
+            </a:r>
+            <a:r>
+              <a:rPr lang="en-US" b="1" dirty="0"/>
+              <a:t>ordered</a:t>
+            </a:r>
+            <a:r>
+              <a:rPr lang="en-US" dirty="0"/>
+              <a:t>, </a:t>
+            </a:r>
+            <a:r>
+              <a:rPr lang="en-US" b="1" dirty="0"/>
+              <a:t>mutable</a:t>
+            </a:r>
+            <a:r>
+              <a:rPr lang="en-US" dirty="0"/>
+              <a:t> sequence of objects </a:t>
+            </a:r>
+          </a:p>
+          <a:p>
+            <a:r>
+              <a:rPr lang="en-US" dirty="0"/>
+              <a:t>Lists can contain a mixture of any sort of object: numbers, Booleans, strings, other lists, …</a:t>
+            </a:r>
+          </a:p>
+          <a:p>
+            <a:r>
+              <a:rPr lang="en-US" dirty="0"/>
+              <a:t>Lists can grow or shrink</a:t>
+            </a:r>
           </a:p>
         </p:txBody>
       </p:sp>
@@ -21298,8 +20920,8 @@
         </p:nvSpPr>
         <p:spPr>
           <a:xfrm>
-            <a:off x="652247" y="1227027"/>
-            <a:ext cx="8036706" cy="4801314"/>
+            <a:off x="851262" y="3143800"/>
+            <a:ext cx="7513369" cy="2862322"/>
           </a:xfrm>
           <a:prstGeom prst="rect">
             <a:avLst/>
@@ -21317,33 +20939,22 @@
           <a:lstStyle/>
           <a:p>
             <a:r>
+              <a:rPr lang="en-US" sz="1800" b="1" dirty="0">
+                <a:latin typeface="Courier" pitchFamily="2" charset="0"/>
+              </a:rPr>
+              <a:t>&gt;&gt;&gt; </a:t>
+            </a:r>
+            <a:r>
+              <a:rPr lang="en-US" sz="1800" dirty="0" err="1">
+                <a:latin typeface="Courier" pitchFamily="2" charset="0"/>
+              </a:rPr>
+              <a:t>list_of_numbers</a:t>
+            </a:r>
+            <a:r>
               <a:rPr lang="en-US" sz="1800" dirty="0">
-                <a:solidFill>
-                  <a:srgbClr val="00B050"/>
-                </a:solidFill>
-                <a:latin typeface="Courier" pitchFamily="2" charset="0"/>
-              </a:rPr>
-              <a:t>#extending it</a:t>
-            </a:r>
-          </a:p>
-          <a:p>
-            <a:r>
-              <a:rPr lang="en-US" sz="1800" b="1" dirty="0">
-                <a:latin typeface="Courier" pitchFamily="2" charset="0"/>
-              </a:rPr>
-              <a:t>&gt;&gt;&gt; </a:t>
-            </a:r>
-            <a:r>
-              <a:rPr lang="en-US" sz="1800" dirty="0" err="1">
-                <a:latin typeface="Courier" pitchFamily="2" charset="0"/>
-              </a:rPr>
-              <a:t>list_of_numbers.extend</a:t>
-            </a:r>
-            <a:r>
-              <a:rPr lang="en-US" sz="1800" dirty="0">
-                <a:latin typeface="Courier" pitchFamily="2" charset="0"/>
-              </a:rPr>
-              <a:t>([6,7,8])</a:t>
+                <a:latin typeface="Courier" pitchFamily="2" charset="0"/>
+              </a:rPr>
+              <a:t> = [1,2,3,4,5]</a:t>
             </a:r>
             <a:endParaRPr lang="en-US" sz="1800" dirty="0">
               <a:solidFill>
@@ -21357,7 +20968,13 @@
               <a:rPr lang="en-US" sz="1800" b="1" dirty="0">
                 <a:latin typeface="Courier" pitchFamily="2" charset="0"/>
               </a:rPr>
-              <a:t>&gt;&gt;&gt; print</a:t>
+              <a:t>&gt;&gt;&gt; </a:t>
+            </a:r>
+            <a:r>
+              <a:rPr lang="en-US" sz="1800" dirty="0" err="1">
+                <a:latin typeface="Courier" pitchFamily="2" charset="0"/>
+              </a:rPr>
+              <a:t>len</a:t>
             </a:r>
             <a:r>
               <a:rPr lang="en-US" sz="1800" dirty="0">
@@ -21383,245 +21000,110 @@
               <a:rPr lang="en-US" sz="1800" dirty="0">
                 <a:latin typeface="Courier" pitchFamily="2" charset="0"/>
               </a:rPr>
-              <a:t>[1,2,3,4,5,6,7,8]</a:t>
-            </a:r>
-          </a:p>
-          <a:p>
-            <a:endParaRPr lang="en-US" sz="1800" dirty="0">
+              <a:t>5</a:t>
+            </a:r>
+          </a:p>
+          <a:p>
+            <a:r>
+              <a:rPr lang="en-US" sz="1800" b="1" dirty="0">
+                <a:latin typeface="Courier" pitchFamily="2" charset="0"/>
+              </a:rPr>
+              <a:t>&gt;&gt;&gt; </a:t>
+            </a:r>
+            <a:r>
+              <a:rPr lang="en-US" sz="1800" dirty="0" err="1">
+                <a:latin typeface="Courier" pitchFamily="2" charset="0"/>
+              </a:rPr>
+              <a:t>list_of_numbers</a:t>
+            </a:r>
+            <a:r>
+              <a:rPr lang="en-US" sz="1800" dirty="0">
+                <a:latin typeface="Courier" pitchFamily="2" charset="0"/>
+              </a:rPr>
+              <a:t>[0]</a:t>
+            </a:r>
+          </a:p>
+          <a:p>
+            <a:r>
+              <a:rPr lang="en-US" sz="1800" dirty="0">
+                <a:latin typeface="Courier" pitchFamily="2" charset="0"/>
+              </a:rPr>
+              <a:t>1</a:t>
+            </a:r>
+          </a:p>
+          <a:p>
+            <a:r>
+              <a:rPr lang="en-US" sz="1800" b="1" dirty="0">
+                <a:latin typeface="Courier" pitchFamily="2" charset="0"/>
+              </a:rPr>
+              <a:t>&gt;&gt;&gt; </a:t>
+            </a:r>
+            <a:r>
+              <a:rPr lang="en-US" sz="1800" dirty="0" err="1">
+                <a:latin typeface="Courier" pitchFamily="2" charset="0"/>
+              </a:rPr>
+              <a:t>list_of_numbers</a:t>
+            </a:r>
+            <a:r>
+              <a:rPr lang="en-US" sz="1800" dirty="0">
+                <a:latin typeface="Courier" pitchFamily="2" charset="0"/>
+              </a:rPr>
+              <a:t>[4]</a:t>
+            </a:r>
+          </a:p>
+          <a:p>
+            <a:r>
+              <a:rPr lang="en-US" sz="1800" dirty="0">
+                <a:latin typeface="Courier" pitchFamily="2" charset="0"/>
+              </a:rPr>
+              <a:t>5</a:t>
+            </a:r>
+          </a:p>
+          <a:p>
+            <a:r>
+              <a:rPr lang="en-US" sz="1800" b="1" dirty="0">
+                <a:latin typeface="Courier" pitchFamily="2" charset="0"/>
+              </a:rPr>
+              <a:t>&gt;&gt;&gt;</a:t>
+            </a:r>
+            <a:r>
+              <a:rPr lang="en-US" sz="1800" dirty="0">
+                <a:latin typeface="Courier" pitchFamily="2" charset="0"/>
+              </a:rPr>
+              <a:t> </a:t>
+            </a:r>
+            <a:r>
+              <a:rPr lang="en-US" sz="1800" dirty="0" err="1">
+                <a:latin typeface="Courier" pitchFamily="2" charset="0"/>
+              </a:rPr>
+              <a:t>list_of_numbers</a:t>
+            </a:r>
+            <a:r>
+              <a:rPr lang="en-US" sz="1800" dirty="0">
+                <a:latin typeface="Courier" pitchFamily="2" charset="0"/>
+              </a:rPr>
+              <a:t>[-2]</a:t>
+            </a:r>
+          </a:p>
+          <a:p>
+            <a:r>
+              <a:rPr lang="en-US" sz="1800" dirty="0">
+                <a:latin typeface="Courier" pitchFamily="2" charset="0"/>
+              </a:rPr>
+              <a:t>4</a:t>
+            </a:r>
+          </a:p>
+          <a:p>
+            <a:endParaRPr lang="en-US" sz="1800" b="1" dirty="0">
               <a:latin typeface="Courier" pitchFamily="2" charset="0"/>
             </a:endParaRPr>
-          </a:p>
-          <a:p>
-            <a:r>
-              <a:rPr lang="en-US" sz="1800" dirty="0">
-                <a:solidFill>
-                  <a:srgbClr val="00B050"/>
-                </a:solidFill>
-                <a:latin typeface="Courier" pitchFamily="2" charset="0"/>
-              </a:rPr>
-              <a:t>#slicing it</a:t>
-            </a:r>
-            <a:endParaRPr lang="en-US" sz="1800" dirty="0">
-              <a:latin typeface="Courier" pitchFamily="2" charset="0"/>
-            </a:endParaRPr>
-          </a:p>
-          <a:p>
-            <a:r>
-              <a:rPr lang="en-US" sz="1800" b="1" dirty="0">
-                <a:latin typeface="Courier" pitchFamily="2" charset="0"/>
-              </a:rPr>
-              <a:t>&gt;&gt;&gt; </a:t>
-            </a:r>
-            <a:r>
-              <a:rPr lang="en-US" sz="1800" dirty="0">
-                <a:latin typeface="Courier" pitchFamily="2" charset="0"/>
-              </a:rPr>
-              <a:t>piece</a:t>
-            </a:r>
-            <a:r>
-              <a:rPr lang="en-US" sz="1800" b="1" dirty="0">
-                <a:latin typeface="Courier" pitchFamily="2" charset="0"/>
-              </a:rPr>
-              <a:t> = </a:t>
-            </a:r>
-            <a:r>
-              <a:rPr lang="en-US" sz="1800" dirty="0" err="1">
-                <a:latin typeface="Courier" pitchFamily="2" charset="0"/>
-              </a:rPr>
-              <a:t>list_of_numbers</a:t>
-            </a:r>
-            <a:r>
-              <a:rPr lang="en-US" sz="1800" dirty="0">
-                <a:latin typeface="Courier" pitchFamily="2" charset="0"/>
-              </a:rPr>
-              <a:t>[:4]</a:t>
-            </a:r>
-            <a:r>
-              <a:rPr lang="en-US" sz="1800" dirty="0">
-                <a:solidFill>
-                  <a:srgbClr val="00B050"/>
-                </a:solidFill>
-                <a:latin typeface="Courier" pitchFamily="2" charset="0"/>
-              </a:rPr>
-              <a:t> #beginning to 4</a:t>
-            </a:r>
-            <a:endParaRPr lang="en-US" sz="1800" dirty="0">
-              <a:latin typeface="Courier" pitchFamily="2" charset="0"/>
-            </a:endParaRPr>
-          </a:p>
-          <a:p>
-            <a:r>
-              <a:rPr lang="en-US" sz="1800" b="1" dirty="0">
-                <a:latin typeface="Courier" pitchFamily="2" charset="0"/>
-              </a:rPr>
-              <a:t>&gt;&gt;&gt; print </a:t>
-            </a:r>
-            <a:r>
-              <a:rPr lang="en-US" sz="1800" dirty="0">
-                <a:latin typeface="Courier" pitchFamily="2" charset="0"/>
-              </a:rPr>
-              <a:t>(piece)</a:t>
-            </a:r>
-          </a:p>
-          <a:p>
-            <a:r>
-              <a:rPr lang="en-US" sz="1800" dirty="0">
-                <a:latin typeface="Courier" pitchFamily="2" charset="0"/>
-              </a:rPr>
-              <a:t>[1,2,3,4]</a:t>
-            </a:r>
-          </a:p>
-          <a:p>
-            <a:r>
-              <a:rPr lang="en-US" sz="1800" b="1" dirty="0">
-                <a:latin typeface="Courier" pitchFamily="2" charset="0"/>
-              </a:rPr>
-              <a:t>&gt;&gt;&gt; </a:t>
-            </a:r>
-            <a:r>
-              <a:rPr lang="en-US" sz="1800" dirty="0">
-                <a:latin typeface="Courier" pitchFamily="2" charset="0"/>
-              </a:rPr>
-              <a:t>piece</a:t>
-            </a:r>
-            <a:r>
-              <a:rPr lang="en-US" sz="1800" b="1" dirty="0">
-                <a:latin typeface="Courier" pitchFamily="2" charset="0"/>
-              </a:rPr>
-              <a:t> = </a:t>
-            </a:r>
-            <a:r>
-              <a:rPr lang="en-US" sz="1800" dirty="0" err="1">
-                <a:latin typeface="Courier" pitchFamily="2" charset="0"/>
-              </a:rPr>
-              <a:t>list_of_numbers</a:t>
-            </a:r>
-            <a:r>
-              <a:rPr lang="en-US" sz="1800" dirty="0">
-                <a:latin typeface="Courier" pitchFamily="2" charset="0"/>
-              </a:rPr>
-              <a:t>[2:6] </a:t>
-            </a:r>
-            <a:r>
-              <a:rPr lang="en-US" sz="1800" dirty="0">
-                <a:solidFill>
-                  <a:srgbClr val="00B050"/>
-                </a:solidFill>
-                <a:latin typeface="Courier" pitchFamily="2" charset="0"/>
-              </a:rPr>
-              <a:t>#from position 2 to 6</a:t>
-            </a:r>
-            <a:endParaRPr lang="en-US" sz="1800" dirty="0">
-              <a:latin typeface="Courier" pitchFamily="2" charset="0"/>
-            </a:endParaRPr>
-          </a:p>
-          <a:p>
-            <a:r>
-              <a:rPr lang="en-US" sz="1800" b="1" dirty="0">
-                <a:latin typeface="Courier" pitchFamily="2" charset="0"/>
-              </a:rPr>
-              <a:t>&gt;&gt;&gt; print </a:t>
-            </a:r>
-            <a:r>
-              <a:rPr lang="en-US" sz="1800" dirty="0">
-                <a:latin typeface="Courier" pitchFamily="2" charset="0"/>
-              </a:rPr>
-              <a:t>(piece)</a:t>
-            </a:r>
-          </a:p>
-          <a:p>
-            <a:r>
-              <a:rPr lang="en-US" sz="1800" dirty="0">
-                <a:latin typeface="Courier" pitchFamily="2" charset="0"/>
-              </a:rPr>
-              <a:t>[3,4,5,6]</a:t>
-            </a:r>
-          </a:p>
-          <a:p>
-            <a:endParaRPr lang="en-US" sz="1800" dirty="0">
-              <a:solidFill>
-                <a:srgbClr val="00B050"/>
-              </a:solidFill>
-              <a:latin typeface="Courier" pitchFamily="2" charset="0"/>
-            </a:endParaRPr>
-          </a:p>
-          <a:p>
-            <a:r>
-              <a:rPr lang="en-US" sz="1800" dirty="0">
-                <a:solidFill>
-                  <a:srgbClr val="00B050"/>
-                </a:solidFill>
-                <a:latin typeface="Courier" pitchFamily="2" charset="0"/>
-              </a:rPr>
-              <a:t>#shrinking it</a:t>
-            </a:r>
-          </a:p>
-          <a:p>
-            <a:r>
-              <a:rPr lang="en-US" sz="1800" b="1" dirty="0">
-                <a:latin typeface="Courier" pitchFamily="2" charset="0"/>
-              </a:rPr>
-              <a:t>&gt;&gt;&gt; del </a:t>
-            </a:r>
-            <a:r>
-              <a:rPr lang="en-US" sz="1800" dirty="0" err="1">
-                <a:latin typeface="Courier" pitchFamily="2" charset="0"/>
-              </a:rPr>
-              <a:t>list_of_numbers</a:t>
-            </a:r>
-            <a:r>
-              <a:rPr lang="en-US" sz="1800" dirty="0">
-                <a:latin typeface="Courier" pitchFamily="2" charset="0"/>
-              </a:rPr>
-              <a:t> [2:5]</a:t>
-            </a:r>
-            <a:endParaRPr lang="en-US" sz="1800" dirty="0">
-              <a:solidFill>
-                <a:srgbClr val="00B050"/>
-              </a:solidFill>
-              <a:latin typeface="Courier" pitchFamily="2" charset="0"/>
-            </a:endParaRPr>
-          </a:p>
-          <a:p>
-            <a:r>
-              <a:rPr lang="en-US" sz="1800" b="1" dirty="0">
-                <a:latin typeface="Courier" pitchFamily="2" charset="0"/>
-              </a:rPr>
-              <a:t>&gt;&gt;&gt; print</a:t>
-            </a:r>
-            <a:r>
-              <a:rPr lang="en-US" sz="1800" dirty="0">
-                <a:latin typeface="Courier" pitchFamily="2" charset="0"/>
-              </a:rPr>
-              <a:t>(</a:t>
-            </a:r>
-            <a:r>
-              <a:rPr lang="en-US" sz="1800" dirty="0" err="1">
-                <a:latin typeface="Courier" pitchFamily="2" charset="0"/>
-              </a:rPr>
-              <a:t>list_of_numbers</a:t>
-            </a:r>
-            <a:r>
-              <a:rPr lang="en-US" sz="1800" dirty="0">
-                <a:latin typeface="Courier" pitchFamily="2" charset="0"/>
-              </a:rPr>
-              <a:t>)</a:t>
-            </a:r>
-          </a:p>
-          <a:p>
-            <a:r>
-              <a:rPr lang="en-US" sz="1800" dirty="0">
-                <a:latin typeface="Courier" pitchFamily="2" charset="0"/>
-              </a:rPr>
-              <a:t>[1,2,6,7,8]</a:t>
-            </a:r>
           </a:p>
         </p:txBody>
       </p:sp>
     </p:spTree>
     <p:extLst>
       <p:ext uri="{BB962C8B-B14F-4D97-AF65-F5344CB8AC3E}">
-        <p14:creationId xmlns:p14="http://schemas.microsoft.com/office/powerpoint/2010/main" val="1580004327"/>
+        <p14:creationId xmlns:p14="http://schemas.microsoft.com/office/powerpoint/2010/main" val="3007123361"/>
       </p:ext>
     </p:extLst>
   </p:cSld>
@@ -21758,6 +21240,617 @@
         </p:nvSpPr>
         <p:spPr>
           <a:xfrm>
+            <a:off x="652247" y="1227027"/>
+            <a:ext cx="8036706" cy="4801314"/>
+          </a:xfrm>
+          <a:prstGeom prst="rect">
+            <a:avLst/>
+          </a:prstGeom>
+          <a:solidFill>
+            <a:schemeClr val="bg1">
+              <a:lumMod val="95000"/>
+            </a:schemeClr>
+          </a:solidFill>
+        </p:spPr>
+        <p:txBody>
+          <a:bodyPr wrap="square" rtlCol="0">
+            <a:spAutoFit/>
+          </a:bodyPr>
+          <a:lstStyle/>
+          <a:p>
+            <a:r>
+              <a:rPr lang="en-US" sz="1800" dirty="0">
+                <a:solidFill>
+                  <a:srgbClr val="00B050"/>
+                </a:solidFill>
+                <a:latin typeface="Courier" pitchFamily="2" charset="0"/>
+              </a:rPr>
+              <a:t>#extending it</a:t>
+            </a:r>
+          </a:p>
+          <a:p>
+            <a:r>
+              <a:rPr lang="en-US" sz="1800" b="1" dirty="0">
+                <a:latin typeface="Courier" pitchFamily="2" charset="0"/>
+              </a:rPr>
+              <a:t>&gt;&gt;&gt; </a:t>
+            </a:r>
+            <a:r>
+              <a:rPr lang="en-US" sz="1800" dirty="0" err="1">
+                <a:latin typeface="Courier" pitchFamily="2" charset="0"/>
+              </a:rPr>
+              <a:t>list_of_numbers.extend</a:t>
+            </a:r>
+            <a:r>
+              <a:rPr lang="en-US" sz="1800" dirty="0">
+                <a:latin typeface="Courier" pitchFamily="2" charset="0"/>
+              </a:rPr>
+              <a:t>([6,7,8])</a:t>
+            </a:r>
+            <a:endParaRPr lang="en-US" sz="1800" dirty="0">
+              <a:solidFill>
+                <a:srgbClr val="00B050"/>
+              </a:solidFill>
+              <a:latin typeface="Courier" pitchFamily="2" charset="0"/>
+            </a:endParaRPr>
+          </a:p>
+          <a:p>
+            <a:r>
+              <a:rPr lang="en-US" sz="1800" b="1" dirty="0">
+                <a:latin typeface="Courier" pitchFamily="2" charset="0"/>
+              </a:rPr>
+              <a:t>&gt;&gt;&gt; print</a:t>
+            </a:r>
+            <a:r>
+              <a:rPr lang="en-US" sz="1800" dirty="0">
+                <a:latin typeface="Courier" pitchFamily="2" charset="0"/>
+              </a:rPr>
+              <a:t>(</a:t>
+            </a:r>
+            <a:r>
+              <a:rPr lang="en-US" sz="1800" dirty="0" err="1">
+                <a:latin typeface="Courier" pitchFamily="2" charset="0"/>
+              </a:rPr>
+              <a:t>list_of_numbers</a:t>
+            </a:r>
+            <a:r>
+              <a:rPr lang="en-US" sz="1800" dirty="0">
+                <a:latin typeface="Courier" pitchFamily="2" charset="0"/>
+              </a:rPr>
+              <a:t>)</a:t>
+            </a:r>
+          </a:p>
+          <a:p>
+            <a:r>
+              <a:rPr lang="en-US" sz="1800" dirty="0">
+                <a:latin typeface="Courier" pitchFamily="2" charset="0"/>
+              </a:rPr>
+              <a:t>[1,2,3,4,5,6,7,8]</a:t>
+            </a:r>
+          </a:p>
+          <a:p>
+            <a:endParaRPr lang="en-US" sz="1800" dirty="0">
+              <a:latin typeface="Courier" pitchFamily="2" charset="0"/>
+            </a:endParaRPr>
+          </a:p>
+          <a:p>
+            <a:r>
+              <a:rPr lang="en-US" sz="1800" dirty="0">
+                <a:solidFill>
+                  <a:srgbClr val="00B050"/>
+                </a:solidFill>
+                <a:latin typeface="Courier" pitchFamily="2" charset="0"/>
+              </a:rPr>
+              <a:t>#slicing it</a:t>
+            </a:r>
+            <a:endParaRPr lang="en-US" sz="1800" dirty="0">
+              <a:latin typeface="Courier" pitchFamily="2" charset="0"/>
+            </a:endParaRPr>
+          </a:p>
+          <a:p>
+            <a:r>
+              <a:rPr lang="en-US" sz="1800" b="1" dirty="0">
+                <a:latin typeface="Courier" pitchFamily="2" charset="0"/>
+              </a:rPr>
+              <a:t>&gt;&gt;&gt; </a:t>
+            </a:r>
+            <a:r>
+              <a:rPr lang="en-US" sz="1800" dirty="0">
+                <a:latin typeface="Courier" pitchFamily="2" charset="0"/>
+              </a:rPr>
+              <a:t>piece</a:t>
+            </a:r>
+            <a:r>
+              <a:rPr lang="en-US" sz="1800" b="1" dirty="0">
+                <a:latin typeface="Courier" pitchFamily="2" charset="0"/>
+              </a:rPr>
+              <a:t> = </a:t>
+            </a:r>
+            <a:r>
+              <a:rPr lang="en-US" sz="1800" dirty="0" err="1">
+                <a:latin typeface="Courier" pitchFamily="2" charset="0"/>
+              </a:rPr>
+              <a:t>list_of_numbers</a:t>
+            </a:r>
+            <a:r>
+              <a:rPr lang="en-US" sz="1800" dirty="0">
+                <a:latin typeface="Courier" pitchFamily="2" charset="0"/>
+              </a:rPr>
+              <a:t>[:4]</a:t>
+            </a:r>
+            <a:r>
+              <a:rPr lang="en-US" sz="1800" dirty="0">
+                <a:solidFill>
+                  <a:srgbClr val="00B050"/>
+                </a:solidFill>
+                <a:latin typeface="Courier" pitchFamily="2" charset="0"/>
+              </a:rPr>
+              <a:t> #beginning to 4</a:t>
+            </a:r>
+            <a:endParaRPr lang="en-US" sz="1800" dirty="0">
+              <a:latin typeface="Courier" pitchFamily="2" charset="0"/>
+            </a:endParaRPr>
+          </a:p>
+          <a:p>
+            <a:r>
+              <a:rPr lang="en-US" sz="1800" b="1" dirty="0">
+                <a:latin typeface="Courier" pitchFamily="2" charset="0"/>
+              </a:rPr>
+              <a:t>&gt;&gt;&gt; print </a:t>
+            </a:r>
+            <a:r>
+              <a:rPr lang="en-US" sz="1800" dirty="0">
+                <a:latin typeface="Courier" pitchFamily="2" charset="0"/>
+              </a:rPr>
+              <a:t>(piece)</a:t>
+            </a:r>
+          </a:p>
+          <a:p>
+            <a:r>
+              <a:rPr lang="en-US" sz="1800" dirty="0">
+                <a:latin typeface="Courier" pitchFamily="2" charset="0"/>
+              </a:rPr>
+              <a:t>[1,2,3,4]</a:t>
+            </a:r>
+          </a:p>
+          <a:p>
+            <a:r>
+              <a:rPr lang="en-US" sz="1800" b="1" dirty="0">
+                <a:latin typeface="Courier" pitchFamily="2" charset="0"/>
+              </a:rPr>
+              <a:t>&gt;&gt;&gt; </a:t>
+            </a:r>
+            <a:r>
+              <a:rPr lang="en-US" sz="1800" dirty="0">
+                <a:latin typeface="Courier" pitchFamily="2" charset="0"/>
+              </a:rPr>
+              <a:t>piece</a:t>
+            </a:r>
+            <a:r>
+              <a:rPr lang="en-US" sz="1800" b="1" dirty="0">
+                <a:latin typeface="Courier" pitchFamily="2" charset="0"/>
+              </a:rPr>
+              <a:t> = </a:t>
+            </a:r>
+            <a:r>
+              <a:rPr lang="en-US" sz="1800" dirty="0" err="1">
+                <a:latin typeface="Courier" pitchFamily="2" charset="0"/>
+              </a:rPr>
+              <a:t>list_of_numbers</a:t>
+            </a:r>
+            <a:r>
+              <a:rPr lang="en-US" sz="1800" dirty="0">
+                <a:latin typeface="Courier" pitchFamily="2" charset="0"/>
+              </a:rPr>
+              <a:t>[2:6] </a:t>
+            </a:r>
+            <a:r>
+              <a:rPr lang="en-US" sz="1800" dirty="0">
+                <a:solidFill>
+                  <a:srgbClr val="00B050"/>
+                </a:solidFill>
+                <a:latin typeface="Courier" pitchFamily="2" charset="0"/>
+              </a:rPr>
+              <a:t>#from position 2 to 6</a:t>
+            </a:r>
+            <a:endParaRPr lang="en-US" sz="1800" dirty="0">
+              <a:latin typeface="Courier" pitchFamily="2" charset="0"/>
+            </a:endParaRPr>
+          </a:p>
+          <a:p>
+            <a:r>
+              <a:rPr lang="en-US" sz="1800" b="1" dirty="0">
+                <a:latin typeface="Courier" pitchFamily="2" charset="0"/>
+              </a:rPr>
+              <a:t>&gt;&gt;&gt; print </a:t>
+            </a:r>
+            <a:r>
+              <a:rPr lang="en-US" sz="1800" dirty="0">
+                <a:latin typeface="Courier" pitchFamily="2" charset="0"/>
+              </a:rPr>
+              <a:t>(piece)</a:t>
+            </a:r>
+          </a:p>
+          <a:p>
+            <a:r>
+              <a:rPr lang="en-US" sz="1800" dirty="0">
+                <a:latin typeface="Courier" pitchFamily="2" charset="0"/>
+              </a:rPr>
+              <a:t>[3,4,5,6]</a:t>
+            </a:r>
+          </a:p>
+          <a:p>
+            <a:endParaRPr lang="en-US" sz="1800" dirty="0">
+              <a:solidFill>
+                <a:srgbClr val="00B050"/>
+              </a:solidFill>
+              <a:latin typeface="Courier" pitchFamily="2" charset="0"/>
+            </a:endParaRPr>
+          </a:p>
+          <a:p>
+            <a:r>
+              <a:rPr lang="en-US" sz="1800" dirty="0">
+                <a:solidFill>
+                  <a:srgbClr val="00B050"/>
+                </a:solidFill>
+                <a:latin typeface="Courier" pitchFamily="2" charset="0"/>
+              </a:rPr>
+              <a:t>#shrinking it</a:t>
+            </a:r>
+          </a:p>
+          <a:p>
+            <a:r>
+              <a:rPr lang="en-US" sz="1800" b="1" dirty="0">
+                <a:latin typeface="Courier" pitchFamily="2" charset="0"/>
+              </a:rPr>
+              <a:t>&gt;&gt;&gt; del </a:t>
+            </a:r>
+            <a:r>
+              <a:rPr lang="en-US" sz="1800" dirty="0" err="1">
+                <a:latin typeface="Courier" pitchFamily="2" charset="0"/>
+              </a:rPr>
+              <a:t>list_of_numbers</a:t>
+            </a:r>
+            <a:r>
+              <a:rPr lang="en-US" sz="1800" dirty="0">
+                <a:latin typeface="Courier" pitchFamily="2" charset="0"/>
+              </a:rPr>
+              <a:t> [2:5]</a:t>
+            </a:r>
+            <a:endParaRPr lang="en-US" sz="1800" dirty="0">
+              <a:solidFill>
+                <a:srgbClr val="00B050"/>
+              </a:solidFill>
+              <a:latin typeface="Courier" pitchFamily="2" charset="0"/>
+            </a:endParaRPr>
+          </a:p>
+          <a:p>
+            <a:r>
+              <a:rPr lang="en-US" sz="1800" b="1" dirty="0">
+                <a:latin typeface="Courier" pitchFamily="2" charset="0"/>
+              </a:rPr>
+              <a:t>&gt;&gt;&gt; print</a:t>
+            </a:r>
+            <a:r>
+              <a:rPr lang="en-US" sz="1800" dirty="0">
+                <a:latin typeface="Courier" pitchFamily="2" charset="0"/>
+              </a:rPr>
+              <a:t>(</a:t>
+            </a:r>
+            <a:r>
+              <a:rPr lang="en-US" sz="1800" dirty="0" err="1">
+                <a:latin typeface="Courier" pitchFamily="2" charset="0"/>
+              </a:rPr>
+              <a:t>list_of_numbers</a:t>
+            </a:r>
+            <a:r>
+              <a:rPr lang="en-US" sz="1800" dirty="0">
+                <a:latin typeface="Courier" pitchFamily="2" charset="0"/>
+              </a:rPr>
+              <a:t>)</a:t>
+            </a:r>
+          </a:p>
+          <a:p>
+            <a:r>
+              <a:rPr lang="en-US" sz="1800" dirty="0">
+                <a:latin typeface="Courier" pitchFamily="2" charset="0"/>
+              </a:rPr>
+              <a:t>[1,2,6,7,8]</a:t>
+            </a:r>
+          </a:p>
+        </p:txBody>
+      </p:sp>
+    </p:spTree>
+    <p:extLst>
+      <p:ext uri="{BB962C8B-B14F-4D97-AF65-F5344CB8AC3E}">
+        <p14:creationId xmlns:p14="http://schemas.microsoft.com/office/powerpoint/2010/main" val="1580004327"/>
+      </p:ext>
+    </p:extLst>
+  </p:cSld>
+  <p:clrMapOvr>
+    <a:masterClrMapping/>
+  </p:clrMapOvr>
+</p:sld>
+</file>
+
+<file path=ppt/slides/slide3.xml><?xml version="1.0" encoding="utf-8"?>
+<p:sld xmlns:a="http://schemas.openxmlformats.org/drawingml/2006/main" xmlns:r="http://schemas.openxmlformats.org/officeDocument/2006/relationships" xmlns:p="http://schemas.openxmlformats.org/presentationml/2006/main">
+  <p:cSld>
+    <p:spTree>
+      <p:nvGrpSpPr>
+        <p:cNvPr id="1" name=""/>
+        <p:cNvGrpSpPr/>
+        <p:nvPr/>
+      </p:nvGrpSpPr>
+      <p:grpSpPr>
+        <a:xfrm>
+          <a:off x="0" y="0"/>
+          <a:ext cx="0" cy="0"/>
+          <a:chOff x="0" y="0"/>
+          <a:chExt cx="0" cy="0"/>
+        </a:xfrm>
+      </p:grpSpPr>
+      <p:sp>
+        <p:nvSpPr>
+          <p:cNvPr id="2" name="Title 1">
+            <a:extLst>
+              <a:ext uri="{FF2B5EF4-FFF2-40B4-BE49-F238E27FC236}">
+                <a16:creationId xmlns:a16="http://schemas.microsoft.com/office/drawing/2014/main" id="{A5039C9A-9242-2D4C-9463-C98C06D88BFB}"/>
+              </a:ext>
+            </a:extLst>
+          </p:cNvPr>
+          <p:cNvSpPr>
+            <a:spLocks noGrp="1"/>
+          </p:cNvSpPr>
+          <p:nvPr>
+            <p:ph type="title"/>
+          </p:nvPr>
+        </p:nvSpPr>
+        <p:spPr/>
+        <p:txBody>
+          <a:bodyPr/>
+          <a:lstStyle/>
+          <a:p>
+            <a:r>
+              <a:rPr lang="en-US" dirty="0"/>
+              <a:t>Language Implementations</a:t>
+            </a:r>
+          </a:p>
+        </p:txBody>
+      </p:sp>
+      <p:sp>
+        <p:nvSpPr>
+          <p:cNvPr id="3" name="Content Placeholder 2">
+            <a:extLst>
+              <a:ext uri="{FF2B5EF4-FFF2-40B4-BE49-F238E27FC236}">
+                <a16:creationId xmlns:a16="http://schemas.microsoft.com/office/drawing/2014/main" id="{553B0EB7-A8E3-194F-A045-208765C59234}"/>
+              </a:ext>
+            </a:extLst>
+          </p:cNvPr>
+          <p:cNvSpPr>
+            <a:spLocks noGrp="1"/>
+          </p:cNvSpPr>
+          <p:nvPr>
+            <p:ph idx="1"/>
+          </p:nvPr>
+        </p:nvSpPr>
+        <p:spPr>
+          <a:xfrm>
+            <a:off x="446569" y="1876167"/>
+            <a:ext cx="4257125" cy="3750796"/>
+          </a:xfrm>
+        </p:spPr>
+        <p:txBody>
+          <a:bodyPr/>
+          <a:lstStyle/>
+          <a:p>
+            <a:endParaRPr lang="en-US" dirty="0"/>
+          </a:p>
+          <a:p>
+            <a:r>
+              <a:rPr lang="en-US" dirty="0"/>
+              <a:t>Layered architectures </a:t>
+            </a:r>
+          </a:p>
+          <a:p>
+            <a:pPr lvl="1"/>
+            <a:r>
+              <a:rPr lang="en-US" dirty="0"/>
+              <a:t>Mappings from high-level to low-level instructions </a:t>
+            </a:r>
+            <a:endParaRPr lang="en-US" dirty="0">
+              <a:effectLst/>
+            </a:endParaRPr>
+          </a:p>
+        </p:txBody>
+      </p:sp>
+      <p:pic>
+        <p:nvPicPr>
+          <p:cNvPr id="1025" name="Picture 1" descr="page2image2865255136">
+            <a:extLst>
+              <a:ext uri="{FF2B5EF4-FFF2-40B4-BE49-F238E27FC236}">
+                <a16:creationId xmlns:a16="http://schemas.microsoft.com/office/drawing/2014/main" id="{A8A33018-E7DC-5B44-9DBC-915095A7F256}"/>
+              </a:ext>
+            </a:extLst>
+          </p:cNvPr>
+          <p:cNvPicPr>
+            <a:picLocks noChangeAspect="1" noChangeArrowheads="1"/>
+          </p:cNvPicPr>
+          <p:nvPr/>
+        </p:nvPicPr>
+        <p:blipFill>
+          <a:blip r:embed="rId3">
+            <a:extLst>
+              <a:ext uri="{28A0092B-C50C-407E-A947-70E740481C1C}">
+                <a14:useLocalDpi xmlns:a14="http://schemas.microsoft.com/office/drawing/2010/main" val="0"/>
+              </a:ext>
+            </a:extLst>
+          </a:blip>
+          <a:srcRect/>
+          <a:stretch>
+            <a:fillRect/>
+          </a:stretch>
+        </p:blipFill>
+        <p:spPr bwMode="auto">
+          <a:xfrm>
+            <a:off x="4681076" y="1960493"/>
+            <a:ext cx="4326262" cy="3344673"/>
+          </a:xfrm>
+          <a:prstGeom prst="rect">
+            <a:avLst/>
+          </a:prstGeom>
+          <a:noFill/>
+          <a:extLst>
+            <a:ext uri="{909E8E84-426E-40DD-AFC4-6F175D3DCCD1}">
+              <a14:hiddenFill xmlns:a14="http://schemas.microsoft.com/office/drawing/2010/main">
+                <a:solidFill>
+                  <a:srgbClr val="FFFFFF"/>
+                </a:solidFill>
+              </a14:hiddenFill>
+            </a:ext>
+          </a:extLst>
+        </p:spPr>
+      </p:pic>
+    </p:spTree>
+    <p:extLst>
+      <p:ext uri="{BB962C8B-B14F-4D97-AF65-F5344CB8AC3E}">
+        <p14:creationId xmlns:p14="http://schemas.microsoft.com/office/powerpoint/2010/main" val="2955635246"/>
+      </p:ext>
+    </p:extLst>
+  </p:cSld>
+  <p:clrMapOvr>
+    <a:masterClrMapping/>
+  </p:clrMapOvr>
+</p:sld>
+</file>
+
+<file path=ppt/slides/slide30.xml><?xml version="1.0" encoding="utf-8"?>
+<p:sld xmlns:a="http://schemas.openxmlformats.org/drawingml/2006/main" xmlns:r="http://schemas.openxmlformats.org/officeDocument/2006/relationships" xmlns:p="http://schemas.openxmlformats.org/presentationml/2006/main">
+  <p:cSld>
+    <p:spTree>
+      <p:nvGrpSpPr>
+        <p:cNvPr id="1" name=""/>
+        <p:cNvGrpSpPr/>
+        <p:nvPr/>
+      </p:nvGrpSpPr>
+      <p:grpSpPr>
+        <a:xfrm>
+          <a:off x="0" y="0"/>
+          <a:ext cx="0" cy="0"/>
+          <a:chOff x="0" y="0"/>
+          <a:chExt cx="0" cy="0"/>
+        </a:xfrm>
+      </p:grpSpPr>
+      <p:sp>
+        <p:nvSpPr>
+          <p:cNvPr id="2" name="Title 1">
+            <a:extLst>
+              <a:ext uri="{FF2B5EF4-FFF2-40B4-BE49-F238E27FC236}">
+                <a16:creationId xmlns:a16="http://schemas.microsoft.com/office/drawing/2014/main" id="{8963A320-37E0-5049-BCA6-32369E9F2329}"/>
+              </a:ext>
+            </a:extLst>
+          </p:cNvPr>
+          <p:cNvSpPr>
+            <a:spLocks noGrp="1"/>
+          </p:cNvSpPr>
+          <p:nvPr>
+            <p:ph type="title"/>
+          </p:nvPr>
+        </p:nvSpPr>
+        <p:spPr/>
+        <p:txBody>
+          <a:bodyPr/>
+          <a:lstStyle/>
+          <a:p>
+            <a:r>
+              <a:rPr lang="en-US" dirty="0"/>
+              <a:t>Lists</a:t>
+            </a:r>
+          </a:p>
+        </p:txBody>
+      </p:sp>
+      <p:sp>
+        <p:nvSpPr>
+          <p:cNvPr id="3" name="Content Placeholder 2">
+            <a:extLst>
+              <a:ext uri="{FF2B5EF4-FFF2-40B4-BE49-F238E27FC236}">
+                <a16:creationId xmlns:a16="http://schemas.microsoft.com/office/drawing/2014/main" id="{F97E4805-F6F4-F14A-B34F-FF99997C042C}"/>
+              </a:ext>
+            </a:extLst>
+          </p:cNvPr>
+          <p:cNvSpPr>
+            <a:spLocks noGrp="1"/>
+          </p:cNvSpPr>
+          <p:nvPr>
+            <p:ph idx="1"/>
+          </p:nvPr>
+        </p:nvSpPr>
+        <p:spPr>
+          <a:xfrm>
+            <a:off x="455047" y="1405876"/>
+            <a:ext cx="8305800" cy="5001061"/>
+          </a:xfrm>
+        </p:spPr>
+        <p:txBody>
+          <a:bodyPr/>
+          <a:lstStyle/>
+          <a:p>
+            <a:endParaRPr lang="en-US" dirty="0"/>
+          </a:p>
+          <a:p>
+            <a:endParaRPr lang="en-US" dirty="0"/>
+          </a:p>
+        </p:txBody>
+      </p:sp>
+      <p:sp>
+        <p:nvSpPr>
+          <p:cNvPr id="4" name="Slide Number Placeholder 3">
+            <a:extLst>
+              <a:ext uri="{FF2B5EF4-FFF2-40B4-BE49-F238E27FC236}">
+                <a16:creationId xmlns:a16="http://schemas.microsoft.com/office/drawing/2014/main" id="{854C8B2C-B660-4B43-B1A5-AA26154CC604}"/>
+              </a:ext>
+            </a:extLst>
+          </p:cNvPr>
+          <p:cNvSpPr>
+            <a:spLocks noGrp="1"/>
+          </p:cNvSpPr>
+          <p:nvPr>
+            <p:ph type="sldNum" sz="quarter" idx="12"/>
+          </p:nvPr>
+        </p:nvSpPr>
+        <p:spPr/>
+        <p:txBody>
+          <a:bodyPr/>
+          <a:lstStyle/>
+          <a:p>
+            <a:pPr>
+              <a:defRPr/>
+            </a:pPr>
+            <a:fld id="{3464530E-D695-45C9-AFB6-E411BBE0972A}" type="slidenum">
+              <a:rPr lang="en-US" smtClean="0"/>
+              <a:pPr>
+                <a:defRPr/>
+              </a:pPr>
+              <a:t>30</a:t>
+            </a:fld>
+            <a:endParaRPr lang="en-US"/>
+          </a:p>
+        </p:txBody>
+      </p:sp>
+      <p:sp>
+        <p:nvSpPr>
+          <p:cNvPr id="9" name="TextBox 8">
+            <a:extLst>
+              <a:ext uri="{FF2B5EF4-FFF2-40B4-BE49-F238E27FC236}">
+                <a16:creationId xmlns:a16="http://schemas.microsoft.com/office/drawing/2014/main" id="{DFB4DB7D-615B-4B48-8AE5-A8E7A02428CF}"/>
+              </a:ext>
+            </a:extLst>
+          </p:cNvPr>
+          <p:cNvSpPr txBox="1"/>
+          <p:nvPr/>
+        </p:nvSpPr>
+        <p:spPr>
+          <a:xfrm>
             <a:off x="91415" y="1420846"/>
             <a:ext cx="4298769" cy="4247317"/>
           </a:xfrm>
@@ -21994,7 +22087,7 @@
         </p:nvSpPr>
         <p:spPr>
           <a:xfrm>
-            <a:off x="4552478" y="1420846"/>
+            <a:off x="4544527" y="1420846"/>
             <a:ext cx="4572001" cy="3693319"/>
           </a:xfrm>
           <a:prstGeom prst="rect">
@@ -22253,595 +22346,6 @@
 </p:sld>
 </file>
 
-<file path=ppt/slides/slide3.xml><?xml version="1.0" encoding="utf-8"?>
-<p:sld xmlns:a="http://schemas.openxmlformats.org/drawingml/2006/main" xmlns:r="http://schemas.openxmlformats.org/officeDocument/2006/relationships" xmlns:p="http://schemas.openxmlformats.org/presentationml/2006/main">
-  <p:cSld>
-    <p:spTree>
-      <p:nvGrpSpPr>
-        <p:cNvPr id="1" name=""/>
-        <p:cNvGrpSpPr/>
-        <p:nvPr/>
-      </p:nvGrpSpPr>
-      <p:grpSpPr>
-        <a:xfrm>
-          <a:off x="0" y="0"/>
-          <a:ext cx="0" cy="0"/>
-          <a:chOff x="0" y="0"/>
-          <a:chExt cx="0" cy="0"/>
-        </a:xfrm>
-      </p:grpSpPr>
-      <p:sp>
-        <p:nvSpPr>
-          <p:cNvPr id="2" name="Title 1">
-            <a:extLst>
-              <a:ext uri="{FF2B5EF4-FFF2-40B4-BE49-F238E27FC236}">
-                <a16:creationId xmlns:a16="http://schemas.microsoft.com/office/drawing/2014/main" id="{A5039C9A-9242-2D4C-9463-C98C06D88BFB}"/>
-              </a:ext>
-            </a:extLst>
-          </p:cNvPr>
-          <p:cNvSpPr>
-            <a:spLocks noGrp="1"/>
-          </p:cNvSpPr>
-          <p:nvPr>
-            <p:ph type="title"/>
-          </p:nvPr>
-        </p:nvSpPr>
-        <p:spPr/>
-        <p:txBody>
-          <a:bodyPr/>
-          <a:lstStyle/>
-          <a:p>
-            <a:r>
-              <a:rPr lang="en-US" dirty="0"/>
-              <a:t>Language Implementations</a:t>
-            </a:r>
-          </a:p>
-        </p:txBody>
-      </p:sp>
-      <p:sp>
-        <p:nvSpPr>
-          <p:cNvPr id="3" name="Content Placeholder 2">
-            <a:extLst>
-              <a:ext uri="{FF2B5EF4-FFF2-40B4-BE49-F238E27FC236}">
-                <a16:creationId xmlns:a16="http://schemas.microsoft.com/office/drawing/2014/main" id="{553B0EB7-A8E3-194F-A045-208765C59234}"/>
-              </a:ext>
-            </a:extLst>
-          </p:cNvPr>
-          <p:cNvSpPr>
-            <a:spLocks noGrp="1"/>
-          </p:cNvSpPr>
-          <p:nvPr>
-            <p:ph idx="1"/>
-          </p:nvPr>
-        </p:nvSpPr>
-        <p:spPr>
-          <a:xfrm>
-            <a:off x="446569" y="1876167"/>
-            <a:ext cx="4257125" cy="3750796"/>
-          </a:xfrm>
-        </p:spPr>
-        <p:txBody>
-          <a:bodyPr/>
-          <a:lstStyle/>
-          <a:p>
-            <a:endParaRPr lang="en-US" dirty="0"/>
-          </a:p>
-          <a:p>
-            <a:r>
-              <a:rPr lang="en-US" dirty="0"/>
-              <a:t>Layered architectures </a:t>
-            </a:r>
-          </a:p>
-          <a:p>
-            <a:pPr lvl="1"/>
-            <a:r>
-              <a:rPr lang="en-US" dirty="0"/>
-              <a:t>Mappings from high-level to low-level instructions </a:t>
-            </a:r>
-            <a:endParaRPr lang="en-US" dirty="0">
-              <a:effectLst/>
-            </a:endParaRPr>
-          </a:p>
-        </p:txBody>
-      </p:sp>
-      <p:pic>
-        <p:nvPicPr>
-          <p:cNvPr id="1025" name="Picture 1" descr="page2image2865255136">
-            <a:extLst>
-              <a:ext uri="{FF2B5EF4-FFF2-40B4-BE49-F238E27FC236}">
-                <a16:creationId xmlns:a16="http://schemas.microsoft.com/office/drawing/2014/main" id="{A8A33018-E7DC-5B44-9DBC-915095A7F256}"/>
-              </a:ext>
-            </a:extLst>
-          </p:cNvPr>
-          <p:cNvPicPr>
-            <a:picLocks noChangeAspect="1" noChangeArrowheads="1"/>
-          </p:cNvPicPr>
-          <p:nvPr/>
-        </p:nvPicPr>
-        <p:blipFill>
-          <a:blip r:embed="rId3">
-            <a:extLst>
-              <a:ext uri="{28A0092B-C50C-407E-A947-70E740481C1C}">
-                <a14:useLocalDpi xmlns:a14="http://schemas.microsoft.com/office/drawing/2010/main" val="0"/>
-              </a:ext>
-            </a:extLst>
-          </a:blip>
-          <a:srcRect/>
-          <a:stretch>
-            <a:fillRect/>
-          </a:stretch>
-        </p:blipFill>
-        <p:spPr bwMode="auto">
-          <a:xfrm>
-            <a:off x="4681076" y="1960493"/>
-            <a:ext cx="4326262" cy="3344673"/>
-          </a:xfrm>
-          <a:prstGeom prst="rect">
-            <a:avLst/>
-          </a:prstGeom>
-          <a:noFill/>
-          <a:extLst>
-            <a:ext uri="{909E8E84-426E-40DD-AFC4-6F175D3DCCD1}">
-              <a14:hiddenFill xmlns:a14="http://schemas.microsoft.com/office/drawing/2010/main">
-                <a:solidFill>
-                  <a:srgbClr val="FFFFFF"/>
-                </a:solidFill>
-              </a14:hiddenFill>
-            </a:ext>
-          </a:extLst>
-        </p:spPr>
-      </p:pic>
-    </p:spTree>
-    <p:extLst>
-      <p:ext uri="{BB962C8B-B14F-4D97-AF65-F5344CB8AC3E}">
-        <p14:creationId xmlns:p14="http://schemas.microsoft.com/office/powerpoint/2010/main" val="2955635246"/>
-      </p:ext>
-    </p:extLst>
-  </p:cSld>
-  <p:clrMapOvr>
-    <a:masterClrMapping/>
-  </p:clrMapOvr>
-</p:sld>
-</file>
-
-<file path=ppt/slides/slide30.xml><?xml version="1.0" encoding="utf-8"?>
-<p:sld xmlns:a="http://schemas.openxmlformats.org/drawingml/2006/main" xmlns:r="http://schemas.openxmlformats.org/officeDocument/2006/relationships" xmlns:p="http://schemas.openxmlformats.org/presentationml/2006/main">
-  <p:cSld>
-    <p:spTree>
-      <p:nvGrpSpPr>
-        <p:cNvPr id="1" name=""/>
-        <p:cNvGrpSpPr/>
-        <p:nvPr/>
-      </p:nvGrpSpPr>
-      <p:grpSpPr>
-        <a:xfrm>
-          <a:off x="0" y="0"/>
-          <a:ext cx="0" cy="0"/>
-          <a:chOff x="0" y="0"/>
-          <a:chExt cx="0" cy="0"/>
-        </a:xfrm>
-      </p:grpSpPr>
-      <p:sp>
-        <p:nvSpPr>
-          <p:cNvPr id="2" name="Title 1">
-            <a:extLst>
-              <a:ext uri="{FF2B5EF4-FFF2-40B4-BE49-F238E27FC236}">
-                <a16:creationId xmlns:a16="http://schemas.microsoft.com/office/drawing/2014/main" id="{B884CD3B-47FB-9D40-B737-1B29523F6501}"/>
-              </a:ext>
-            </a:extLst>
-          </p:cNvPr>
-          <p:cNvSpPr>
-            <a:spLocks noGrp="1"/>
-          </p:cNvSpPr>
-          <p:nvPr>
-            <p:ph type="title"/>
-          </p:nvPr>
-        </p:nvSpPr>
-        <p:spPr/>
-        <p:txBody>
-          <a:bodyPr/>
-          <a:lstStyle/>
-          <a:p>
-            <a:r>
-              <a:rPr lang="en-US" dirty="0"/>
-              <a:t>Iterations (Loops)</a:t>
-            </a:r>
-          </a:p>
-        </p:txBody>
-      </p:sp>
-      <p:sp>
-        <p:nvSpPr>
-          <p:cNvPr id="3" name="Content Placeholder 2">
-            <a:extLst>
-              <a:ext uri="{FF2B5EF4-FFF2-40B4-BE49-F238E27FC236}">
-                <a16:creationId xmlns:a16="http://schemas.microsoft.com/office/drawing/2014/main" id="{4BFCDD55-ADE5-D64A-8AD0-B0618AFEFC6B}"/>
-              </a:ext>
-            </a:extLst>
-          </p:cNvPr>
-          <p:cNvSpPr>
-            <a:spLocks noGrp="1"/>
-          </p:cNvSpPr>
-          <p:nvPr>
-            <p:ph idx="1"/>
-          </p:nvPr>
-        </p:nvSpPr>
-        <p:spPr>
-          <a:xfrm>
-            <a:off x="457200" y="1358555"/>
-            <a:ext cx="8305800" cy="4481413"/>
-          </a:xfrm>
-        </p:spPr>
-        <p:txBody>
-          <a:bodyPr/>
-          <a:lstStyle/>
-          <a:p>
-            <a:r>
-              <a:rPr lang="en-US" dirty="0"/>
-              <a:t>Starting with the </a:t>
-            </a:r>
-            <a:r>
-              <a:rPr lang="en-US" b="1" dirty="0"/>
-              <a:t>for</a:t>
-            </a:r>
-            <a:r>
-              <a:rPr lang="en-US" dirty="0"/>
-              <a:t> (highly used with </a:t>
-            </a:r>
-            <a:r>
-              <a:rPr lang="en-US" dirty="0" err="1"/>
-              <a:t>iterable</a:t>
-            </a:r>
-            <a:r>
-              <a:rPr lang="en-US" dirty="0"/>
-              <a:t> objects)</a:t>
-            </a:r>
-          </a:p>
-          <a:p>
-            <a:endParaRPr lang="en-US" dirty="0"/>
-          </a:p>
-          <a:p>
-            <a:endParaRPr lang="en-US" dirty="0"/>
-          </a:p>
-          <a:p>
-            <a:endParaRPr lang="en-US" dirty="0"/>
-          </a:p>
-          <a:p>
-            <a:endParaRPr lang="en-US" dirty="0"/>
-          </a:p>
-          <a:p>
-            <a:r>
-              <a:rPr lang="en-US" dirty="0"/>
-              <a:t>But… also for counting</a:t>
-            </a:r>
-          </a:p>
-          <a:p>
-            <a:endParaRPr lang="en-US" dirty="0"/>
-          </a:p>
-          <a:p>
-            <a:pPr marL="0" indent="0">
-              <a:buNone/>
-            </a:pPr>
-            <a:endParaRPr lang="en-US" dirty="0"/>
-          </a:p>
-          <a:p>
-            <a:endParaRPr lang="en-US" dirty="0"/>
-          </a:p>
-          <a:p>
-            <a:pPr marL="457188" lvl="1" indent="0">
-              <a:buNone/>
-            </a:pPr>
-            <a:endParaRPr lang="en-US" dirty="0"/>
-          </a:p>
-        </p:txBody>
-      </p:sp>
-      <p:sp>
-        <p:nvSpPr>
-          <p:cNvPr id="4" name="Slide Number Placeholder 3">
-            <a:extLst>
-              <a:ext uri="{FF2B5EF4-FFF2-40B4-BE49-F238E27FC236}">
-                <a16:creationId xmlns:a16="http://schemas.microsoft.com/office/drawing/2014/main" id="{7764DEEE-A3B2-0645-B635-45371A1C6BAB}"/>
-              </a:ext>
-            </a:extLst>
-          </p:cNvPr>
-          <p:cNvSpPr>
-            <a:spLocks noGrp="1"/>
-          </p:cNvSpPr>
-          <p:nvPr>
-            <p:ph type="sldNum" sz="quarter" idx="12"/>
-          </p:nvPr>
-        </p:nvSpPr>
-        <p:spPr/>
-        <p:txBody>
-          <a:bodyPr/>
-          <a:lstStyle/>
-          <a:p>
-            <a:pPr>
-              <a:defRPr/>
-            </a:pPr>
-            <a:fld id="{3464530E-D695-45C9-AFB6-E411BBE0972A}" type="slidenum">
-              <a:rPr lang="en-US" smtClean="0"/>
-              <a:pPr>
-                <a:defRPr/>
-              </a:pPr>
-              <a:t>30</a:t>
-            </a:fld>
-            <a:endParaRPr lang="en-US"/>
-          </a:p>
-        </p:txBody>
-      </p:sp>
-      <p:sp>
-        <p:nvSpPr>
-          <p:cNvPr id="5" name="TextBox 4">
-            <a:extLst>
-              <a:ext uri="{FF2B5EF4-FFF2-40B4-BE49-F238E27FC236}">
-                <a16:creationId xmlns:a16="http://schemas.microsoft.com/office/drawing/2014/main" id="{B5D74277-F3BB-0149-A9EF-352CB8B6CB42}"/>
-              </a:ext>
-            </a:extLst>
-          </p:cNvPr>
-          <p:cNvSpPr txBox="1"/>
-          <p:nvPr/>
-        </p:nvSpPr>
-        <p:spPr>
-          <a:xfrm>
-            <a:off x="815315" y="1997839"/>
-            <a:ext cx="7513369" cy="1200329"/>
-          </a:xfrm>
-          <a:prstGeom prst="rect">
-            <a:avLst/>
-          </a:prstGeom>
-          <a:solidFill>
-            <a:schemeClr val="bg1">
-              <a:lumMod val="95000"/>
-            </a:schemeClr>
-          </a:solidFill>
-        </p:spPr>
-        <p:txBody>
-          <a:bodyPr wrap="square" rtlCol="0">
-            <a:spAutoFit/>
-          </a:bodyPr>
-          <a:lstStyle/>
-          <a:p>
-            <a:r>
-              <a:rPr lang="en-US" sz="1800" dirty="0" err="1">
-                <a:latin typeface="Courier" pitchFamily="2" charset="0"/>
-              </a:rPr>
-              <a:t>list_of_numbers</a:t>
-            </a:r>
-            <a:r>
-              <a:rPr lang="en-US" sz="1800" dirty="0">
-                <a:latin typeface="Courier" pitchFamily="2" charset="0"/>
-              </a:rPr>
-              <a:t> = [1,2,3,4,5]</a:t>
-            </a:r>
-          </a:p>
-          <a:p>
-            <a:endParaRPr lang="en-US" sz="1800" dirty="0">
-              <a:latin typeface="Courier" pitchFamily="2" charset="0"/>
-            </a:endParaRPr>
-          </a:p>
-          <a:p>
-            <a:r>
-              <a:rPr lang="en-US" sz="1800" b="1" dirty="0">
-                <a:latin typeface="Courier" pitchFamily="2" charset="0"/>
-              </a:rPr>
-              <a:t>for</a:t>
-            </a:r>
-            <a:r>
-              <a:rPr lang="en-US" sz="1800" dirty="0">
-                <a:latin typeface="Courier" pitchFamily="2" charset="0"/>
-              </a:rPr>
-              <a:t> element </a:t>
-            </a:r>
-            <a:r>
-              <a:rPr lang="en-US" sz="1800" b="1" dirty="0">
-                <a:latin typeface="Courier" pitchFamily="2" charset="0"/>
-              </a:rPr>
-              <a:t>in</a:t>
-            </a:r>
-            <a:r>
-              <a:rPr lang="en-US" sz="1800" dirty="0">
-                <a:latin typeface="Courier" pitchFamily="2" charset="0"/>
-              </a:rPr>
-              <a:t> </a:t>
-            </a:r>
-            <a:r>
-              <a:rPr lang="en-US" sz="1800" dirty="0" err="1">
-                <a:latin typeface="Courier" pitchFamily="2" charset="0"/>
-              </a:rPr>
-              <a:t>list_of_numbers</a:t>
-            </a:r>
-            <a:r>
-              <a:rPr lang="en-US" sz="1800" dirty="0">
-                <a:latin typeface="Courier" pitchFamily="2" charset="0"/>
-              </a:rPr>
-              <a:t>:</a:t>
-            </a:r>
-          </a:p>
-          <a:p>
-            <a:r>
-              <a:rPr lang="en-US" sz="1800" dirty="0">
-                <a:latin typeface="Courier" pitchFamily="2" charset="0"/>
-              </a:rPr>
-              <a:t>   </a:t>
-            </a:r>
-            <a:r>
-              <a:rPr lang="en-US" sz="1800" b="1" dirty="0">
-                <a:latin typeface="Courier" pitchFamily="2" charset="0"/>
-              </a:rPr>
-              <a:t>print</a:t>
-            </a:r>
-            <a:r>
-              <a:rPr lang="en-US" sz="1800" dirty="0">
-                <a:latin typeface="Courier" pitchFamily="2" charset="0"/>
-              </a:rPr>
-              <a:t> (element)</a:t>
-            </a:r>
-          </a:p>
-        </p:txBody>
-      </p:sp>
-      <p:sp>
-        <p:nvSpPr>
-          <p:cNvPr id="6" name="TextBox 5">
-            <a:extLst>
-              <a:ext uri="{FF2B5EF4-FFF2-40B4-BE49-F238E27FC236}">
-                <a16:creationId xmlns:a16="http://schemas.microsoft.com/office/drawing/2014/main" id="{91775792-7450-6248-B868-749AFB3C32E6}"/>
-              </a:ext>
-            </a:extLst>
-          </p:cNvPr>
-          <p:cNvSpPr txBox="1"/>
-          <p:nvPr/>
-        </p:nvSpPr>
-        <p:spPr>
-          <a:xfrm>
-            <a:off x="815314" y="3837452"/>
-            <a:ext cx="7513369" cy="1754326"/>
-          </a:xfrm>
-          <a:prstGeom prst="rect">
-            <a:avLst/>
-          </a:prstGeom>
-          <a:solidFill>
-            <a:schemeClr val="bg1">
-              <a:lumMod val="95000"/>
-            </a:schemeClr>
-          </a:solidFill>
-        </p:spPr>
-        <p:txBody>
-          <a:bodyPr wrap="square" rtlCol="0">
-            <a:spAutoFit/>
-          </a:bodyPr>
-          <a:lstStyle/>
-          <a:p>
-            <a:r>
-              <a:rPr lang="en-US" sz="1800" b="1" dirty="0">
-                <a:latin typeface="Courier" pitchFamily="2" charset="0"/>
-              </a:rPr>
-              <a:t>for</a:t>
-            </a:r>
-            <a:r>
-              <a:rPr lang="en-US" sz="1800" dirty="0">
-                <a:latin typeface="Courier" pitchFamily="2" charset="0"/>
-              </a:rPr>
-              <a:t> x </a:t>
-            </a:r>
-            <a:r>
-              <a:rPr lang="en-US" sz="1800" b="1" dirty="0">
-                <a:latin typeface="Courier" pitchFamily="2" charset="0"/>
-              </a:rPr>
-              <a:t>in </a:t>
-            </a:r>
-            <a:r>
-              <a:rPr lang="en-US" sz="1800" dirty="0">
-                <a:latin typeface="Courier" pitchFamily="2" charset="0"/>
-              </a:rPr>
-              <a:t>range</a:t>
-            </a:r>
-            <a:r>
-              <a:rPr lang="en-US" sz="1800" b="1" dirty="0">
-                <a:latin typeface="Courier" pitchFamily="2" charset="0"/>
-              </a:rPr>
-              <a:t>(</a:t>
-            </a:r>
-            <a:r>
-              <a:rPr lang="en-US" sz="1800" dirty="0">
-                <a:latin typeface="Courier" pitchFamily="2" charset="0"/>
-              </a:rPr>
-              <a:t>10</a:t>
-            </a:r>
-            <a:r>
-              <a:rPr lang="en-US" sz="1800" b="1" dirty="0">
-                <a:latin typeface="Courier" pitchFamily="2" charset="0"/>
-              </a:rPr>
-              <a:t>): </a:t>
-            </a:r>
-            <a:r>
-              <a:rPr lang="en-US" sz="1800" dirty="0">
-                <a:solidFill>
-                  <a:srgbClr val="00B050"/>
-                </a:solidFill>
-                <a:latin typeface="Courier" pitchFamily="2" charset="0"/>
-              </a:rPr>
-              <a:t>#will iterate from 0 to 9</a:t>
-            </a:r>
-          </a:p>
-          <a:p>
-            <a:r>
-              <a:rPr lang="en-US" sz="1800" dirty="0">
-                <a:latin typeface="Courier" pitchFamily="2" charset="0"/>
-              </a:rPr>
-              <a:t>   </a:t>
-            </a:r>
-            <a:r>
-              <a:rPr lang="en-US" sz="1800" b="1" dirty="0">
-                <a:latin typeface="Courier" pitchFamily="2" charset="0"/>
-              </a:rPr>
-              <a:t>if</a:t>
-            </a:r>
-            <a:r>
-              <a:rPr lang="en-US" sz="1800" dirty="0">
-                <a:latin typeface="Courier" pitchFamily="2" charset="0"/>
-              </a:rPr>
-              <a:t> (x%3==0):</a:t>
-            </a:r>
-          </a:p>
-          <a:p>
-            <a:r>
-              <a:rPr lang="en-US" sz="1800" dirty="0">
-                <a:latin typeface="Courier" pitchFamily="2" charset="0"/>
-              </a:rPr>
-              <a:t>      </a:t>
-            </a:r>
-            <a:r>
-              <a:rPr lang="en-US" sz="1800" b="1" dirty="0">
-                <a:latin typeface="Courier" pitchFamily="2" charset="0"/>
-              </a:rPr>
-              <a:t>continue</a:t>
-            </a:r>
-          </a:p>
-          <a:p>
-            <a:r>
-              <a:rPr lang="en-US" sz="1800" b="1" dirty="0">
-                <a:latin typeface="Courier" pitchFamily="2" charset="0"/>
-              </a:rPr>
-              <a:t>   print</a:t>
-            </a:r>
-            <a:r>
-              <a:rPr lang="en-US" sz="1800" dirty="0">
-                <a:latin typeface="Courier" pitchFamily="2" charset="0"/>
-              </a:rPr>
-              <a:t> (x)</a:t>
-            </a:r>
-          </a:p>
-          <a:p>
-            <a:endParaRPr lang="en-US" sz="1800" dirty="0">
-              <a:latin typeface="Courier" pitchFamily="2" charset="0"/>
-            </a:endParaRPr>
-          </a:p>
-          <a:p>
-            <a:r>
-              <a:rPr lang="en-US" sz="1800" dirty="0">
-                <a:solidFill>
-                  <a:srgbClr val="00B050"/>
-                </a:solidFill>
-                <a:latin typeface="Courier" pitchFamily="2" charset="0"/>
-              </a:rPr>
-              <a:t>#what is the output?</a:t>
-            </a:r>
-          </a:p>
-        </p:txBody>
-      </p:sp>
-    </p:spTree>
-    <p:extLst>
-      <p:ext uri="{BB962C8B-B14F-4D97-AF65-F5344CB8AC3E}">
-        <p14:creationId xmlns:p14="http://schemas.microsoft.com/office/powerpoint/2010/main" val="2714886000"/>
-      </p:ext>
-    </p:extLst>
-  </p:cSld>
-  <p:clrMapOvr>
-    <a:masterClrMapping/>
-  </p:clrMapOvr>
-</p:sld>
-</file>
-
 <file path=ppt/slides/slide31.xml><?xml version="1.0" encoding="utf-8"?>
 <p:sld xmlns:a="http://schemas.openxmlformats.org/drawingml/2006/main" xmlns:r="http://schemas.openxmlformats.org/officeDocument/2006/relationships" xmlns:p="http://schemas.openxmlformats.org/presentationml/2006/main">
   <p:cSld>
@@ -22915,7 +22419,23 @@
           <a:p>
             <a:r>
               <a:rPr lang="en-US" dirty="0"/>
-              <a:t>Now iterating over a list of lists</a:t>
+              <a:t>Starting with the </a:t>
+            </a:r>
+            <a:r>
+              <a:rPr lang="en-US" b="1" dirty="0"/>
+              <a:t>for</a:t>
+            </a:r>
+            <a:r>
+              <a:rPr lang="en-US" dirty="0"/>
+              <a:t> (highly used with </a:t>
+            </a:r>
+            <a:r>
+              <a:rPr lang="en-US" dirty="0" err="1"/>
+              <a:t>iterable</a:t>
+            </a:r>
+            <a:r>
+              <a:rPr lang="en-US" dirty="0"/>
+              <a:t> objects)</a:t>
             </a:r>
           </a:p>
           <a:p>
@@ -22929,6 +22449,12 @@
           </a:p>
           <a:p>
             <a:endParaRPr lang="en-US" dirty="0"/>
+          </a:p>
+          <a:p>
+            <a:r>
+              <a:rPr lang="en-US" dirty="0"/>
+              <a:t>But… also for counting</a:t>
+            </a:r>
           </a:p>
           <a:p>
             <a:endParaRPr lang="en-US" dirty="0"/>
@@ -22999,8 +22525,8 @@
         </p:nvSpPr>
         <p:spPr>
           <a:xfrm>
-            <a:off x="182881" y="1997839"/>
-            <a:ext cx="8580120" cy="3416320"/>
+            <a:off x="815315" y="1997839"/>
+            <a:ext cx="7513369" cy="1200329"/>
           </a:xfrm>
           <a:prstGeom prst="rect">
             <a:avLst/>
@@ -23018,14 +22544,219 @@
           <a:lstStyle/>
           <a:p>
             <a:r>
+              <a:rPr lang="en-US" sz="1800" dirty="0" err="1">
+                <a:latin typeface="Courier" pitchFamily="2" charset="0"/>
+              </a:rPr>
+              <a:t>list_of_numbers</a:t>
+            </a:r>
+            <a:r>
+              <a:rPr lang="en-US" sz="1800" dirty="0">
+                <a:latin typeface="Courier" pitchFamily="2" charset="0"/>
+              </a:rPr>
+              <a:t> = [1,2,3,4,5]</a:t>
+            </a:r>
+          </a:p>
+          <a:p>
+            <a:endParaRPr lang="en-US" sz="1800" dirty="0">
+              <a:latin typeface="Courier" pitchFamily="2" charset="0"/>
+            </a:endParaRPr>
+          </a:p>
+          <a:p>
+            <a:r>
+              <a:rPr lang="en-US" sz="1800" b="1" dirty="0">
+                <a:latin typeface="Courier" pitchFamily="2" charset="0"/>
+              </a:rPr>
+              <a:t>for</a:t>
+            </a:r>
+            <a:r>
+              <a:rPr lang="en-US" sz="1800" dirty="0">
+                <a:latin typeface="Courier" pitchFamily="2" charset="0"/>
+              </a:rPr>
+              <a:t> element </a:t>
+            </a:r>
+            <a:r>
+              <a:rPr lang="en-US" sz="1800" b="1" dirty="0">
+                <a:latin typeface="Courier" pitchFamily="2" charset="0"/>
+              </a:rPr>
+              <a:t>in</a:t>
+            </a:r>
+            <a:r>
+              <a:rPr lang="en-US" sz="1800" dirty="0">
+                <a:latin typeface="Courier" pitchFamily="2" charset="0"/>
+              </a:rPr>
+              <a:t> </a:t>
+            </a:r>
+            <a:r>
+              <a:rPr lang="en-US" sz="1800" dirty="0" err="1">
+                <a:latin typeface="Courier" pitchFamily="2" charset="0"/>
+              </a:rPr>
+              <a:t>list_of_numbers</a:t>
+            </a:r>
+            <a:r>
+              <a:rPr lang="en-US" sz="1800" dirty="0">
+                <a:latin typeface="Courier" pitchFamily="2" charset="0"/>
+              </a:rPr>
+              <a:t>:</a:t>
+            </a:r>
+          </a:p>
+          <a:p>
+            <a:r>
+              <a:rPr lang="en-US" sz="1800" dirty="0">
+                <a:latin typeface="Courier" pitchFamily="2" charset="0"/>
+              </a:rPr>
+              <a:t>   </a:t>
+            </a:r>
+            <a:r>
+              <a:rPr lang="en-US" sz="1800" b="1" dirty="0">
+                <a:latin typeface="Courier" pitchFamily="2" charset="0"/>
+              </a:rPr>
+              <a:t>print</a:t>
+            </a:r>
+            <a:r>
+              <a:rPr lang="en-US" sz="1800" dirty="0">
+                <a:latin typeface="Courier" pitchFamily="2" charset="0"/>
+              </a:rPr>
+              <a:t> (element)</a:t>
+            </a:r>
+          </a:p>
+        </p:txBody>
+      </p:sp>
+      <p:sp>
+        <p:nvSpPr>
+          <p:cNvPr id="6" name="TextBox 5">
+            <a:extLst>
+              <a:ext uri="{FF2B5EF4-FFF2-40B4-BE49-F238E27FC236}">
+                <a16:creationId xmlns:a16="http://schemas.microsoft.com/office/drawing/2014/main" id="{91775792-7450-6248-B868-749AFB3C32E6}"/>
+              </a:ext>
+            </a:extLst>
+          </p:cNvPr>
+          <p:cNvSpPr txBox="1"/>
+          <p:nvPr/>
+        </p:nvSpPr>
+        <p:spPr>
+          <a:xfrm>
+            <a:off x="815314" y="3837452"/>
+            <a:ext cx="7513369" cy="1754326"/>
+          </a:xfrm>
+          <a:prstGeom prst="rect">
+            <a:avLst/>
+          </a:prstGeom>
+          <a:solidFill>
+            <a:schemeClr val="bg1">
+              <a:lumMod val="95000"/>
+            </a:schemeClr>
+          </a:solidFill>
+        </p:spPr>
+        <p:txBody>
+          <a:bodyPr wrap="square" rtlCol="0">
+            <a:spAutoFit/>
+          </a:bodyPr>
+          <a:lstStyle/>
+          <a:p>
+            <a:r>
+              <a:rPr lang="en-US" sz="1800" b="1" dirty="0">
+                <a:latin typeface="Courier" pitchFamily="2" charset="0"/>
+              </a:rPr>
+              <a:t>for</a:t>
+            </a:r>
+            <a:r>
+              <a:rPr lang="en-US" sz="1800" dirty="0">
+                <a:latin typeface="Courier" pitchFamily="2" charset="0"/>
+              </a:rPr>
+              <a:t> x </a:t>
+            </a:r>
+            <a:r>
+              <a:rPr lang="en-US" sz="1800" b="1" dirty="0">
+                <a:latin typeface="Courier" pitchFamily="2" charset="0"/>
+              </a:rPr>
+              <a:t>in </a:t>
+            </a:r>
+            <a:r>
+              <a:rPr lang="en-US" sz="1800" dirty="0">
+                <a:latin typeface="Courier" pitchFamily="2" charset="0"/>
+              </a:rPr>
+              <a:t>range</a:t>
+            </a:r>
+            <a:r>
+              <a:rPr lang="en-US" sz="1800" b="1" dirty="0">
+                <a:latin typeface="Courier" pitchFamily="2" charset="0"/>
+              </a:rPr>
+              <a:t>(</a:t>
+            </a:r>
+            <a:r>
+              <a:rPr lang="en-US" sz="1800" dirty="0">
+                <a:latin typeface="Courier" pitchFamily="2" charset="0"/>
+              </a:rPr>
+              <a:t>10</a:t>
+            </a:r>
+            <a:r>
+              <a:rPr lang="en-US" sz="1800" b="1" dirty="0">
+                <a:latin typeface="Courier" pitchFamily="2" charset="0"/>
+              </a:rPr>
+              <a:t>): </a:t>
+            </a:r>
+            <a:r>
               <a:rPr lang="en-US" sz="1800" dirty="0">
                 <a:solidFill>
                   <a:srgbClr val="00B050"/>
                 </a:solidFill>
                 <a:latin typeface="Courier" pitchFamily="2" charset="0"/>
               </a:rPr>
-              <a:t># grades is a list that stores the name and the grade </a:t>
-            </a:r>
+              <a:t>#will iterate from 0 to 9</a:t>
+            </a:r>
+          </a:p>
+          <a:p>
+            <a:r>
+              <a:rPr lang="en-US" sz="1800" dirty="0">
+                <a:latin typeface="Courier" pitchFamily="2" charset="0"/>
+              </a:rPr>
+              <a:t>   </a:t>
+            </a:r>
+            <a:r>
+              <a:rPr lang="en-US" sz="1800" b="1" dirty="0">
+                <a:latin typeface="Courier" pitchFamily="2" charset="0"/>
+              </a:rPr>
+              <a:t>if</a:t>
+            </a:r>
+            <a:r>
+              <a:rPr lang="en-US" sz="1800" dirty="0">
+                <a:latin typeface="Courier" pitchFamily="2" charset="0"/>
+              </a:rPr>
+              <a:t> (x%3==0):</a:t>
+            </a:r>
+          </a:p>
+          <a:p>
+            <a:r>
+              <a:rPr lang="en-US" sz="1800" dirty="0">
+                <a:latin typeface="Courier" pitchFamily="2" charset="0"/>
+              </a:rPr>
+              <a:t>      </a:t>
+            </a:r>
+            <a:r>
+              <a:rPr lang="en-US" sz="1800" b="1" dirty="0">
+                <a:latin typeface="Courier" pitchFamily="2" charset="0"/>
+              </a:rPr>
+              <a:t>continue</a:t>
+            </a:r>
+          </a:p>
+          <a:p>
+            <a:r>
+              <a:rPr lang="en-US" sz="1800" b="1" dirty="0">
+                <a:latin typeface="Courier" pitchFamily="2" charset="0"/>
+              </a:rPr>
+              <a:t>   print</a:t>
+            </a:r>
+            <a:r>
+              <a:rPr lang="en-US" sz="1800" dirty="0">
+                <a:latin typeface="Courier" pitchFamily="2" charset="0"/>
+              </a:rPr>
+              <a:t> (x)</a:t>
+            </a:r>
+          </a:p>
+          <a:p>
+            <a:endParaRPr lang="en-US" sz="1800" dirty="0">
+              <a:latin typeface="Courier" pitchFamily="2" charset="0"/>
+            </a:endParaRPr>
           </a:p>
           <a:p>
             <a:r>
@@ -23035,161 +22766,171 @@
                 </a:solidFill>
                 <a:latin typeface="Courier" pitchFamily="2" charset="0"/>
               </a:rPr>
-              <a:t># of students. Each position of the list has one list</a:t>
-            </a:r>
-          </a:p>
-          <a:p>
-            <a:r>
-              <a:rPr lang="en-US" sz="1800" dirty="0">
-                <a:solidFill>
-                  <a:srgbClr val="00B050"/>
-                </a:solidFill>
-                <a:latin typeface="Courier" pitchFamily="2" charset="0"/>
-              </a:rPr>
-              <a:t># with two positions. The first stores the name, and </a:t>
-            </a:r>
-          </a:p>
-          <a:p>
-            <a:r>
-              <a:rPr lang="en-US" sz="1800" dirty="0">
-                <a:solidFill>
-                  <a:srgbClr val="00B050"/>
-                </a:solidFill>
-                <a:latin typeface="Courier" pitchFamily="2" charset="0"/>
-              </a:rPr>
-              <a:t># the second stores the grade</a:t>
-            </a:r>
-          </a:p>
-          <a:p>
-            <a:endParaRPr lang="en-US" sz="1800" dirty="0">
-              <a:latin typeface="Courier" pitchFamily="2" charset="0"/>
-            </a:endParaRPr>
-          </a:p>
-          <a:p>
-            <a:r>
-              <a:rPr lang="en-US" sz="1800" dirty="0">
-                <a:latin typeface="Courier" pitchFamily="2" charset="0"/>
-              </a:rPr>
-              <a:t>grades = [["John",60],["Paul", 84],[”Ben", 70], ["Tony",35]]</a:t>
-            </a:r>
-          </a:p>
-          <a:p>
-            <a:r>
-              <a:rPr lang="en-US" sz="1800" b="1" dirty="0">
-                <a:latin typeface="Courier" pitchFamily="2" charset="0"/>
-              </a:rPr>
-              <a:t>for</a:t>
-            </a:r>
-            <a:r>
-              <a:rPr lang="en-US" sz="1800" dirty="0">
-                <a:latin typeface="Courier" pitchFamily="2" charset="0"/>
-              </a:rPr>
-              <a:t> entry </a:t>
-            </a:r>
-            <a:r>
-              <a:rPr lang="en-US" sz="1800" b="1" dirty="0">
-                <a:latin typeface="Courier" pitchFamily="2" charset="0"/>
-              </a:rPr>
-              <a:t>in</a:t>
-            </a:r>
-            <a:r>
-              <a:rPr lang="en-US" sz="1800" dirty="0">
-                <a:latin typeface="Courier" pitchFamily="2" charset="0"/>
-              </a:rPr>
-              <a:t> grades:</a:t>
-            </a:r>
-          </a:p>
-          <a:p>
-            <a:r>
-              <a:rPr lang="en-US" sz="1800" dirty="0">
-                <a:latin typeface="Courier" pitchFamily="2" charset="0"/>
-              </a:rPr>
-              <a:t>   </a:t>
-            </a:r>
-            <a:r>
-              <a:rPr lang="en-US" sz="1800" b="1" dirty="0">
-                <a:latin typeface="Courier" pitchFamily="2" charset="0"/>
-              </a:rPr>
-              <a:t>if</a:t>
-            </a:r>
-            <a:r>
-              <a:rPr lang="en-US" sz="1800" dirty="0">
-                <a:latin typeface="Courier" pitchFamily="2" charset="0"/>
-              </a:rPr>
-              <a:t> (entry[1]&gt;60):</a:t>
-            </a:r>
-          </a:p>
-          <a:p>
-            <a:r>
-              <a:rPr lang="en-US" sz="1800" dirty="0">
-                <a:latin typeface="Courier" pitchFamily="2" charset="0"/>
-              </a:rPr>
-              <a:t>      </a:t>
-            </a:r>
-            <a:r>
-              <a:rPr lang="en-US" sz="1800" b="1" dirty="0">
-                <a:latin typeface="Courier" pitchFamily="2" charset="0"/>
-              </a:rPr>
-              <a:t>print</a:t>
-            </a:r>
-            <a:r>
-              <a:rPr lang="en-US" sz="1800" dirty="0">
-                <a:latin typeface="Courier" pitchFamily="2" charset="0"/>
-              </a:rPr>
-              <a:t>(entry[0] + ": approved")</a:t>
-            </a:r>
-          </a:p>
-          <a:p>
-            <a:r>
-              <a:rPr lang="en-US" sz="1800" dirty="0">
-                <a:latin typeface="Courier" pitchFamily="2" charset="0"/>
-              </a:rPr>
-              <a:t>   </a:t>
-            </a:r>
-            <a:r>
-              <a:rPr lang="en-US" sz="1800" b="1" dirty="0">
-                <a:latin typeface="Courier" pitchFamily="2" charset="0"/>
-              </a:rPr>
-              <a:t>else</a:t>
-            </a:r>
-            <a:r>
-              <a:rPr lang="en-US" sz="1800" dirty="0">
-                <a:latin typeface="Courier" pitchFamily="2" charset="0"/>
-              </a:rPr>
-              <a:t>:</a:t>
-            </a:r>
-          </a:p>
-          <a:p>
-            <a:r>
-              <a:rPr lang="en-US" sz="1800" dirty="0">
-                <a:latin typeface="Courier" pitchFamily="2" charset="0"/>
-              </a:rPr>
-              <a:t>      </a:t>
-            </a:r>
-            <a:r>
-              <a:rPr lang="en-US" sz="1800" b="1" dirty="0">
-                <a:latin typeface="Courier" pitchFamily="2" charset="0"/>
-              </a:rPr>
-              <a:t>print</a:t>
-            </a:r>
-            <a:r>
-              <a:rPr lang="en-US" sz="1800" dirty="0">
-                <a:latin typeface="Courier" pitchFamily="2" charset="0"/>
-              </a:rPr>
-              <a:t>(entry[0] + ": talk to the instructor")</a:t>
-            </a:r>
-          </a:p>
-          <a:p>
-            <a:endParaRPr lang="en-US" sz="1800" dirty="0">
-              <a:latin typeface="Courier" pitchFamily="2" charset="0"/>
-            </a:endParaRPr>
-          </a:p>
-        </p:txBody>
-      </p:sp>
+              <a:t>#what is the output?</a:t>
+            </a:r>
+          </a:p>
+        </p:txBody>
+      </p:sp>
+      <p:graphicFrame>
+        <p:nvGraphicFramePr>
+          <p:cNvPr id="7" name="Table 6">
+            <a:extLst>
+              <a:ext uri="{FF2B5EF4-FFF2-40B4-BE49-F238E27FC236}">
+                <a16:creationId xmlns:a16="http://schemas.microsoft.com/office/drawing/2014/main" id="{C3CD0122-656E-DF4C-A540-005DAE610B8A}"/>
+              </a:ext>
+            </a:extLst>
+          </p:cNvPr>
+          <p:cNvGraphicFramePr>
+            <a:graphicFrameLocks noGrp="1"/>
+          </p:cNvGraphicFramePr>
+          <p:nvPr/>
+        </p:nvGraphicFramePr>
+        <p:xfrm>
+          <a:off x="4197350" y="3658870"/>
+          <a:ext cx="825500" cy="375285"/>
+        </p:xfrm>
+        <a:graphic>
+          <a:graphicData uri="http://schemas.openxmlformats.org/drawingml/2006/table">
+            <a:tbl>
+              <a:tblPr/>
+              <a:tblGrid>
+                <a:gridCol w="825500">
+                  <a:extLst>
+                    <a:ext uri="{9D8B030D-6E8A-4147-A177-3AD203B41FA5}">
+                      <a16:colId xmlns:a16="http://schemas.microsoft.com/office/drawing/2014/main" val="1410220435"/>
+                    </a:ext>
+                  </a:extLst>
+                </a:gridCol>
+              </a:tblGrid>
+              <a:tr h="203200">
+                <a:tc>
+                  <a:txBody>
+                    <a:bodyPr/>
+                    <a:lstStyle/>
+                    <a:p>
+                      <a:pPr algn="l" fontAlgn="b"/>
+                      <a:r>
+                        <a:rPr lang="en-US" sz="1200" b="0" i="0" u="none" strike="noStrike" dirty="0">
+                          <a:solidFill>
+                            <a:srgbClr val="000000"/>
+                          </a:solidFill>
+                          <a:effectLst/>
+                          <a:latin typeface="Calibri" panose="020F0502020204030204" pitchFamily="34" charset="0"/>
+                        </a:rPr>
+                        <a:t>[None Given]</a:t>
+                      </a:r>
+                    </a:p>
+                  </a:txBody>
+                  <a:tcPr marL="9525" marR="9525" marT="9525" marB="0" anchor="b">
+                    <a:lnL>
+                      <a:noFill/>
+                    </a:lnL>
+                    <a:lnR>
+                      <a:noFill/>
+                    </a:lnR>
+                    <a:lnT>
+                      <a:noFill/>
+                    </a:lnT>
+                    <a:lnB>
+                      <a:noFill/>
+                    </a:lnB>
+                  </a:tcPr>
+                </a:tc>
+                <a:extLst>
+                  <a:ext uri="{0D108BD9-81ED-4DB2-BD59-A6C34878D82A}">
+                    <a16:rowId xmlns:a16="http://schemas.microsoft.com/office/drawing/2014/main" val="1667522364"/>
+                  </a:ext>
+                </a:extLst>
+              </a:tr>
+            </a:tbl>
+          </a:graphicData>
+        </a:graphic>
+      </p:graphicFrame>
+      <p:graphicFrame>
+        <p:nvGraphicFramePr>
+          <p:cNvPr id="8" name="Table 7">
+            <a:extLst>
+              <a:ext uri="{FF2B5EF4-FFF2-40B4-BE49-F238E27FC236}">
+                <a16:creationId xmlns:a16="http://schemas.microsoft.com/office/drawing/2014/main" id="{D06F0702-315E-754F-8E65-638A129149FC}"/>
+              </a:ext>
+            </a:extLst>
+          </p:cNvPr>
+          <p:cNvGraphicFramePr>
+            <a:graphicFrameLocks noGrp="1"/>
+          </p:cNvGraphicFramePr>
+          <p:nvPr>
+            <p:extLst>
+              <p:ext uri="{D42A27DB-BD31-4B8C-83A1-F6EECF244321}">
+                <p14:modId xmlns:p14="http://schemas.microsoft.com/office/powerpoint/2010/main" val="39142312"/>
+              </p:ext>
+            </p:extLst>
+          </p:nvPr>
+        </p:nvGraphicFramePr>
+        <p:xfrm>
+          <a:off x="4197350" y="3658870"/>
+          <a:ext cx="825500" cy="203200"/>
+        </p:xfrm>
+        <a:graphic>
+          <a:graphicData uri="http://schemas.openxmlformats.org/drawingml/2006/table">
+            <a:tbl>
+              <a:tblPr/>
+              <a:tblGrid>
+                <a:gridCol w="825500">
+                  <a:extLst>
+                    <a:ext uri="{9D8B030D-6E8A-4147-A177-3AD203B41FA5}">
+                      <a16:colId xmlns:a16="http://schemas.microsoft.com/office/drawing/2014/main" val="3672355480"/>
+                    </a:ext>
+                  </a:extLst>
+                </a:gridCol>
+              </a:tblGrid>
+              <a:tr h="203200">
+                <a:tc>
+                  <a:txBody>
+                    <a:bodyPr/>
+                    <a:lstStyle/>
+                    <a:p>
+                      <a:pPr algn="l" fontAlgn="b"/>
+                      <a:r>
+                        <a:rPr lang="en-US" sz="1200" b="0" i="0" u="none" strike="noStrike" dirty="0">
+                          <a:solidFill>
+                            <a:srgbClr val="000000"/>
+                          </a:solidFill>
+                          <a:effectLst/>
+                          <a:latin typeface="Calibri" panose="020F0502020204030204" pitchFamily="34" charset="0"/>
+                        </a:rPr>
+                        <a:t>[Non Given]</a:t>
+                      </a:r>
+                    </a:p>
+                  </a:txBody>
+                  <a:tcPr marL="9525" marR="9525" marT="9525" marB="0" anchor="b">
+                    <a:lnL>
+                      <a:noFill/>
+                    </a:lnL>
+                    <a:lnR>
+                      <a:noFill/>
+                    </a:lnR>
+                    <a:lnT>
+                      <a:noFill/>
+                    </a:lnT>
+                    <a:lnB>
+                      <a:noFill/>
+                    </a:lnB>
+                  </a:tcPr>
+                </a:tc>
+                <a:extLst>
+                  <a:ext uri="{0D108BD9-81ED-4DB2-BD59-A6C34878D82A}">
+                    <a16:rowId xmlns:a16="http://schemas.microsoft.com/office/drawing/2014/main" val="2365766534"/>
+                  </a:ext>
+                </a:extLst>
+              </a:tr>
+            </a:tbl>
+          </a:graphicData>
+        </a:graphic>
+      </p:graphicFrame>
     </p:spTree>
     <p:extLst>
       <p:ext uri="{BB962C8B-B14F-4D97-AF65-F5344CB8AC3E}">
-        <p14:creationId xmlns:p14="http://schemas.microsoft.com/office/powerpoint/2010/main" val="2749717726"/>
+        <p14:creationId xmlns:p14="http://schemas.microsoft.com/office/powerpoint/2010/main" val="2714886000"/>
       </p:ext>
     </p:extLst>
   </p:cSld>
@@ -23441,28 +23182,39 @@
               <a:rPr lang="en-US" sz="1800" dirty="0">
                 <a:latin typeface="Courier" pitchFamily="2" charset="0"/>
               </a:rPr>
-              <a:t> </a:t>
+              <a:t> entry </a:t>
+            </a:r>
+            <a:r>
+              <a:rPr lang="en-US" sz="1800" b="1" dirty="0">
+                <a:latin typeface="Courier" pitchFamily="2" charset="0"/>
+              </a:rPr>
+              <a:t>in</a:t>
             </a:r>
             <a:r>
               <a:rPr lang="en-US" sz="1800" dirty="0">
-                <a:solidFill>
-                  <a:srgbClr val="FF0000"/>
-                </a:solidFill>
-                <a:latin typeface="Courier" pitchFamily="2" charset="0"/>
-              </a:rPr>
-              <a:t>name, grade </a:t>
+                <a:latin typeface="Courier" pitchFamily="2" charset="0"/>
+              </a:rPr>
+              <a:t> grades:</a:t>
+            </a:r>
+          </a:p>
+          <a:p>
+            <a:r>
+              <a:rPr lang="en-US" sz="1800" dirty="0">
+                <a:latin typeface="Courier" pitchFamily="2" charset="0"/>
+              </a:rPr>
+              <a:t>   </a:t>
             </a:r>
             <a:r>
               <a:rPr lang="en-US" sz="1800" b="1" dirty="0">
                 <a:latin typeface="Courier" pitchFamily="2" charset="0"/>
               </a:rPr>
-              <a:t>in</a:t>
+              <a:t>if</a:t>
             </a:r>
             <a:r>
               <a:rPr lang="en-US" sz="1800" dirty="0">
                 <a:latin typeface="Courier" pitchFamily="2" charset="0"/>
               </a:rPr>
-              <a:t> grades:</a:t>
+              <a:t> (entry[1]&gt;60):</a:t>
             </a:r>
           </a:p>
           <a:p>
@@ -23470,19 +23222,19 @@
               <a:rPr lang="en-US" sz="1800" dirty="0">
                 <a:latin typeface="Courier" pitchFamily="2" charset="0"/>
               </a:rPr>
-              <a:t>   </a:t>
+              <a:t>      </a:t>
             </a:r>
             <a:r>
               <a:rPr lang="en-US" sz="1800" b="1" dirty="0">
                 <a:latin typeface="Courier" pitchFamily="2" charset="0"/>
               </a:rPr>
-              <a:t>if</a:t>
+              <a:t>print</a:t>
             </a:r>
             <a:r>
               <a:rPr lang="en-US" sz="1800" dirty="0">
                 <a:latin typeface="Courier" pitchFamily="2" charset="0"/>
               </a:rPr>
-              <a:t> (grade&gt;60):</a:t>
+              <a:t>(entry[0] + ": approved")</a:t>
             </a:r>
           </a:p>
           <a:p>
@@ -23490,6 +23242,26 @@
               <a:rPr lang="en-US" sz="1800" dirty="0">
                 <a:latin typeface="Courier" pitchFamily="2" charset="0"/>
               </a:rPr>
+              <a:t>   </a:t>
+            </a:r>
+            <a:r>
+              <a:rPr lang="en-US" sz="1800" b="1" dirty="0">
+                <a:latin typeface="Courier" pitchFamily="2" charset="0"/>
+              </a:rPr>
+              <a:t>else</a:t>
+            </a:r>
+            <a:r>
+              <a:rPr lang="en-US" sz="1800" dirty="0">
+                <a:latin typeface="Courier" pitchFamily="2" charset="0"/>
+              </a:rPr>
+              <a:t>:</a:t>
+            </a:r>
+          </a:p>
+          <a:p>
+            <a:r>
+              <a:rPr lang="en-US" sz="1800" dirty="0">
+                <a:latin typeface="Courier" pitchFamily="2" charset="0"/>
+              </a:rPr>
               <a:t>      </a:t>
             </a:r>
             <a:r>
@@ -23502,47 +23274,7 @@
               <a:rPr lang="en-US" sz="1800" dirty="0">
                 <a:latin typeface="Courier" pitchFamily="2" charset="0"/>
               </a:rPr>
-              <a:t>(name + ": approved")</a:t>
-            </a:r>
-          </a:p>
-          <a:p>
-            <a:r>
-              <a:rPr lang="en-US" sz="1800" dirty="0">
-                <a:latin typeface="Courier" pitchFamily="2" charset="0"/>
-              </a:rPr>
-              <a:t>   </a:t>
-            </a:r>
-            <a:r>
-              <a:rPr lang="en-US" sz="1800" b="1" dirty="0">
-                <a:latin typeface="Courier" pitchFamily="2" charset="0"/>
-              </a:rPr>
-              <a:t>else</a:t>
-            </a:r>
-            <a:r>
-              <a:rPr lang="en-US" sz="1800" dirty="0">
-                <a:latin typeface="Courier" pitchFamily="2" charset="0"/>
-              </a:rPr>
-              <a:t>:</a:t>
-            </a:r>
-          </a:p>
-          <a:p>
-            <a:r>
-              <a:rPr lang="en-US" sz="1800" dirty="0">
-                <a:latin typeface="Courier" pitchFamily="2" charset="0"/>
-              </a:rPr>
-              <a:t>      </a:t>
-            </a:r>
-            <a:r>
-              <a:rPr lang="en-US" sz="1800" b="1" dirty="0">
-                <a:latin typeface="Courier" pitchFamily="2" charset="0"/>
-              </a:rPr>
-              <a:t>print</a:t>
-            </a:r>
-            <a:r>
-              <a:rPr lang="en-US" sz="1800" dirty="0">
-                <a:latin typeface="Courier" pitchFamily="2" charset="0"/>
-              </a:rPr>
-              <a:t>(name + ": talk to the instructor")</a:t>
+              <a:t>(entry[0] + ": talk to the instructor")</a:t>
             </a:r>
           </a:p>
           <a:p>
@@ -23555,7 +23287,7 @@
     </p:spTree>
     <p:extLst>
       <p:ext uri="{BB962C8B-B14F-4D97-AF65-F5344CB8AC3E}">
-        <p14:creationId xmlns:p14="http://schemas.microsoft.com/office/powerpoint/2010/main" val="2453995532"/>
+        <p14:creationId xmlns:p14="http://schemas.microsoft.com/office/powerpoint/2010/main" val="2749717726"/>
       </p:ext>
     </p:extLst>
   </p:cSld>
@@ -23848,22 +23580,27 @@
               <a:rPr lang="en-US" sz="1800" dirty="0">
                 <a:latin typeface="Courier" pitchFamily="2" charset="0"/>
               </a:rPr>
-              <a:t> (</a:t>
-            </a:r>
+              <a:t> (grade&gt;60):</a:t>
+            </a:r>
+          </a:p>
+          <a:p>
             <a:r>
               <a:rPr lang="en-US" sz="1800" dirty="0">
-                <a:solidFill>
-                  <a:srgbClr val="FF0000"/>
-                </a:solidFill>
-                <a:latin typeface="Courier" pitchFamily="2" charset="0"/>
-              </a:rPr>
-              <a:t>grade</a:t>
+                <a:latin typeface="Courier" pitchFamily="2" charset="0"/>
+              </a:rPr>
+              <a:t>      </a:t>
+            </a:r>
+            <a:r>
+              <a:rPr lang="en-US" sz="1800" b="1" dirty="0">
+                <a:latin typeface="Courier" pitchFamily="2" charset="0"/>
+              </a:rPr>
+              <a:t>print</a:t>
             </a:r>
             <a:r>
               <a:rPr lang="en-US" sz="1800" dirty="0">
                 <a:latin typeface="Courier" pitchFamily="2" charset="0"/>
               </a:rPr>
-              <a:t>&gt;60):</a:t>
+              <a:t>(name + ": approved")</a:t>
             </a:r>
           </a:p>
           <a:p>
@@ -23871,6 +23608,26 @@
               <a:rPr lang="en-US" sz="1800" dirty="0">
                 <a:latin typeface="Courier" pitchFamily="2" charset="0"/>
               </a:rPr>
+              <a:t>   </a:t>
+            </a:r>
+            <a:r>
+              <a:rPr lang="en-US" sz="1800" b="1" dirty="0">
+                <a:latin typeface="Courier" pitchFamily="2" charset="0"/>
+              </a:rPr>
+              <a:t>else</a:t>
+            </a:r>
+            <a:r>
+              <a:rPr lang="en-US" sz="1800" dirty="0">
+                <a:latin typeface="Courier" pitchFamily="2" charset="0"/>
+              </a:rPr>
+              <a:t>:</a:t>
+            </a:r>
+          </a:p>
+          <a:p>
+            <a:r>
+              <a:rPr lang="en-US" sz="1800" dirty="0">
+                <a:latin typeface="Courier" pitchFamily="2" charset="0"/>
+              </a:rPr>
               <a:t>      </a:t>
             </a:r>
             <a:r>
@@ -23883,77 +23640,7 @@
               <a:rPr lang="en-US" sz="1800" dirty="0">
                 <a:latin typeface="Courier" pitchFamily="2" charset="0"/>
               </a:rPr>
-              <a:t>(</a:t>
-            </a:r>
-            <a:r>
-              <a:rPr lang="en-US" sz="1800" dirty="0">
-                <a:solidFill>
-                  <a:srgbClr val="FF0000"/>
-                </a:solidFill>
-                <a:latin typeface="Courier" pitchFamily="2" charset="0"/>
-              </a:rPr>
-              <a:t>name</a:t>
-            </a:r>
-            <a:r>
-              <a:rPr lang="en-US" sz="1800" dirty="0">
-                <a:latin typeface="Courier" pitchFamily="2" charset="0"/>
-              </a:rPr>
-              <a:t> + ": approved")</a:t>
-            </a:r>
-          </a:p>
-          <a:p>
-            <a:r>
-              <a:rPr lang="en-US" sz="1800" dirty="0">
-                <a:latin typeface="Courier" pitchFamily="2" charset="0"/>
-              </a:rPr>
-              <a:t>   </a:t>
-            </a:r>
-            <a:r>
-              <a:rPr lang="en-US" sz="1800" b="1" dirty="0">
-                <a:latin typeface="Courier" pitchFamily="2" charset="0"/>
-              </a:rPr>
-              <a:t>else</a:t>
-            </a:r>
-            <a:r>
-              <a:rPr lang="en-US" sz="1800" dirty="0">
-                <a:latin typeface="Courier" pitchFamily="2" charset="0"/>
-              </a:rPr>
-              <a:t>:</a:t>
-            </a:r>
-          </a:p>
-          <a:p>
-            <a:r>
-              <a:rPr lang="en-US" sz="1800" dirty="0">
-                <a:latin typeface="Courier" pitchFamily="2" charset="0"/>
-              </a:rPr>
-              <a:t>      </a:t>
-            </a:r>
-            <a:r>
-              <a:rPr lang="en-US" sz="1800" b="1" dirty="0">
-                <a:latin typeface="Courier" pitchFamily="2" charset="0"/>
-              </a:rPr>
-              <a:t>print</a:t>
-            </a:r>
-            <a:r>
-              <a:rPr lang="en-US" sz="1800" dirty="0">
-                <a:latin typeface="Courier" pitchFamily="2" charset="0"/>
-              </a:rPr>
-              <a:t>(</a:t>
-            </a:r>
-            <a:r>
-              <a:rPr lang="en-US" sz="1800" dirty="0">
-                <a:solidFill>
-                  <a:srgbClr val="FF0000"/>
-                </a:solidFill>
-                <a:latin typeface="Courier" pitchFamily="2" charset="0"/>
-              </a:rPr>
-              <a:t>name</a:t>
-            </a:r>
-            <a:r>
-              <a:rPr lang="en-US" sz="1800" dirty="0">
-                <a:latin typeface="Courier" pitchFamily="2" charset="0"/>
-              </a:rPr>
-              <a:t> + ": talk to the instructor")</a:t>
+              <a:t>(name + ": talk to the instructor")</a:t>
             </a:r>
           </a:p>
           <a:p>
@@ -23966,7 +23653,7 @@
     </p:spTree>
     <p:extLst>
       <p:ext uri="{BB962C8B-B14F-4D97-AF65-F5344CB8AC3E}">
-        <p14:creationId xmlns:p14="http://schemas.microsoft.com/office/powerpoint/2010/main" val="3293996897"/>
+        <p14:creationId xmlns:p14="http://schemas.microsoft.com/office/powerpoint/2010/main" val="2453995532"/>
       </p:ext>
     </p:extLst>
   </p:cSld>
@@ -24049,7 +23736,7 @@
           <a:p>
             <a:r>
               <a:rPr lang="en-US" dirty="0"/>
-              <a:t>Using While Loop</a:t>
+              <a:t>Now iterating over a list of lists</a:t>
             </a:r>
           </a:p>
           <a:p>
@@ -24133,8 +23820,8 @@
         </p:nvSpPr>
         <p:spPr>
           <a:xfrm>
-            <a:off x="598713" y="1997839"/>
-            <a:ext cx="8088087" cy="1200329"/>
+            <a:off x="182881" y="1997839"/>
+            <a:ext cx="8580120" cy="3416320"/>
           </a:xfrm>
           <a:prstGeom prst="rect">
             <a:avLst/>
@@ -24152,84 +23839,232 @@
           <a:lstStyle/>
           <a:p>
             <a:r>
-              <a:rPr lang="en-US" sz="1800" dirty="0" err="1">
-                <a:latin typeface="Courier" pitchFamily="2" charset="0"/>
-              </a:rPr>
-              <a:t>i</a:t>
-            </a:r>
-            <a:r>
               <a:rPr lang="en-US" sz="1800" dirty="0">
-                <a:latin typeface="Courier" pitchFamily="2" charset="0"/>
-              </a:rPr>
-              <a:t> = 1</a:t>
+                <a:solidFill>
+                  <a:srgbClr val="00B050"/>
+                </a:solidFill>
+                <a:latin typeface="Courier" pitchFamily="2" charset="0"/>
+              </a:rPr>
+              <a:t># grades is a list that stores the name and the grade </a:t>
             </a:r>
           </a:p>
           <a:p>
             <a:r>
               <a:rPr lang="en-US" sz="1800" dirty="0">
-                <a:latin typeface="Courier" pitchFamily="2" charset="0"/>
-              </a:rPr>
-              <a:t>while </a:t>
-            </a:r>
-            <a:r>
-              <a:rPr lang="en-US" sz="1800" dirty="0" err="1">
-                <a:latin typeface="Courier" pitchFamily="2" charset="0"/>
-              </a:rPr>
-              <a:t>i</a:t>
-            </a:r>
+                <a:solidFill>
+                  <a:srgbClr val="00B050"/>
+                </a:solidFill>
+                <a:latin typeface="Courier" pitchFamily="2" charset="0"/>
+              </a:rPr>
+              <a:t># of students. Each position of the list has one list</a:t>
+            </a:r>
+          </a:p>
+          <a:p>
             <a:r>
               <a:rPr lang="en-US" sz="1800" dirty="0">
-                <a:latin typeface="Courier" pitchFamily="2" charset="0"/>
-              </a:rPr>
-              <a:t> &lt;= 10: </a:t>
+                <a:solidFill>
+                  <a:srgbClr val="00B050"/>
+                </a:solidFill>
+                <a:latin typeface="Courier" pitchFamily="2" charset="0"/>
+              </a:rPr>
+              <a:t># with two positions. The first stores the name, and </a:t>
             </a:r>
           </a:p>
           <a:p>
             <a:r>
               <a:rPr lang="en-US" sz="1800" dirty="0">
-                <a:latin typeface="Courier" pitchFamily="2" charset="0"/>
-              </a:rPr>
-              <a:t>    print(</a:t>
-            </a:r>
-            <a:r>
-              <a:rPr lang="en-US" sz="1800" dirty="0" err="1">
-                <a:latin typeface="Courier" pitchFamily="2" charset="0"/>
-              </a:rPr>
-              <a:t>i</a:t>
-            </a:r>
+                <a:solidFill>
+                  <a:srgbClr val="00B050"/>
+                </a:solidFill>
+                <a:latin typeface="Courier" pitchFamily="2" charset="0"/>
+              </a:rPr>
+              <a:t># the second stores the grade</a:t>
+            </a:r>
+          </a:p>
+          <a:p>
+            <a:endParaRPr lang="en-US" sz="1800" dirty="0">
+              <a:latin typeface="Courier" pitchFamily="2" charset="0"/>
+            </a:endParaRPr>
+          </a:p>
+          <a:p>
             <a:r>
               <a:rPr lang="en-US" sz="1800" dirty="0">
                 <a:latin typeface="Courier" pitchFamily="2" charset="0"/>
               </a:rPr>
-              <a:t>)</a:t>
-            </a:r>
-          </a:p>
-          <a:p>
+              <a:t>grades = [["John",60],["Paul", 84],[”Ben", 70], ["Tony",35]]</a:t>
+            </a:r>
+          </a:p>
+          <a:p>
+            <a:r>
+              <a:rPr lang="en-US" sz="1800" b="1" dirty="0">
+                <a:latin typeface="Courier" pitchFamily="2" charset="0"/>
+              </a:rPr>
+              <a:t>for</a:t>
+            </a:r>
             <a:r>
               <a:rPr lang="en-US" sz="1800" dirty="0">
                 <a:latin typeface="Courier" pitchFamily="2" charset="0"/>
               </a:rPr>
-              <a:t>    </a:t>
-            </a:r>
-            <a:r>
-              <a:rPr lang="en-US" sz="1800" dirty="0" err="1">
-                <a:latin typeface="Courier" pitchFamily="2" charset="0"/>
-              </a:rPr>
-              <a:t>i</a:t>
+              <a:t> </a:t>
             </a:r>
             <a:r>
               <a:rPr lang="en-US" sz="1800" dirty="0">
-                <a:latin typeface="Courier" pitchFamily="2" charset="0"/>
-              </a:rPr>
-              <a:t> += 1</a:t>
-            </a:r>
+                <a:solidFill>
+                  <a:srgbClr val="FF0000"/>
+                </a:solidFill>
+                <a:latin typeface="Courier" pitchFamily="2" charset="0"/>
+              </a:rPr>
+              <a:t>name, grade </a:t>
+            </a:r>
+            <a:r>
+              <a:rPr lang="en-US" sz="1800" b="1" dirty="0">
+                <a:latin typeface="Courier" pitchFamily="2" charset="0"/>
+              </a:rPr>
+              <a:t>in</a:t>
+            </a:r>
+            <a:r>
+              <a:rPr lang="en-US" sz="1800" dirty="0">
+                <a:latin typeface="Courier" pitchFamily="2" charset="0"/>
+              </a:rPr>
+              <a:t> grades:</a:t>
+            </a:r>
+          </a:p>
+          <a:p>
+            <a:r>
+              <a:rPr lang="en-US" sz="1800" dirty="0">
+                <a:latin typeface="Courier" pitchFamily="2" charset="0"/>
+              </a:rPr>
+              <a:t>   </a:t>
+            </a:r>
+            <a:r>
+              <a:rPr lang="en-US" sz="1800" b="1" dirty="0">
+                <a:latin typeface="Courier" pitchFamily="2" charset="0"/>
+              </a:rPr>
+              <a:t>if</a:t>
+            </a:r>
+            <a:r>
+              <a:rPr lang="en-US" sz="1800" dirty="0">
+                <a:latin typeface="Courier" pitchFamily="2" charset="0"/>
+              </a:rPr>
+              <a:t> (</a:t>
+            </a:r>
+            <a:r>
+              <a:rPr lang="en-US" sz="1800" dirty="0">
+                <a:solidFill>
+                  <a:srgbClr val="FF0000"/>
+                </a:solidFill>
+                <a:latin typeface="Courier" pitchFamily="2" charset="0"/>
+              </a:rPr>
+              <a:t>grade</a:t>
+            </a:r>
+            <a:r>
+              <a:rPr lang="en-US" sz="1800" dirty="0">
+                <a:latin typeface="Courier" pitchFamily="2" charset="0"/>
+              </a:rPr>
+              <a:t>&gt;60):</a:t>
+            </a:r>
+          </a:p>
+          <a:p>
+            <a:r>
+              <a:rPr lang="en-US" sz="1800" dirty="0">
+                <a:latin typeface="Courier" pitchFamily="2" charset="0"/>
+              </a:rPr>
+              <a:t>      </a:t>
+            </a:r>
+            <a:r>
+              <a:rPr lang="en-US" sz="1800" b="1" dirty="0">
+                <a:latin typeface="Courier" pitchFamily="2" charset="0"/>
+              </a:rPr>
+              <a:t>print</a:t>
+            </a:r>
+            <a:r>
+              <a:rPr lang="en-US" sz="1800" dirty="0">
+                <a:latin typeface="Courier" pitchFamily="2" charset="0"/>
+              </a:rPr>
+              <a:t>(</a:t>
+            </a:r>
+            <a:r>
+              <a:rPr lang="en-US" sz="1800" dirty="0">
+                <a:solidFill>
+                  <a:srgbClr val="FF0000"/>
+                </a:solidFill>
+                <a:latin typeface="Courier" pitchFamily="2" charset="0"/>
+              </a:rPr>
+              <a:t>name</a:t>
+            </a:r>
+            <a:r>
+              <a:rPr lang="en-US" sz="1800" dirty="0">
+                <a:latin typeface="Courier" pitchFamily="2" charset="0"/>
+              </a:rPr>
+              <a:t> + ": approved")</a:t>
+            </a:r>
+          </a:p>
+          <a:p>
+            <a:r>
+              <a:rPr lang="en-US" sz="1800" dirty="0">
+                <a:latin typeface="Courier" pitchFamily="2" charset="0"/>
+              </a:rPr>
+              <a:t>   </a:t>
+            </a:r>
+            <a:r>
+              <a:rPr lang="en-US" sz="1800" b="1" dirty="0">
+                <a:latin typeface="Courier" pitchFamily="2" charset="0"/>
+              </a:rPr>
+              <a:t>else</a:t>
+            </a:r>
+            <a:r>
+              <a:rPr lang="en-US" sz="1800" dirty="0">
+                <a:latin typeface="Courier" pitchFamily="2" charset="0"/>
+              </a:rPr>
+              <a:t>:</a:t>
+            </a:r>
+          </a:p>
+          <a:p>
+            <a:r>
+              <a:rPr lang="en-US" sz="1800" dirty="0">
+                <a:latin typeface="Courier" pitchFamily="2" charset="0"/>
+              </a:rPr>
+              <a:t>      </a:t>
+            </a:r>
+            <a:r>
+              <a:rPr lang="en-US" sz="1800" b="1" dirty="0">
+                <a:latin typeface="Courier" pitchFamily="2" charset="0"/>
+              </a:rPr>
+              <a:t>print</a:t>
+            </a:r>
+            <a:r>
+              <a:rPr lang="en-US" sz="1800" dirty="0">
+                <a:latin typeface="Courier" pitchFamily="2" charset="0"/>
+              </a:rPr>
+              <a:t>(</a:t>
+            </a:r>
+            <a:r>
+              <a:rPr lang="en-US" sz="1800" dirty="0">
+                <a:solidFill>
+                  <a:srgbClr val="FF0000"/>
+                </a:solidFill>
+                <a:latin typeface="Courier" pitchFamily="2" charset="0"/>
+              </a:rPr>
+              <a:t>name</a:t>
+            </a:r>
+            <a:r>
+              <a:rPr lang="en-US" sz="1800" dirty="0">
+                <a:latin typeface="Courier" pitchFamily="2" charset="0"/>
+              </a:rPr>
+              <a:t> + ": talk to the instructor")</a:t>
+            </a:r>
+          </a:p>
+          <a:p>
+            <a:endParaRPr lang="en-US" sz="1800" dirty="0">
+              <a:latin typeface="Courier" pitchFamily="2" charset="0"/>
+            </a:endParaRPr>
           </a:p>
         </p:txBody>
       </p:sp>
     </p:spTree>
     <p:extLst>
       <p:ext uri="{BB962C8B-B14F-4D97-AF65-F5344CB8AC3E}">
-        <p14:creationId xmlns:p14="http://schemas.microsoft.com/office/powerpoint/2010/main" val="1439236410"/>
+        <p14:creationId xmlns:p14="http://schemas.microsoft.com/office/powerpoint/2010/main" val="3293996897"/>
       </p:ext>
     </p:extLst>
   </p:cSld>
@@ -24261,7 +24096,7 @@
           <p:cNvPr id="2" name="Title 1">
             <a:extLst>
               <a:ext uri="{FF2B5EF4-FFF2-40B4-BE49-F238E27FC236}">
-                <a16:creationId xmlns:a16="http://schemas.microsoft.com/office/drawing/2014/main" id="{8963A320-37E0-5049-BCA6-32369E9F2329}"/>
+                <a16:creationId xmlns:a16="http://schemas.microsoft.com/office/drawing/2014/main" id="{B884CD3B-47FB-9D40-B737-1B29523F6501}"/>
               </a:ext>
             </a:extLst>
           </p:cNvPr>
@@ -24279,7 +24114,7 @@
           <a:p>
             <a:r>
               <a:rPr lang="en-US" dirty="0"/>
-              <a:t>Tutorial time</a:t>
+              <a:t>Iterations (Loops)</a:t>
             </a:r>
           </a:p>
         </p:txBody>
@@ -24289,7 +24124,7 @@
           <p:cNvPr id="3" name="Content Placeholder 2">
             <a:extLst>
               <a:ext uri="{FF2B5EF4-FFF2-40B4-BE49-F238E27FC236}">
-                <a16:creationId xmlns:a16="http://schemas.microsoft.com/office/drawing/2014/main" id="{F97E4805-F6F4-F14A-B34F-FF99997C042C}"/>
+                <a16:creationId xmlns:a16="http://schemas.microsoft.com/office/drawing/2014/main" id="{4BFCDD55-ADE5-D64A-8AD0-B0618AFEFC6B}"/>
               </a:ext>
             </a:extLst>
           </p:cNvPr>
@@ -24302,8 +24137,8 @@
         </p:nvSpPr>
         <p:spPr>
           <a:xfrm>
-            <a:off x="455047" y="1405876"/>
-            <a:ext cx="8305800" cy="5001061"/>
+            <a:off x="457200" y="1358555"/>
+            <a:ext cx="8305800" cy="4481413"/>
           </a:xfrm>
         </p:spPr>
         <p:txBody>
@@ -24312,50 +24147,38 @@
           <a:p>
             <a:r>
               <a:rPr lang="en-US" dirty="0"/>
-              <a:t>I will create a program that stores a set of numbers in a list.</a:t>
-            </a:r>
-          </a:p>
-          <a:p>
-            <a:r>
-              <a:rPr lang="en-US" dirty="0"/>
-              <a:t>The list will be filled with random numbers. The user needs to be able to:</a:t>
-            </a:r>
-          </a:p>
-          <a:p>
-            <a:pPr marL="800088" lvl="1" indent="-342900">
-              <a:buAutoNum type="arabicPeriod"/>
+              <a:t>Using While Loop</a:t>
+            </a:r>
+          </a:p>
+          <a:p>
+            <a:endParaRPr lang="en-US" dirty="0"/>
+          </a:p>
+          <a:p>
+            <a:endParaRPr lang="en-US" dirty="0"/>
+          </a:p>
+          <a:p>
+            <a:endParaRPr lang="en-US" dirty="0"/>
+          </a:p>
+          <a:p>
+            <a:endParaRPr lang="en-US" dirty="0"/>
+          </a:p>
+          <a:p>
+            <a:endParaRPr lang="en-US" dirty="0"/>
+          </a:p>
+          <a:p>
+            <a:pPr marL="0" indent="0">
+              <a:buNone/>
             </a:pPr>
-            <a:r>
-              <a:rPr lang="en-US" dirty="0"/>
-              <a:t>Add a number to the list</a:t>
-            </a:r>
-          </a:p>
-          <a:p>
-            <a:pPr marL="800088" lvl="1" indent="-342900">
-              <a:buAutoNum type="arabicPeriod"/>
+            <a:endParaRPr lang="en-US" dirty="0"/>
+          </a:p>
+          <a:p>
+            <a:endParaRPr lang="en-US" dirty="0"/>
+          </a:p>
+          <a:p>
+            <a:pPr marL="457188" lvl="1" indent="0">
+              <a:buNone/>
             </a:pPr>
-            <a:r>
-              <a:rPr lang="en-US" dirty="0"/>
-              <a:t>Present the number of elements in the list, and list the numbers (one per line)</a:t>
-            </a:r>
-          </a:p>
-          <a:p>
-            <a:pPr marL="800088" lvl="1" indent="-342900">
-              <a:buAutoNum type="arabicPeriod"/>
-            </a:pPr>
-            <a:r>
-              <a:rPr lang="en-US" dirty="0"/>
-              <a:t>Clear the list</a:t>
-            </a:r>
-          </a:p>
-          <a:p>
-            <a:pPr marL="800088" lvl="1" indent="-342900">
-              <a:buAutoNum type="arabicPeriod"/>
-            </a:pPr>
-            <a:r>
-              <a:rPr lang="en-US" dirty="0"/>
-              <a:t>Exit the application</a:t>
-            </a:r>
+            <a:endParaRPr lang="en-US" dirty="0"/>
           </a:p>
         </p:txBody>
       </p:sp>
@@ -24364,7 +24187,7 @@
           <p:cNvPr id="4" name="Slide Number Placeholder 3">
             <a:extLst>
               <a:ext uri="{FF2B5EF4-FFF2-40B4-BE49-F238E27FC236}">
-                <a16:creationId xmlns:a16="http://schemas.microsoft.com/office/drawing/2014/main" id="{854C8B2C-B660-4B43-B1A5-AA26154CC604}"/>
+                <a16:creationId xmlns:a16="http://schemas.microsoft.com/office/drawing/2014/main" id="{7764DEEE-A3B2-0645-B635-45371A1C6BAB}"/>
               </a:ext>
             </a:extLst>
           </p:cNvPr>
@@ -24394,10 +24217,174 @@
           </a:p>
         </p:txBody>
       </p:sp>
+      <p:sp>
+        <p:nvSpPr>
+          <p:cNvPr id="5" name="TextBox 4">
+            <a:extLst>
+              <a:ext uri="{FF2B5EF4-FFF2-40B4-BE49-F238E27FC236}">
+                <a16:creationId xmlns:a16="http://schemas.microsoft.com/office/drawing/2014/main" id="{B5D74277-F3BB-0149-A9EF-352CB8B6CB42}"/>
+              </a:ext>
+            </a:extLst>
+          </p:cNvPr>
+          <p:cNvSpPr txBox="1"/>
+          <p:nvPr/>
+        </p:nvSpPr>
+        <p:spPr>
+          <a:xfrm>
+            <a:off x="598713" y="1997839"/>
+            <a:ext cx="8088087" cy="2031325"/>
+          </a:xfrm>
+          <a:prstGeom prst="rect">
+            <a:avLst/>
+          </a:prstGeom>
+          <a:solidFill>
+            <a:schemeClr val="bg1">
+              <a:lumMod val="95000"/>
+            </a:schemeClr>
+          </a:solidFill>
+        </p:spPr>
+        <p:txBody>
+          <a:bodyPr wrap="square" rtlCol="0">
+            <a:spAutoFit/>
+          </a:bodyPr>
+          <a:lstStyle/>
+          <a:p>
+            <a:r>
+              <a:rPr lang="en-US" sz="1800" dirty="0" err="1">
+                <a:latin typeface="Courier" pitchFamily="2" charset="0"/>
+              </a:rPr>
+              <a:t>i</a:t>
+            </a:r>
+            <a:r>
+              <a:rPr lang="en-US" sz="1800" dirty="0">
+                <a:latin typeface="Courier" pitchFamily="2" charset="0"/>
+              </a:rPr>
+              <a:t> = 1</a:t>
+            </a:r>
+          </a:p>
+          <a:p>
+            <a:r>
+              <a:rPr lang="en-US" sz="1800" dirty="0">
+                <a:latin typeface="Courier" pitchFamily="2" charset="0"/>
+              </a:rPr>
+              <a:t>while </a:t>
+            </a:r>
+            <a:r>
+              <a:rPr lang="en-US" sz="1800" dirty="0" err="1">
+                <a:latin typeface="Courier" pitchFamily="2" charset="0"/>
+              </a:rPr>
+              <a:t>i</a:t>
+            </a:r>
+            <a:r>
+              <a:rPr lang="en-US" sz="1800" dirty="0">
+                <a:latin typeface="Courier" pitchFamily="2" charset="0"/>
+              </a:rPr>
+              <a:t> &lt;= 10: </a:t>
+            </a:r>
+          </a:p>
+          <a:p>
+            <a:r>
+              <a:rPr lang="en-US" sz="1800" dirty="0">
+                <a:latin typeface="Courier" pitchFamily="2" charset="0"/>
+              </a:rPr>
+              <a:t>    print(</a:t>
+            </a:r>
+            <a:r>
+              <a:rPr lang="en-US" sz="1800" dirty="0" err="1">
+                <a:latin typeface="Courier" pitchFamily="2" charset="0"/>
+              </a:rPr>
+              <a:t>i</a:t>
+            </a:r>
+            <a:r>
+              <a:rPr lang="en-US" sz="1800" dirty="0">
+                <a:latin typeface="Courier" pitchFamily="2" charset="0"/>
+              </a:rPr>
+              <a:t>)</a:t>
+            </a:r>
+          </a:p>
+          <a:p>
+            <a:r>
+              <a:rPr lang="en-US" sz="1800" dirty="0">
+                <a:latin typeface="Courier" pitchFamily="2" charset="0"/>
+              </a:rPr>
+              <a:t>    </a:t>
+            </a:r>
+            <a:r>
+              <a:rPr lang="en-US" sz="1800" dirty="0" err="1">
+                <a:latin typeface="Courier" pitchFamily="2" charset="0"/>
+              </a:rPr>
+              <a:t>i</a:t>
+            </a:r>
+            <a:r>
+              <a:rPr lang="en-US" sz="1800" dirty="0">
+                <a:latin typeface="Courier" pitchFamily="2" charset="0"/>
+              </a:rPr>
+              <a:t>+=1 #</a:t>
+            </a:r>
+            <a:r>
+              <a:rPr lang="en-US" sz="1800" dirty="0" err="1">
+                <a:latin typeface="Courier" pitchFamily="2" charset="0"/>
+              </a:rPr>
+              <a:t>i</a:t>
+            </a:r>
+            <a:r>
+              <a:rPr lang="en-US" sz="1800" dirty="0">
+                <a:latin typeface="Courier" pitchFamily="2" charset="0"/>
+              </a:rPr>
+              <a:t>=i+1</a:t>
+            </a:r>
+          </a:p>
+          <a:p>
+            <a:endParaRPr lang="en-US" sz="1800" dirty="0">
+              <a:latin typeface="Courier" pitchFamily="2" charset="0"/>
+            </a:endParaRPr>
+          </a:p>
+          <a:p>
+            <a:r>
+              <a:rPr lang="en-US" sz="1800" dirty="0">
+                <a:latin typeface="Courier" pitchFamily="2" charset="0"/>
+              </a:rPr>
+              <a:t>for </a:t>
+            </a:r>
+            <a:r>
+              <a:rPr lang="en-US" sz="1800" dirty="0" err="1">
+                <a:latin typeface="Courier" pitchFamily="2" charset="0"/>
+              </a:rPr>
+              <a:t>i</a:t>
+            </a:r>
+            <a:r>
+              <a:rPr lang="en-US" sz="1800" dirty="0">
+                <a:latin typeface="Courier" pitchFamily="2" charset="0"/>
+              </a:rPr>
+              <a:t> in range (1,11):</a:t>
+            </a:r>
+          </a:p>
+          <a:p>
+            <a:r>
+              <a:rPr lang="en-US" sz="1800" dirty="0">
+                <a:latin typeface="Courier" pitchFamily="2" charset="0"/>
+              </a:rPr>
+              <a:t>    print(</a:t>
+            </a:r>
+            <a:r>
+              <a:rPr lang="en-US" sz="1800" dirty="0" err="1">
+                <a:latin typeface="Courier" pitchFamily="2" charset="0"/>
+              </a:rPr>
+              <a:t>i</a:t>
+            </a:r>
+            <a:r>
+              <a:rPr lang="en-US" sz="1800" dirty="0">
+                <a:latin typeface="Courier" pitchFamily="2" charset="0"/>
+              </a:rPr>
+              <a:t>) </a:t>
+            </a:r>
+          </a:p>
+        </p:txBody>
+      </p:sp>
     </p:spTree>
     <p:extLst>
       <p:ext uri="{BB962C8B-B14F-4D97-AF65-F5344CB8AC3E}">
-        <p14:creationId xmlns:p14="http://schemas.microsoft.com/office/powerpoint/2010/main" val="301287994"/>
+        <p14:creationId xmlns:p14="http://schemas.microsoft.com/office/powerpoint/2010/main" val="1439236410"/>
       </p:ext>
     </p:extLst>
   </p:cSld>
@@ -24447,7 +24434,82 @@
           <a:p>
             <a:r>
               <a:rPr lang="en-US" dirty="0"/>
-              <a:t>Practice time</a:t>
+              <a:t>Tutorial time</a:t>
+            </a:r>
+          </a:p>
+        </p:txBody>
+      </p:sp>
+      <p:sp>
+        <p:nvSpPr>
+          <p:cNvPr id="3" name="Content Placeholder 2">
+            <a:extLst>
+              <a:ext uri="{FF2B5EF4-FFF2-40B4-BE49-F238E27FC236}">
+                <a16:creationId xmlns:a16="http://schemas.microsoft.com/office/drawing/2014/main" id="{F97E4805-F6F4-F14A-B34F-FF99997C042C}"/>
+              </a:ext>
+            </a:extLst>
+          </p:cNvPr>
+          <p:cNvSpPr>
+            <a:spLocks noGrp="1"/>
+          </p:cNvSpPr>
+          <p:nvPr>
+            <p:ph idx="1"/>
+          </p:nvPr>
+        </p:nvSpPr>
+        <p:spPr>
+          <a:xfrm>
+            <a:off x="455047" y="1405876"/>
+            <a:ext cx="8305800" cy="5001061"/>
+          </a:xfrm>
+        </p:spPr>
+        <p:txBody>
+          <a:bodyPr/>
+          <a:lstStyle/>
+          <a:p>
+            <a:r>
+              <a:rPr lang="en-US" dirty="0"/>
+              <a:t>I will create a program that stores a set of numbers in a list.</a:t>
+            </a:r>
+          </a:p>
+          <a:p>
+            <a:r>
+              <a:rPr lang="en-US" dirty="0"/>
+              <a:t>The list will be filled with random numbers. The user needs to be able to:</a:t>
+            </a:r>
+          </a:p>
+          <a:p>
+            <a:pPr marL="800088" lvl="1" indent="-342900">
+              <a:buAutoNum type="arabicPeriod"/>
+            </a:pPr>
+            <a:r>
+              <a:rPr lang="en-US" dirty="0"/>
+              <a:t>Add a number to the list</a:t>
+            </a:r>
+          </a:p>
+          <a:p>
+            <a:pPr marL="800088" lvl="1" indent="-342900">
+              <a:buAutoNum type="arabicPeriod"/>
+            </a:pPr>
+            <a:r>
+              <a:rPr lang="en-US" dirty="0"/>
+              <a:t>Present the number of elements in the list, and list the numbers (one per line)</a:t>
+            </a:r>
+          </a:p>
+          <a:p>
+            <a:pPr marL="800088" lvl="1" indent="-342900">
+              <a:buAutoNum type="arabicPeriod"/>
+            </a:pPr>
+            <a:r>
+              <a:rPr lang="en-US" dirty="0"/>
+              <a:t>Clear the list</a:t>
+            </a:r>
+          </a:p>
+          <a:p>
+            <a:pPr marL="800088" lvl="1" indent="-342900">
+              <a:buAutoNum type="arabicPeriod"/>
+            </a:pPr>
+            <a:r>
+              <a:rPr lang="en-US" dirty="0"/>
+              <a:t>Exit the application</a:t>
             </a:r>
           </a:p>
         </p:txBody>
@@ -24487,46 +24549,10 @@
           </a:p>
         </p:txBody>
       </p:sp>
-      <p:pic>
-        <p:nvPicPr>
-          <p:cNvPr id="8" name="Imagem 7" descr="Uma imagem contendo texto&#10;&#10;Descrição gerada automaticamente">
-            <a:extLst>
-              <a:ext uri="{FF2B5EF4-FFF2-40B4-BE49-F238E27FC236}">
-                <a16:creationId xmlns:a16="http://schemas.microsoft.com/office/drawing/2014/main" id="{8D97BC2C-A5E2-884B-B1C6-E467188AB2BD}"/>
-              </a:ext>
-            </a:extLst>
-          </p:cNvPr>
-          <p:cNvPicPr>
-            <a:picLocks noChangeAspect="1"/>
-          </p:cNvPicPr>
-          <p:nvPr/>
-        </p:nvPicPr>
-        <p:blipFill>
-          <a:blip r:embed="rId3">
-            <a:extLst>
-              <a:ext uri="{28A0092B-C50C-407E-A947-70E740481C1C}">
-                <a14:useLocalDpi xmlns:a14="http://schemas.microsoft.com/office/drawing/2010/main" val="0"/>
-              </a:ext>
-            </a:extLst>
-          </a:blip>
-          <a:stretch>
-            <a:fillRect/>
-          </a:stretch>
-        </p:blipFill>
-        <p:spPr>
-          <a:xfrm>
-            <a:off x="3009561" y="1192316"/>
-            <a:ext cx="3523343" cy="5119858"/>
-          </a:xfrm>
-          <a:prstGeom prst="rect">
-            <a:avLst/>
-          </a:prstGeom>
-        </p:spPr>
-      </p:pic>
     </p:spTree>
     <p:extLst>
       <p:ext uri="{BB962C8B-B14F-4D97-AF65-F5344CB8AC3E}">
-        <p14:creationId xmlns:p14="http://schemas.microsoft.com/office/powerpoint/2010/main" val="3789016160"/>
+        <p14:creationId xmlns:p14="http://schemas.microsoft.com/office/powerpoint/2010/main" val="301287994"/>
       </p:ext>
     </p:extLst>
   </p:cSld>
@@ -24750,7 +24776,7 @@
               <a:rPr lang="en-US" sz="1800" dirty="0" err="1">
                 <a:latin typeface="Courier" pitchFamily="2" charset="0"/>
               </a:rPr>
-              <a:t>mytuple</a:t>
+              <a:t>my_tuple</a:t>
             </a:r>
             <a:r>
               <a:rPr lang="en-US" sz="1800" dirty="0">
@@ -24916,7 +24942,7 @@
           <p:cNvPr id="2" name="Title 1">
             <a:extLst>
               <a:ext uri="{FF2B5EF4-FFF2-40B4-BE49-F238E27FC236}">
-                <a16:creationId xmlns:a16="http://schemas.microsoft.com/office/drawing/2014/main" id="{EB0EEADA-0374-5941-B643-D9E02EA9C8FF}"/>
+                <a16:creationId xmlns:a16="http://schemas.microsoft.com/office/drawing/2014/main" id="{3CAC35B1-50C1-9B49-B570-7EF339ADE8C3}"/>
               </a:ext>
             </a:extLst>
           </p:cNvPr>
@@ -24934,7 +24960,7 @@
           <a:p>
             <a:r>
               <a:rPr lang="en-US" dirty="0"/>
-              <a:t>10-minute madness</a:t>
+              <a:t>Dictionaries</a:t>
             </a:r>
           </a:p>
         </p:txBody>
@@ -24944,7 +24970,7 @@
           <p:cNvPr id="3" name="Content Placeholder 2">
             <a:extLst>
               <a:ext uri="{FF2B5EF4-FFF2-40B4-BE49-F238E27FC236}">
-                <a16:creationId xmlns:a16="http://schemas.microsoft.com/office/drawing/2014/main" id="{53B5D45A-70BA-0041-95C8-9E71ED7983BE}"/>
+                <a16:creationId xmlns:a16="http://schemas.microsoft.com/office/drawing/2014/main" id="{179508C7-775B-DE4F-ABAB-E1EBD6F9630D}"/>
               </a:ext>
             </a:extLst>
           </p:cNvPr>
@@ -24955,62 +24981,30 @@
             <p:ph idx="1"/>
           </p:nvPr>
         </p:nvSpPr>
-        <p:spPr>
-          <a:xfrm>
-            <a:off x="243840" y="1358555"/>
-            <a:ext cx="8519160" cy="5001061"/>
-          </a:xfrm>
-        </p:spPr>
+        <p:spPr/>
         <p:txBody>
           <a:bodyPr/>
           <a:lstStyle/>
           <a:p>
             <a:r>
               <a:rPr lang="en-US" dirty="0"/>
-              <a:t>Write a program which repeatedly reads integers until the user enters “done”. Once “done” is entered, print out the total, count, and average of the numbers. If the user enters anything other than an integer, print an error message and skip to the next number. </a:t>
+              <a:t>A dictionary associates values with unique keys</a:t>
             </a:r>
           </a:p>
           <a:p>
             <a:pPr lvl="1"/>
             <a:r>
               <a:rPr lang="en-US" dirty="0"/>
-              <a:t>Hint: </a:t>
-            </a:r>
-            <a:r>
-              <a:rPr lang="en-US" dirty="0" err="1"/>
-              <a:t>isinstance</a:t>
-            </a:r>
-            <a:r>
-              <a:rPr lang="en-US" dirty="0"/>
-              <a:t> (variable,  int) </a:t>
-            </a:r>
-            <a:r>
-              <a:rPr lang="en-US" dirty="0">
-                <a:sym typeface="Wingdings" pitchFamily="2" charset="2"/>
-              </a:rPr>
-              <a:t> returns True if the variable is an integer</a:t>
-            </a:r>
-          </a:p>
-          <a:p>
-            <a:pPr lvl="1"/>
+              <a:t>Use braces instead of square </a:t>
+            </a:r>
+            <a:r>
+              <a:rPr lang="pt-BR" dirty="0" err="1"/>
+              <a:t>brackets</a:t>
+            </a:r>
             <a:endParaRPr lang="en-US" dirty="0"/>
           </a:p>
           <a:p>
-            <a:r>
-              <a:rPr lang="en-US" dirty="0"/>
-              <a:t>Rewrite the program above to use the following list instead of  prompting the user:</a:t>
-            </a:r>
-          </a:p>
-          <a:p>
-            <a:pPr lvl="1"/>
-            <a:r>
-              <a:rPr lang="en-US" dirty="0" err="1"/>
-              <a:t>list_numbers</a:t>
-            </a:r>
-            <a:r>
-              <a:rPr lang="en-US" dirty="0"/>
-              <a:t>=[2,6,2,5,8,2,7,3,5,3,5,7]</a:t>
-            </a:r>
+            <a:endParaRPr lang="en-US" dirty="0"/>
           </a:p>
         </p:txBody>
       </p:sp>
@@ -25019,7 +25013,7 @@
           <p:cNvPr id="4" name="Slide Number Placeholder 3">
             <a:extLst>
               <a:ext uri="{FF2B5EF4-FFF2-40B4-BE49-F238E27FC236}">
-                <a16:creationId xmlns:a16="http://schemas.microsoft.com/office/drawing/2014/main" id="{03CB0150-2031-6546-8A2E-A84641A46530}"/>
+                <a16:creationId xmlns:a16="http://schemas.microsoft.com/office/drawing/2014/main" id="{C6E6A0A9-5AB2-7D4C-976E-92894D5FC840}"/>
               </a:ext>
             </a:extLst>
           </p:cNvPr>
@@ -25049,10 +25043,129 @@
           </a:p>
         </p:txBody>
       </p:sp>
+      <p:sp>
+        <p:nvSpPr>
+          <p:cNvPr id="5" name="TextBox 4">
+            <a:extLst>
+              <a:ext uri="{FF2B5EF4-FFF2-40B4-BE49-F238E27FC236}">
+                <a16:creationId xmlns:a16="http://schemas.microsoft.com/office/drawing/2014/main" id="{F65C93B4-C0C8-9F43-9373-C7C541323F8B}"/>
+              </a:ext>
+            </a:extLst>
+          </p:cNvPr>
+          <p:cNvSpPr txBox="1"/>
+          <p:nvPr/>
+        </p:nvSpPr>
+        <p:spPr>
+          <a:xfrm>
+            <a:off x="281940" y="2551837"/>
+            <a:ext cx="8580120" cy="2031325"/>
+          </a:xfrm>
+          <a:prstGeom prst="rect">
+            <a:avLst/>
+          </a:prstGeom>
+          <a:solidFill>
+            <a:schemeClr val="bg1">
+              <a:lumMod val="95000"/>
+            </a:schemeClr>
+          </a:solidFill>
+        </p:spPr>
+        <p:txBody>
+          <a:bodyPr wrap="square" rtlCol="0">
+            <a:spAutoFit/>
+          </a:bodyPr>
+          <a:lstStyle/>
+          <a:p>
+            <a:r>
+              <a:rPr lang="en-US" sz="1800" dirty="0">
+                <a:latin typeface="Courier" pitchFamily="2" charset="0"/>
+              </a:rPr>
+              <a:t>&gt;&gt;&gt; grades = {"John": 60, "Paul": 84, "Ben": 70, "Tony": 35}</a:t>
+            </a:r>
+          </a:p>
+          <a:p>
+            <a:r>
+              <a:rPr lang="en-US" sz="1800" b="1" dirty="0">
+                <a:latin typeface="Courier" pitchFamily="2" charset="0"/>
+              </a:rPr>
+              <a:t>&gt;&gt;&gt; print</a:t>
+            </a:r>
+            <a:r>
+              <a:rPr lang="en-US" sz="1800" dirty="0">
+                <a:latin typeface="Courier" pitchFamily="2" charset="0"/>
+              </a:rPr>
+              <a:t>(grades["John"])</a:t>
+            </a:r>
+          </a:p>
+          <a:p>
+            <a:r>
+              <a:rPr lang="en-US" sz="1800" dirty="0">
+                <a:latin typeface="Courier" pitchFamily="2" charset="0"/>
+              </a:rPr>
+              <a:t>60</a:t>
+            </a:r>
+          </a:p>
+          <a:p>
+            <a:r>
+              <a:rPr lang="en-US" sz="1800" dirty="0">
+                <a:latin typeface="Courier" pitchFamily="2" charset="0"/>
+              </a:rPr>
+              <a:t>&gt;&gt;&gt; grades["Kate"] = 100            </a:t>
+            </a:r>
+            <a:r>
+              <a:rPr lang="en-US" sz="1800" dirty="0">
+                <a:solidFill>
+                  <a:srgbClr val="00B050"/>
+                </a:solidFill>
+                <a:latin typeface="Courier" pitchFamily="2" charset="0"/>
+              </a:rPr>
+              <a:t># adds another entry </a:t>
+            </a:r>
+          </a:p>
+          <a:p>
+            <a:r>
+              <a:rPr lang="en-US" sz="1800" dirty="0">
+                <a:latin typeface="Courier" pitchFamily="2" charset="0"/>
+              </a:rPr>
+              <a:t>&gt;&gt;&gt; grades["John"] = 90             </a:t>
+            </a:r>
+            <a:r>
+              <a:rPr lang="en-US" sz="1800" dirty="0">
+                <a:solidFill>
+                  <a:srgbClr val="00B050"/>
+                </a:solidFill>
+                <a:latin typeface="Courier" pitchFamily="2" charset="0"/>
+              </a:rPr>
+              <a:t># changes John’s grade </a:t>
+            </a:r>
+          </a:p>
+          <a:p>
+            <a:r>
+              <a:rPr lang="en-US" sz="1800" b="1" dirty="0">
+                <a:latin typeface="Courier" pitchFamily="2" charset="0"/>
+              </a:rPr>
+              <a:t>&gt;&gt;&gt; print</a:t>
+            </a:r>
+            <a:r>
+              <a:rPr lang="en-US" sz="1800" dirty="0">
+                <a:latin typeface="Courier" pitchFamily="2" charset="0"/>
+              </a:rPr>
+              <a:t>(grades)</a:t>
+            </a:r>
+          </a:p>
+          <a:p>
+            <a:r>
+              <a:rPr lang="en-US" sz="1800" dirty="0">
+                <a:latin typeface="Courier" pitchFamily="2" charset="0"/>
+              </a:rPr>
+              <a:t>{'John': 90, 'Paul': 84, 'Ben': 70, 'Tony': 35, 'Kate': 100}</a:t>
+            </a:r>
+          </a:p>
+        </p:txBody>
+      </p:sp>
     </p:spTree>
     <p:extLst>
       <p:ext uri="{BB962C8B-B14F-4D97-AF65-F5344CB8AC3E}">
-        <p14:creationId xmlns:p14="http://schemas.microsoft.com/office/powerpoint/2010/main" val="3836477187"/>
+        <p14:creationId xmlns:p14="http://schemas.microsoft.com/office/powerpoint/2010/main" val="3734232927"/>
       </p:ext>
     </p:extLst>
   </p:cSld>
@@ -25109,49 +25222,6 @@
       </p:sp>
       <p:sp>
         <p:nvSpPr>
-          <p:cNvPr id="3" name="Content Placeholder 2">
-            <a:extLst>
-              <a:ext uri="{FF2B5EF4-FFF2-40B4-BE49-F238E27FC236}">
-                <a16:creationId xmlns:a16="http://schemas.microsoft.com/office/drawing/2014/main" id="{179508C7-775B-DE4F-ABAB-E1EBD6F9630D}"/>
-              </a:ext>
-            </a:extLst>
-          </p:cNvPr>
-          <p:cNvSpPr>
-            <a:spLocks noGrp="1"/>
-          </p:cNvSpPr>
-          <p:nvPr>
-            <p:ph idx="1"/>
-          </p:nvPr>
-        </p:nvSpPr>
-        <p:spPr/>
-        <p:txBody>
-          <a:bodyPr/>
-          <a:lstStyle/>
-          <a:p>
-            <a:r>
-              <a:rPr lang="en-US" dirty="0"/>
-              <a:t>A dictionary associates values with unique keys</a:t>
-            </a:r>
-          </a:p>
-          <a:p>
-            <a:pPr lvl="1"/>
-            <a:r>
-              <a:rPr lang="en-US" dirty="0"/>
-              <a:t>Use braces instead of square </a:t>
-            </a:r>
-            <a:r>
-              <a:rPr lang="pt-BR" dirty="0" err="1"/>
-              <a:t>brackets</a:t>
-            </a:r>
-            <a:endParaRPr lang="en-US" dirty="0"/>
-          </a:p>
-          <a:p>
-            <a:endParaRPr lang="en-US" dirty="0"/>
-          </a:p>
-        </p:txBody>
-      </p:sp>
-      <p:sp>
-        <p:nvSpPr>
           <p:cNvPr id="4" name="Slide Number Placeholder 3">
             <a:extLst>
               <a:ext uri="{FF2B5EF4-FFF2-40B4-BE49-F238E27FC236}">
@@ -25199,8 +25269,8 @@
         </p:nvSpPr>
         <p:spPr>
           <a:xfrm>
-            <a:off x="281940" y="2551837"/>
-            <a:ext cx="8580120" cy="2031325"/>
+            <a:off x="85344" y="1728874"/>
+            <a:ext cx="8942203" cy="2862322"/>
           </a:xfrm>
           <a:prstGeom prst="rect">
             <a:avLst/>
@@ -25218,10 +25288,24 @@
           <a:lstStyle/>
           <a:p>
             <a:r>
+              <a:rPr lang="en-US" sz="1800" b="1" dirty="0">
+                <a:latin typeface="Courier" pitchFamily="2" charset="0"/>
+              </a:rPr>
+              <a:t>&gt;&gt;&gt; </a:t>
+            </a:r>
+            <a:r>
               <a:rPr lang="en-US" sz="1800" dirty="0">
                 <a:latin typeface="Courier" pitchFamily="2" charset="0"/>
               </a:rPr>
-              <a:t>&gt;&gt;&gt; grades = {"John": 60, "Paul": 84, "Ben": 70, "Tony": 35}</a:t>
+              <a:t>"John" in grades</a:t>
+            </a:r>
+          </a:p>
+          <a:p>
+            <a:r>
+              <a:rPr lang="en-US" sz="1800" dirty="0">
+                <a:latin typeface="Courier" pitchFamily="2" charset="0"/>
+              </a:rPr>
+              <a:t>True</a:t>
             </a:r>
           </a:p>
           <a:p>
@@ -25229,13 +25313,13 @@
               <a:rPr lang="en-US" sz="1800" b="1" dirty="0">
                 <a:latin typeface="Courier" pitchFamily="2" charset="0"/>
               </a:rPr>
-              <a:t>&gt;&gt;&gt; print</a:t>
+              <a:t>&gt;&gt;&gt; </a:t>
             </a:r>
             <a:r>
               <a:rPr lang="en-US" sz="1800" dirty="0">
                 <a:latin typeface="Courier" pitchFamily="2" charset="0"/>
               </a:rPr>
-              <a:t>(grades["John"])</a:t>
+              <a:t>”Igor" in grades</a:t>
             </a:r>
           </a:p>
           <a:p>
@@ -25243,15 +25327,30 @@
               <a:rPr lang="en-US" sz="1800" dirty="0">
                 <a:latin typeface="Courier" pitchFamily="2" charset="0"/>
               </a:rPr>
-              <a:t>60</a:t>
-            </a:r>
-          </a:p>
-          <a:p>
+              <a:t>False</a:t>
+            </a:r>
+            <a:endParaRPr lang="en-US" sz="1800" b="1" dirty="0">
+              <a:latin typeface="Courier" pitchFamily="2" charset="0"/>
+            </a:endParaRPr>
+          </a:p>
+          <a:p>
+            <a:r>
+              <a:rPr lang="en-US" sz="1800" b="1" dirty="0">
+                <a:latin typeface="Courier" pitchFamily="2" charset="0"/>
+              </a:rPr>
+              <a:t>&gt;&gt;&gt; </a:t>
+            </a:r>
+            <a:r>
+              <a:rPr lang="en-US" sz="1800" dirty="0" err="1">
+                <a:latin typeface="Courier" pitchFamily="2" charset="0"/>
+              </a:rPr>
+              <a:t>grades.get</a:t>
+            </a:r>
             <a:r>
               <a:rPr lang="en-US" sz="1800" dirty="0">
                 <a:latin typeface="Courier" pitchFamily="2" charset="0"/>
               </a:rPr>
-              <a:t>&gt;&gt;&gt; grades["Kate"] = 100            </a:t>
+              <a:t>("Joel", -1) </a:t>
             </a:r>
             <a:r>
               <a:rPr lang="en-US" sz="1800" dirty="0">
@@ -25260,15 +25359,33 @@
                 </a:solidFill>
                 <a:latin typeface="Courier" pitchFamily="2" charset="0"/>
               </a:rPr>
-              <a:t># adds another entry </a:t>
-            </a:r>
-          </a:p>
-          <a:p>
+              <a:t># will return -1 (avoid errors)</a:t>
+            </a:r>
             <a:r>
               <a:rPr lang="en-US" sz="1800" dirty="0">
                 <a:latin typeface="Courier" pitchFamily="2" charset="0"/>
               </a:rPr>
-              <a:t>&gt;&gt;&gt; grades["John"] = 90             </a:t>
+              <a:t>    </a:t>
+            </a:r>
+          </a:p>
+          <a:p>
+            <a:r>
+              <a:rPr lang="en-US" sz="1800" b="1" dirty="0">
+                <a:latin typeface="Courier" pitchFamily="2" charset="0"/>
+              </a:rPr>
+              <a:t>&gt;&gt;&gt; </a:t>
+            </a:r>
+            <a:r>
+              <a:rPr lang="en-US" sz="1800" dirty="0" err="1">
+                <a:latin typeface="Courier" pitchFamily="2" charset="0"/>
+              </a:rPr>
+              <a:t>grades.get</a:t>
+            </a:r>
+            <a:r>
+              <a:rPr lang="en-US" sz="1800" dirty="0">
+                <a:latin typeface="Courier" pitchFamily="2" charset="0"/>
+              </a:rPr>
+              <a:t>(”John", -1) </a:t>
             </a:r>
             <a:r>
               <a:rPr lang="en-US" sz="1800" dirty="0">
@@ -25277,29 +25394,141 @@
                 </a:solidFill>
                 <a:latin typeface="Courier" pitchFamily="2" charset="0"/>
               </a:rPr>
-              <a:t># changes John’s grade </a:t>
-            </a:r>
-          </a:p>
-          <a:p>
-            <a:r>
-              <a:rPr lang="en-US" sz="1800" b="1" dirty="0">
-                <a:latin typeface="Courier" pitchFamily="2" charset="0"/>
-              </a:rPr>
-              <a:t>&gt;&gt;&gt; print</a:t>
+              <a:t># will return 90 (exists)</a:t>
             </a:r>
             <a:r>
               <a:rPr lang="en-US" sz="1800" dirty="0">
                 <a:latin typeface="Courier" pitchFamily="2" charset="0"/>
               </a:rPr>
-              <a:t>(grades)</a:t>
-            </a:r>
+              <a:t>    </a:t>
+            </a:r>
+          </a:p>
+          <a:p>
+            <a:endParaRPr lang="en-US" sz="1800" dirty="0">
+              <a:latin typeface="Courier" pitchFamily="2" charset="0"/>
+            </a:endParaRPr>
           </a:p>
           <a:p>
             <a:r>
               <a:rPr lang="en-US" sz="1800" dirty="0">
                 <a:latin typeface="Courier" pitchFamily="2" charset="0"/>
               </a:rPr>
-              <a:t>{'John': 90, 'Paul': 84, 'Ben': 70, 'Tony': 35, 'Kate': 100}</a:t>
+              <a:t>&gt;&gt;&gt; </a:t>
+            </a:r>
+            <a:r>
+              <a:rPr lang="en-US" sz="1800" dirty="0" err="1">
+                <a:latin typeface="Courier" pitchFamily="2" charset="0"/>
+              </a:rPr>
+              <a:t>all_keys</a:t>
+            </a:r>
+            <a:r>
+              <a:rPr lang="en-US" sz="1800" dirty="0">
+                <a:latin typeface="Courier" pitchFamily="2" charset="0"/>
+              </a:rPr>
+              <a:t> = </a:t>
+            </a:r>
+            <a:r>
+              <a:rPr lang="en-US" sz="1800" dirty="0" err="1">
+                <a:latin typeface="Courier" pitchFamily="2" charset="0"/>
+              </a:rPr>
+              <a:t>grades.keys</a:t>
+            </a:r>
+            <a:r>
+              <a:rPr lang="en-US" sz="1800" dirty="0">
+                <a:latin typeface="Courier" pitchFamily="2" charset="0"/>
+              </a:rPr>
+              <a:t>().    </a:t>
+            </a:r>
+            <a:r>
+              <a:rPr lang="en-US" sz="1800" dirty="0">
+                <a:solidFill>
+                  <a:srgbClr val="00B050"/>
+                </a:solidFill>
+                <a:latin typeface="Courier" pitchFamily="2" charset="0"/>
+              </a:rPr>
+              <a:t># return a list of all keys</a:t>
+            </a:r>
+          </a:p>
+          <a:p>
+            <a:r>
+              <a:rPr lang="en-US" sz="1800" dirty="0">
+                <a:latin typeface="Courier" pitchFamily="2" charset="0"/>
+              </a:rPr>
+              <a:t>&gt;&gt;&gt; </a:t>
+            </a:r>
+            <a:r>
+              <a:rPr lang="en-US" sz="1800" dirty="0" err="1">
+                <a:latin typeface="Courier" pitchFamily="2" charset="0"/>
+              </a:rPr>
+              <a:t>all_values</a:t>
+            </a:r>
+            <a:r>
+              <a:rPr lang="en-US" sz="1800" dirty="0">
+                <a:latin typeface="Courier" pitchFamily="2" charset="0"/>
+              </a:rPr>
+              <a:t> = </a:t>
+            </a:r>
+            <a:r>
+              <a:rPr lang="en-US" sz="1800" dirty="0" err="1">
+                <a:latin typeface="Courier" pitchFamily="2" charset="0"/>
+              </a:rPr>
+              <a:t>grades.values</a:t>
+            </a:r>
+            <a:r>
+              <a:rPr lang="en-US" sz="1800" dirty="0">
+                <a:latin typeface="Courier" pitchFamily="2" charset="0"/>
+              </a:rPr>
+              <a:t>() </a:t>
+            </a:r>
+            <a:r>
+              <a:rPr lang="en-US" sz="1800" dirty="0">
+                <a:solidFill>
+                  <a:srgbClr val="00B050"/>
+                </a:solidFill>
+                <a:latin typeface="Courier" pitchFamily="2" charset="0"/>
+              </a:rPr>
+              <a:t># return a list of all values</a:t>
+            </a:r>
+          </a:p>
+          <a:p>
+            <a:r>
+              <a:rPr lang="en-US" sz="1800" dirty="0">
+                <a:latin typeface="Courier" pitchFamily="2" charset="0"/>
+              </a:rPr>
+              <a:t>&gt;&gt;&gt; </a:t>
+            </a:r>
+            <a:r>
+              <a:rPr lang="en-US" sz="1800" dirty="0" err="1">
+                <a:latin typeface="Courier" pitchFamily="2" charset="0"/>
+              </a:rPr>
+              <a:t>all_pairs</a:t>
+            </a:r>
+            <a:r>
+              <a:rPr lang="en-US" sz="1800" dirty="0">
+                <a:latin typeface="Courier" pitchFamily="2" charset="0"/>
+              </a:rPr>
+              <a:t> = </a:t>
+            </a:r>
+            <a:r>
+              <a:rPr lang="en-US" sz="1800" dirty="0" err="1">
+                <a:latin typeface="Courier" pitchFamily="2" charset="0"/>
+              </a:rPr>
+              <a:t>grades.items</a:t>
+            </a:r>
+            <a:r>
+              <a:rPr lang="en-US" sz="1800" dirty="0">
+                <a:latin typeface="Courier" pitchFamily="2" charset="0"/>
+              </a:rPr>
+              <a:t>()   </a:t>
+            </a:r>
+            <a:r>
+              <a:rPr lang="en-US" sz="1800" dirty="0">
+                <a:solidFill>
+                  <a:srgbClr val="00B050"/>
+                </a:solidFill>
+                <a:latin typeface="Courier" pitchFamily="2" charset="0"/>
+              </a:rPr>
+              <a:t># a list of (key, value) tuples</a:t>
             </a:r>
           </a:p>
         </p:txBody>
@@ -25307,7 +25536,7 @@
     </p:spTree>
     <p:extLst>
       <p:ext uri="{BB962C8B-B14F-4D97-AF65-F5344CB8AC3E}">
-        <p14:creationId xmlns:p14="http://schemas.microsoft.com/office/powerpoint/2010/main" val="3734232927"/>
+        <p14:creationId xmlns:p14="http://schemas.microsoft.com/office/powerpoint/2010/main" val="2306813048"/>
       </p:ext>
     </p:extLst>
   </p:cSld>
@@ -25661,7 +25890,7 @@
         <p:spPr>
           <a:xfrm>
             <a:off x="85344" y="1728874"/>
-            <a:ext cx="8942203" cy="2862322"/>
+            <a:ext cx="8942203" cy="3293209"/>
           </a:xfrm>
           <a:prstGeom prst="rect">
             <a:avLst/>
@@ -25679,255 +25908,177 @@
           <a:lstStyle/>
           <a:p>
             <a:r>
-              <a:rPr lang="en-US" sz="1800" b="1" dirty="0">
-                <a:latin typeface="Courier" pitchFamily="2" charset="0"/>
-              </a:rPr>
-              <a:t>&gt;&gt;&gt; </a:t>
-            </a:r>
-            <a:r>
-              <a:rPr lang="en-US" sz="1800" dirty="0">
-                <a:latin typeface="Courier" pitchFamily="2" charset="0"/>
-              </a:rPr>
-              <a:t>"John" in grades</a:t>
-            </a:r>
-          </a:p>
-          <a:p>
-            <a:r>
-              <a:rPr lang="en-US" sz="1800" dirty="0">
-                <a:latin typeface="Courier" pitchFamily="2" charset="0"/>
-              </a:rPr>
-              <a:t>True</a:t>
-            </a:r>
-          </a:p>
-          <a:p>
-            <a:r>
-              <a:rPr lang="en-US" sz="1800" b="1" dirty="0">
-                <a:latin typeface="Courier" pitchFamily="2" charset="0"/>
-              </a:rPr>
-              <a:t>&gt;&gt;&gt; </a:t>
-            </a:r>
-            <a:r>
-              <a:rPr lang="en-US" sz="1800" dirty="0">
-                <a:latin typeface="Courier" pitchFamily="2" charset="0"/>
-              </a:rPr>
-              <a:t>”Igor" in grades</a:t>
-            </a:r>
-          </a:p>
-          <a:p>
-            <a:r>
-              <a:rPr lang="en-US" sz="1800" dirty="0">
-                <a:latin typeface="Courier" pitchFamily="2" charset="0"/>
-              </a:rPr>
-              <a:t>False</a:t>
-            </a:r>
-            <a:endParaRPr lang="en-US" sz="1800" b="1" dirty="0">
-              <a:latin typeface="Courier" pitchFamily="2" charset="0"/>
-            </a:endParaRPr>
-          </a:p>
-          <a:p>
-            <a:r>
-              <a:rPr lang="en-US" sz="1800" b="1" dirty="0">
-                <a:latin typeface="Courier" pitchFamily="2" charset="0"/>
-              </a:rPr>
-              <a:t>&gt;&gt;&gt; </a:t>
-            </a:r>
-            <a:r>
-              <a:rPr lang="en-US" sz="1800" dirty="0" err="1">
-                <a:latin typeface="Courier" pitchFamily="2" charset="0"/>
-              </a:rPr>
-              <a:t>grades.get</a:t>
-            </a:r>
-            <a:r>
-              <a:rPr lang="en-US" sz="1800" dirty="0">
-                <a:latin typeface="Courier" pitchFamily="2" charset="0"/>
-              </a:rPr>
-              <a:t>("Joel", -1) </a:t>
-            </a:r>
-            <a:r>
-              <a:rPr lang="en-US" sz="1800" dirty="0">
+              <a:rPr lang="en-US" sz="1600" dirty="0">
                 <a:solidFill>
                   <a:srgbClr val="00B050"/>
                 </a:solidFill>
-                <a:latin typeface="Courier" pitchFamily="2" charset="0"/>
-              </a:rPr>
-              <a:t># will return -1 (avoid errors)</a:t>
-            </a:r>
-            <a:r>
-              <a:rPr lang="en-US" sz="1800" dirty="0">
-                <a:latin typeface="Courier" pitchFamily="2" charset="0"/>
-              </a:rPr>
-              <a:t>    </a:t>
-            </a:r>
-          </a:p>
-          <a:p>
-            <a:r>
-              <a:rPr lang="en-US" sz="1800" b="1" dirty="0">
-                <a:latin typeface="Courier" pitchFamily="2" charset="0"/>
-              </a:rPr>
-              <a:t>&gt;&gt;&gt; </a:t>
-            </a:r>
-            <a:r>
-              <a:rPr lang="en-US" sz="1800" dirty="0" err="1">
-                <a:latin typeface="Courier" pitchFamily="2" charset="0"/>
-              </a:rPr>
-              <a:t>grades.get</a:t>
-            </a:r>
-            <a:r>
-              <a:rPr lang="en-US" sz="1800" dirty="0">
-                <a:latin typeface="Courier" pitchFamily="2" charset="0"/>
-              </a:rPr>
-              <a:t>(”John", -1) </a:t>
-            </a:r>
-            <a:r>
-              <a:rPr lang="en-US" sz="1800" dirty="0">
+                <a:latin typeface="Andale Mono" panose="020B0509000000000004" pitchFamily="49" charset="0"/>
+                <a:cs typeface="Courier New" panose="02070309020205020404" pitchFamily="49" charset="0"/>
+              </a:rPr>
+              <a:t># Nested structures... why not?</a:t>
+            </a:r>
+            <a:endParaRPr lang="en-US" sz="1600" dirty="0">
+              <a:latin typeface="Andale Mono" panose="020B0509000000000004" pitchFamily="49" charset="0"/>
+              <a:cs typeface="Courier New" panose="02070309020205020404" pitchFamily="49" charset="0"/>
+            </a:endParaRPr>
+          </a:p>
+          <a:p>
+            <a:r>
+              <a:rPr lang="en-US" sz="1600" dirty="0">
+                <a:latin typeface="Andale Mono" panose="020B0509000000000004" pitchFamily="49" charset="0"/>
+                <a:cs typeface="Courier New" panose="02070309020205020404" pitchFamily="49" charset="0"/>
+              </a:rPr>
+              <a:t>family = {"John": {"age": 30, "weight": 170, "city": "Flagstaff"}, </a:t>
+            </a:r>
+          </a:p>
+          <a:p>
+            <a:r>
+              <a:rPr lang="en-US" sz="1600" dirty="0">
+                <a:latin typeface="Andale Mono" panose="020B0509000000000004" pitchFamily="49" charset="0"/>
+                <a:cs typeface="Courier New" panose="02070309020205020404" pitchFamily="49" charset="0"/>
+              </a:rPr>
+              <a:t>          "Paul": {"age": 45, "weight": 200, "city": "Buenos Aires"}, </a:t>
+            </a:r>
+          </a:p>
+          <a:p>
+            <a:r>
+              <a:rPr lang="en-US" sz="1600" dirty="0">
+                <a:latin typeface="Andale Mono" panose="020B0509000000000004" pitchFamily="49" charset="0"/>
+                <a:cs typeface="Courier New" panose="02070309020205020404" pitchFamily="49" charset="0"/>
+              </a:rPr>
+              <a:t>          "Anna": {"age": 26, "weight": 130, "city": "Paris"}}</a:t>
+            </a:r>
+          </a:p>
+          <a:p>
+            <a:r>
+              <a:rPr lang="en-US" sz="1600" dirty="0">
                 <a:solidFill>
                   <a:srgbClr val="00B050"/>
                 </a:solidFill>
-                <a:latin typeface="Courier" pitchFamily="2" charset="0"/>
-              </a:rPr>
-              <a:t># will return 90 (exists)</a:t>
-            </a:r>
-            <a:r>
-              <a:rPr lang="en-US" sz="1800" dirty="0">
-                <a:latin typeface="Courier" pitchFamily="2" charset="0"/>
-              </a:rPr>
-              <a:t>    </a:t>
-            </a:r>
-          </a:p>
-          <a:p>
-            <a:endParaRPr lang="en-US" sz="1800" dirty="0">
-              <a:latin typeface="Courier" pitchFamily="2" charset="0"/>
+                <a:latin typeface="Andale Mono" panose="020B0509000000000004" pitchFamily="49" charset="0"/>
+                <a:cs typeface="Courier New" panose="02070309020205020404" pitchFamily="49" charset="0"/>
+              </a:rPr>
+              <a:t># Lazy iteration</a:t>
+            </a:r>
+            <a:endParaRPr lang="en-US" sz="1600" dirty="0">
+              <a:latin typeface="Andale Mono" panose="020B0509000000000004" pitchFamily="49" charset="0"/>
+              <a:cs typeface="Courier New" panose="02070309020205020404" pitchFamily="49" charset="0"/>
             </a:endParaRPr>
           </a:p>
           <a:p>
             <a:r>
-              <a:rPr lang="en-US" sz="1800" dirty="0">
-                <a:latin typeface="Courier" pitchFamily="2" charset="0"/>
-              </a:rPr>
-              <a:t>&gt;&gt;&gt; </a:t>
-            </a:r>
-            <a:r>
-              <a:rPr lang="en-US" sz="1800" dirty="0" err="1">
-                <a:latin typeface="Courier" pitchFamily="2" charset="0"/>
-              </a:rPr>
-              <a:t>all_keys</a:t>
-            </a:r>
-            <a:r>
-              <a:rPr lang="en-US" sz="1800" dirty="0">
-                <a:latin typeface="Courier" pitchFamily="2" charset="0"/>
-              </a:rPr>
-              <a:t> = </a:t>
-            </a:r>
-            <a:r>
-              <a:rPr lang="en-US" sz="1800" dirty="0" err="1">
-                <a:latin typeface="Courier" pitchFamily="2" charset="0"/>
-              </a:rPr>
-              <a:t>grades.keys</a:t>
-            </a:r>
-            <a:r>
-              <a:rPr lang="en-US" sz="1800" dirty="0">
-                <a:latin typeface="Courier" pitchFamily="2" charset="0"/>
-              </a:rPr>
-              <a:t>().    </a:t>
-            </a:r>
-            <a:r>
-              <a:rPr lang="en-US" sz="1800" dirty="0">
-                <a:solidFill>
-                  <a:srgbClr val="00B050"/>
-                </a:solidFill>
-                <a:latin typeface="Courier" pitchFamily="2" charset="0"/>
-              </a:rPr>
-              <a:t># return a list of all keys</a:t>
-            </a:r>
-          </a:p>
-          <a:p>
-            <a:r>
-              <a:rPr lang="en-US" sz="1800" dirty="0">
-                <a:latin typeface="Courier" pitchFamily="2" charset="0"/>
-              </a:rPr>
-              <a:t>&gt;&gt;&gt; </a:t>
-            </a:r>
-            <a:r>
-              <a:rPr lang="en-US" sz="1800" dirty="0" err="1">
-                <a:latin typeface="Courier" pitchFamily="2" charset="0"/>
-              </a:rPr>
-              <a:t>all_values</a:t>
-            </a:r>
-            <a:r>
-              <a:rPr lang="en-US" sz="1800" dirty="0">
-                <a:latin typeface="Courier" pitchFamily="2" charset="0"/>
-              </a:rPr>
-              <a:t> = </a:t>
-            </a:r>
-            <a:r>
-              <a:rPr lang="en-US" sz="1800" dirty="0" err="1">
-                <a:latin typeface="Courier" pitchFamily="2" charset="0"/>
-              </a:rPr>
-              <a:t>grades.values</a:t>
-            </a:r>
-            <a:r>
-              <a:rPr lang="en-US" sz="1800" dirty="0">
-                <a:latin typeface="Courier" pitchFamily="2" charset="0"/>
-              </a:rPr>
-              <a:t>() </a:t>
-            </a:r>
-            <a:r>
-              <a:rPr lang="en-US" sz="1800" dirty="0">
-                <a:solidFill>
-                  <a:srgbClr val="00B050"/>
-                </a:solidFill>
-                <a:latin typeface="Courier" pitchFamily="2" charset="0"/>
-              </a:rPr>
-              <a:t># return a list of all values</a:t>
-            </a:r>
-          </a:p>
-          <a:p>
-            <a:r>
-              <a:rPr lang="en-US" sz="1800" dirty="0">
-                <a:latin typeface="Courier" pitchFamily="2" charset="0"/>
-              </a:rPr>
-              <a:t>&gt;&gt;&gt; </a:t>
-            </a:r>
-            <a:r>
-              <a:rPr lang="en-US" sz="1800" dirty="0" err="1">
-                <a:latin typeface="Courier" pitchFamily="2" charset="0"/>
-              </a:rPr>
-              <a:t>all_pairs</a:t>
-            </a:r>
-            <a:r>
-              <a:rPr lang="en-US" sz="1800" dirty="0">
-                <a:latin typeface="Courier" pitchFamily="2" charset="0"/>
-              </a:rPr>
-              <a:t> = </a:t>
-            </a:r>
-            <a:r>
-              <a:rPr lang="en-US" sz="1800" dirty="0" err="1">
-                <a:latin typeface="Courier" pitchFamily="2" charset="0"/>
-              </a:rPr>
-              <a:t>grades.items</a:t>
-            </a:r>
-            <a:r>
-              <a:rPr lang="en-US" sz="1800" dirty="0">
-                <a:latin typeface="Courier" pitchFamily="2" charset="0"/>
-              </a:rPr>
-              <a:t>()   </a:t>
-            </a:r>
-            <a:r>
-              <a:rPr lang="en-US" sz="1800" dirty="0">
-                <a:solidFill>
-                  <a:srgbClr val="00B050"/>
-                </a:solidFill>
-                <a:latin typeface="Courier" pitchFamily="2" charset="0"/>
-              </a:rPr>
-              <a:t># a list of (key, value) tuples</a:t>
-            </a:r>
+              <a:rPr lang="en-US" sz="1600" b="1" dirty="0">
+                <a:latin typeface="Andale Mono" panose="020B0509000000000004" pitchFamily="49" charset="0"/>
+                <a:cs typeface="Courier New" panose="02070309020205020404" pitchFamily="49" charset="0"/>
+              </a:rPr>
+              <a:t>for</a:t>
+            </a:r>
+            <a:r>
+              <a:rPr lang="en-US" sz="1600" dirty="0">
+                <a:latin typeface="Andale Mono" panose="020B0509000000000004" pitchFamily="49" charset="0"/>
+                <a:cs typeface="Courier New" panose="02070309020205020404" pitchFamily="49" charset="0"/>
+              </a:rPr>
+              <a:t> member </a:t>
+            </a:r>
+            <a:r>
+              <a:rPr lang="en-US" sz="1600" b="1" dirty="0">
+                <a:latin typeface="Andale Mono" panose="020B0509000000000004" pitchFamily="49" charset="0"/>
+                <a:cs typeface="Courier New" panose="02070309020205020404" pitchFamily="49" charset="0"/>
+              </a:rPr>
+              <a:t>in</a:t>
+            </a:r>
+            <a:r>
+              <a:rPr lang="en-US" sz="1600" dirty="0">
+                <a:latin typeface="Andale Mono" panose="020B0509000000000004" pitchFamily="49" charset="0"/>
+                <a:cs typeface="Courier New" panose="02070309020205020404" pitchFamily="49" charset="0"/>
+              </a:rPr>
+              <a:t> family:</a:t>
+            </a:r>
+          </a:p>
+          <a:p>
+            <a:r>
+              <a:rPr lang="en-US" sz="1600" dirty="0">
+                <a:latin typeface="Andale Mono" panose="020B0509000000000004" pitchFamily="49" charset="0"/>
+                <a:cs typeface="Courier New" panose="02070309020205020404" pitchFamily="49" charset="0"/>
+              </a:rPr>
+              <a:t>   print(member)</a:t>
+            </a:r>
+          </a:p>
+          <a:p>
+            <a:endParaRPr lang="en-US" sz="1600" dirty="0">
+              <a:latin typeface="Andale Mono" panose="020B0509000000000004" pitchFamily="49" charset="0"/>
+              <a:cs typeface="Courier New" panose="02070309020205020404" pitchFamily="49" charset="0"/>
+            </a:endParaRPr>
+          </a:p>
+          <a:p>
+            <a:r>
+              <a:rPr lang="en-US" sz="1600" b="1" dirty="0">
+                <a:latin typeface="Andale Mono" panose="020B0509000000000004" pitchFamily="49" charset="0"/>
+                <a:cs typeface="Courier New" panose="02070309020205020404" pitchFamily="49" charset="0"/>
+              </a:rPr>
+              <a:t>for</a:t>
+            </a:r>
+            <a:r>
+              <a:rPr lang="en-US" sz="1600" dirty="0">
+                <a:latin typeface="Andale Mono" panose="020B0509000000000004" pitchFamily="49" charset="0"/>
+                <a:cs typeface="Courier New" panose="02070309020205020404" pitchFamily="49" charset="0"/>
+              </a:rPr>
+              <a:t> member </a:t>
+            </a:r>
+            <a:r>
+              <a:rPr lang="en-US" sz="1600" b="1" dirty="0">
+                <a:latin typeface="Andale Mono" panose="020B0509000000000004" pitchFamily="49" charset="0"/>
+                <a:cs typeface="Courier New" panose="02070309020205020404" pitchFamily="49" charset="0"/>
+              </a:rPr>
+              <a:t>in</a:t>
+            </a:r>
+            <a:r>
+              <a:rPr lang="en-US" sz="1600" dirty="0">
+                <a:latin typeface="Andale Mono" panose="020B0509000000000004" pitchFamily="49" charset="0"/>
+                <a:cs typeface="Courier New" panose="02070309020205020404" pitchFamily="49" charset="0"/>
+              </a:rPr>
+              <a:t> family:</a:t>
+            </a:r>
+          </a:p>
+          <a:p>
+            <a:r>
+              <a:rPr lang="en-US" sz="1600" dirty="0">
+                <a:latin typeface="Andale Mono" panose="020B0509000000000004" pitchFamily="49" charset="0"/>
+                <a:cs typeface="Courier New" panose="02070309020205020404" pitchFamily="49" charset="0"/>
+              </a:rPr>
+              <a:t>   print(family[member])</a:t>
+            </a:r>
+          </a:p>
+          <a:p>
+            <a:r>
+              <a:rPr lang="en-US" sz="1600" dirty="0">
+                <a:latin typeface="Andale Mono" panose="020B0509000000000004" pitchFamily="49" charset="0"/>
+                <a:cs typeface="Courier New" panose="02070309020205020404" pitchFamily="49" charset="0"/>
+              </a:rPr>
+              <a:t>   </a:t>
+            </a:r>
+          </a:p>
+          <a:p>
+            <a:endParaRPr lang="en-US" sz="1600" dirty="0">
+              <a:latin typeface="Andale Mono" panose="020B0509000000000004" pitchFamily="49" charset="0"/>
+              <a:cs typeface="Courier New" panose="02070309020205020404" pitchFamily="49" charset="0"/>
+            </a:endParaRPr>
+          </a:p>
+          <a:p>
+            <a:endParaRPr lang="en-US" sz="1600" dirty="0">
+              <a:solidFill>
+                <a:srgbClr val="00B050"/>
+              </a:solidFill>
+              <a:latin typeface="Andale Mono" panose="020B0509000000000004" pitchFamily="49" charset="0"/>
+              <a:cs typeface="Courier New" panose="02070309020205020404" pitchFamily="49" charset="0"/>
+            </a:endParaRPr>
           </a:p>
         </p:txBody>
       </p:sp>
     </p:spTree>
     <p:extLst>
       <p:ext uri="{BB962C8B-B14F-4D97-AF65-F5344CB8AC3E}">
-        <p14:creationId xmlns:p14="http://schemas.microsoft.com/office/powerpoint/2010/main" val="2306813048"/>
+        <p14:creationId xmlns:p14="http://schemas.microsoft.com/office/powerpoint/2010/main" val="468076750"/>
       </p:ext>
     </p:extLst>
   </p:cSld>
@@ -25959,7 +26110,7 @@
           <p:cNvPr id="2" name="Title 1">
             <a:extLst>
               <a:ext uri="{FF2B5EF4-FFF2-40B4-BE49-F238E27FC236}">
-                <a16:creationId xmlns:a16="http://schemas.microsoft.com/office/drawing/2014/main" id="{3CAC35B1-50C1-9B49-B570-7EF339ADE8C3}"/>
+                <a16:creationId xmlns:a16="http://schemas.microsoft.com/office/drawing/2014/main" id="{79D0BB85-4555-8D45-9580-751F43961F61}"/>
               </a:ext>
             </a:extLst>
           </p:cNvPr>
@@ -25977,8 +26128,124 @@
           <a:p>
             <a:r>
               <a:rPr lang="en-US" dirty="0"/>
-              <a:t>Dictionaries</a:t>
-            </a:r>
+              <a:t>Training a bit</a:t>
+            </a:r>
+          </a:p>
+        </p:txBody>
+      </p:sp>
+      <p:sp>
+        <p:nvSpPr>
+          <p:cNvPr id="3" name="Content Placeholder 2">
+            <a:extLst>
+              <a:ext uri="{FF2B5EF4-FFF2-40B4-BE49-F238E27FC236}">
+                <a16:creationId xmlns:a16="http://schemas.microsoft.com/office/drawing/2014/main" id="{6757132F-9A59-AE49-AA59-4F0827A52009}"/>
+              </a:ext>
+            </a:extLst>
+          </p:cNvPr>
+          <p:cNvSpPr>
+            <a:spLocks noGrp="1"/>
+          </p:cNvSpPr>
+          <p:nvPr>
+            <p:ph idx="1"/>
+          </p:nvPr>
+        </p:nvSpPr>
+        <p:spPr/>
+        <p:txBody>
+          <a:bodyPr/>
+          <a:lstStyle/>
+          <a:p>
+            <a:r>
+              <a:rPr lang="en-US" sz="2800" dirty="0"/>
+              <a:t>Given the grades dictionary provided previously </a:t>
+            </a:r>
+          </a:p>
+          <a:p>
+            <a:pPr marL="457188" lvl="1" indent="0">
+              <a:buNone/>
+            </a:pPr>
+            <a:r>
+              <a:rPr lang="en-US" sz="2100" dirty="0">
+                <a:latin typeface="Courier" pitchFamily="2" charset="0"/>
+              </a:rPr>
+              <a:t>{'John': 90, 'Paul': 84, 'Ben': 70, 'Tony': 35, 'Kate': 100}</a:t>
+            </a:r>
+          </a:p>
+          <a:p>
+            <a:pPr marL="457188" lvl="1" indent="0">
+              <a:buNone/>
+            </a:pPr>
+            <a:r>
+              <a:rPr lang="en-US" sz="2100" dirty="0">
+                <a:latin typeface="Courier" pitchFamily="2" charset="0"/>
+              </a:rPr>
+              <a:t>Create a program that enables the user to choose one of the options:</a:t>
+            </a:r>
+          </a:p>
+          <a:p>
+            <a:pPr marL="914388" lvl="1" indent="-457200">
+              <a:buAutoNum type="arabicPeriod"/>
+            </a:pPr>
+            <a:r>
+              <a:rPr lang="en-US" sz="2100" dirty="0">
+                <a:latin typeface="Courier" pitchFamily="2" charset="0"/>
+              </a:rPr>
+              <a:t>See the grade of someone by providing a name</a:t>
+            </a:r>
+          </a:p>
+          <a:p>
+            <a:pPr marL="914388" lvl="1" indent="-457200">
+              <a:buAutoNum type="arabicPeriod"/>
+            </a:pPr>
+            <a:r>
+              <a:rPr lang="en-US" sz="2100" dirty="0">
+                <a:latin typeface="Courier" pitchFamily="2" charset="0"/>
+              </a:rPr>
+              <a:t>Add a new student and grade</a:t>
+            </a:r>
+          </a:p>
+          <a:p>
+            <a:pPr marL="914388" lvl="1" indent="-457200">
+              <a:buAutoNum type="arabicPeriod"/>
+            </a:pPr>
+            <a:r>
+              <a:rPr lang="en-US" sz="2100" dirty="0">
+                <a:latin typeface="Courier" pitchFamily="2" charset="0"/>
+              </a:rPr>
+              <a:t>Change a grade given a name of an existing student</a:t>
+            </a:r>
+          </a:p>
+          <a:p>
+            <a:pPr marL="914388" lvl="1" indent="-457200">
+              <a:buAutoNum type="arabicPeriod"/>
+            </a:pPr>
+            <a:r>
+              <a:rPr lang="en-US" sz="2100" dirty="0">
+                <a:latin typeface="Courier" pitchFamily="2" charset="0"/>
+              </a:rPr>
+              <a:t>List all the grades in the dictionary</a:t>
+            </a:r>
+          </a:p>
+          <a:p>
+            <a:pPr marL="457188" lvl="1" indent="0">
+              <a:buNone/>
+            </a:pPr>
+            <a:endParaRPr lang="en-US" sz="2100" dirty="0">
+              <a:latin typeface="Courier" pitchFamily="2" charset="0"/>
+            </a:endParaRPr>
+          </a:p>
+          <a:p>
+            <a:pPr marL="457188" lvl="1" indent="0">
+              <a:buNone/>
+            </a:pPr>
+            <a:r>
+              <a:rPr lang="en-US" sz="2100" dirty="0">
+                <a:latin typeface="Courier" pitchFamily="2" charset="0"/>
+              </a:rPr>
+              <a:t>Each of the options needs to be implemented as a different function.</a:t>
+            </a:r>
+          </a:p>
+          <a:p>
+            <a:endParaRPr lang="en-US" sz="2400" dirty="0"/>
           </a:p>
         </p:txBody>
       </p:sp>
@@ -25987,7 +26254,7 @@
           <p:cNvPr id="4" name="Slide Number Placeholder 3">
             <a:extLst>
               <a:ext uri="{FF2B5EF4-FFF2-40B4-BE49-F238E27FC236}">
-                <a16:creationId xmlns:a16="http://schemas.microsoft.com/office/drawing/2014/main" id="{C6E6A0A9-5AB2-7D4C-976E-92894D5FC840}"/>
+                <a16:creationId xmlns:a16="http://schemas.microsoft.com/office/drawing/2014/main" id="{028DE08C-EBB3-084A-A106-210DD7E01AD7}"/>
               </a:ext>
             </a:extLst>
           </p:cNvPr>
@@ -26017,210 +26284,10 @@
           </a:p>
         </p:txBody>
       </p:sp>
-      <p:sp>
-        <p:nvSpPr>
-          <p:cNvPr id="5" name="TextBox 4">
-            <a:extLst>
-              <a:ext uri="{FF2B5EF4-FFF2-40B4-BE49-F238E27FC236}">
-                <a16:creationId xmlns:a16="http://schemas.microsoft.com/office/drawing/2014/main" id="{F65C93B4-C0C8-9F43-9373-C7C541323F8B}"/>
-              </a:ext>
-            </a:extLst>
-          </p:cNvPr>
-          <p:cNvSpPr txBox="1"/>
-          <p:nvPr/>
-        </p:nvSpPr>
-        <p:spPr>
-          <a:xfrm>
-            <a:off x="85344" y="1728874"/>
-            <a:ext cx="8942203" cy="3293209"/>
-          </a:xfrm>
-          <a:prstGeom prst="rect">
-            <a:avLst/>
-          </a:prstGeom>
-          <a:solidFill>
-            <a:schemeClr val="bg1">
-              <a:lumMod val="95000"/>
-            </a:schemeClr>
-          </a:solidFill>
-        </p:spPr>
-        <p:txBody>
-          <a:bodyPr wrap="square" rtlCol="0">
-            <a:spAutoFit/>
-          </a:bodyPr>
-          <a:lstStyle/>
-          <a:p>
-            <a:r>
-              <a:rPr lang="en-US" sz="1600" dirty="0">
-                <a:solidFill>
-                  <a:srgbClr val="00B050"/>
-                </a:solidFill>
-                <a:latin typeface="Andale Mono" panose="020B0509000000000004" pitchFamily="49" charset="0"/>
-                <a:cs typeface="Courier New" panose="02070309020205020404" pitchFamily="49" charset="0"/>
-              </a:rPr>
-              <a:t># Nested structures... why not?</a:t>
-            </a:r>
-            <a:endParaRPr lang="en-US" sz="1600" dirty="0">
-              <a:latin typeface="Andale Mono" panose="020B0509000000000004" pitchFamily="49" charset="0"/>
-              <a:cs typeface="Courier New" panose="02070309020205020404" pitchFamily="49" charset="0"/>
-            </a:endParaRPr>
-          </a:p>
-          <a:p>
-            <a:r>
-              <a:rPr lang="en-US" sz="1600" dirty="0">
-                <a:latin typeface="Andale Mono" panose="020B0509000000000004" pitchFamily="49" charset="0"/>
-                <a:cs typeface="Courier New" panose="02070309020205020404" pitchFamily="49" charset="0"/>
-              </a:rPr>
-              <a:t>family = {"John": {"age": 30, "weight": 170, "city": "Flagstaff"}, </a:t>
-            </a:r>
-          </a:p>
-          <a:p>
-            <a:r>
-              <a:rPr lang="en-US" sz="1600" dirty="0">
-                <a:latin typeface="Andale Mono" panose="020B0509000000000004" pitchFamily="49" charset="0"/>
-                <a:cs typeface="Courier New" panose="02070309020205020404" pitchFamily="49" charset="0"/>
-              </a:rPr>
-              <a:t>          "Paul": {"age": 45, "weight": 200, "city": "Buenos Aires"}, </a:t>
-            </a:r>
-          </a:p>
-          <a:p>
-            <a:r>
-              <a:rPr lang="en-US" sz="1600" dirty="0">
-                <a:latin typeface="Andale Mono" panose="020B0509000000000004" pitchFamily="49" charset="0"/>
-                <a:cs typeface="Courier New" panose="02070309020205020404" pitchFamily="49" charset="0"/>
-              </a:rPr>
-              <a:t>          "Anna": {"age": 26, "weight": 130, "city": "Paris"}}</a:t>
-            </a:r>
-          </a:p>
-          <a:p>
-            <a:r>
-              <a:rPr lang="en-US" sz="1600" dirty="0">
-                <a:solidFill>
-                  <a:srgbClr val="00B050"/>
-                </a:solidFill>
-                <a:latin typeface="Andale Mono" panose="020B0509000000000004" pitchFamily="49" charset="0"/>
-                <a:cs typeface="Courier New" panose="02070309020205020404" pitchFamily="49" charset="0"/>
-              </a:rPr>
-              <a:t># Lazy iteration</a:t>
-            </a:r>
-            <a:endParaRPr lang="en-US" sz="1600" dirty="0">
-              <a:latin typeface="Andale Mono" panose="020B0509000000000004" pitchFamily="49" charset="0"/>
-              <a:cs typeface="Courier New" panose="02070309020205020404" pitchFamily="49" charset="0"/>
-            </a:endParaRPr>
-          </a:p>
-          <a:p>
-            <a:r>
-              <a:rPr lang="en-US" sz="1600" b="1" dirty="0">
-                <a:latin typeface="Andale Mono" panose="020B0509000000000004" pitchFamily="49" charset="0"/>
-                <a:cs typeface="Courier New" panose="02070309020205020404" pitchFamily="49" charset="0"/>
-              </a:rPr>
-              <a:t>for</a:t>
-            </a:r>
-            <a:r>
-              <a:rPr lang="en-US" sz="1600" dirty="0">
-                <a:latin typeface="Andale Mono" panose="020B0509000000000004" pitchFamily="49" charset="0"/>
-                <a:cs typeface="Courier New" panose="02070309020205020404" pitchFamily="49" charset="0"/>
-              </a:rPr>
-              <a:t> member </a:t>
-            </a:r>
-            <a:r>
-              <a:rPr lang="en-US" sz="1600" b="1" dirty="0">
-                <a:latin typeface="Andale Mono" panose="020B0509000000000004" pitchFamily="49" charset="0"/>
-                <a:cs typeface="Courier New" panose="02070309020205020404" pitchFamily="49" charset="0"/>
-              </a:rPr>
-              <a:t>in</a:t>
-            </a:r>
-            <a:r>
-              <a:rPr lang="en-US" sz="1600" dirty="0">
-                <a:latin typeface="Andale Mono" panose="020B0509000000000004" pitchFamily="49" charset="0"/>
-                <a:cs typeface="Courier New" panose="02070309020205020404" pitchFamily="49" charset="0"/>
-              </a:rPr>
-              <a:t> family:</a:t>
-            </a:r>
-          </a:p>
-          <a:p>
-            <a:r>
-              <a:rPr lang="en-US" sz="1600" dirty="0">
-                <a:latin typeface="Andale Mono" panose="020B0509000000000004" pitchFamily="49" charset="0"/>
-                <a:cs typeface="Courier New" panose="02070309020205020404" pitchFamily="49" charset="0"/>
-              </a:rPr>
-              <a:t>   print(member)</a:t>
-            </a:r>
-          </a:p>
-          <a:p>
-            <a:endParaRPr lang="en-US" sz="1600" dirty="0">
-              <a:latin typeface="Andale Mono" panose="020B0509000000000004" pitchFamily="49" charset="0"/>
-              <a:cs typeface="Courier New" panose="02070309020205020404" pitchFamily="49" charset="0"/>
-            </a:endParaRPr>
-          </a:p>
-          <a:p>
-            <a:r>
-              <a:rPr lang="en-US" sz="1600" b="1" dirty="0">
-                <a:latin typeface="Andale Mono" panose="020B0509000000000004" pitchFamily="49" charset="0"/>
-                <a:cs typeface="Courier New" panose="02070309020205020404" pitchFamily="49" charset="0"/>
-              </a:rPr>
-              <a:t>for</a:t>
-            </a:r>
-            <a:r>
-              <a:rPr lang="en-US" sz="1600" dirty="0">
-                <a:latin typeface="Andale Mono" panose="020B0509000000000004" pitchFamily="49" charset="0"/>
-                <a:cs typeface="Courier New" panose="02070309020205020404" pitchFamily="49" charset="0"/>
-              </a:rPr>
-              <a:t> member </a:t>
-            </a:r>
-            <a:r>
-              <a:rPr lang="en-US" sz="1600" b="1" dirty="0">
-                <a:latin typeface="Andale Mono" panose="020B0509000000000004" pitchFamily="49" charset="0"/>
-                <a:cs typeface="Courier New" panose="02070309020205020404" pitchFamily="49" charset="0"/>
-              </a:rPr>
-              <a:t>in</a:t>
-            </a:r>
-            <a:r>
-              <a:rPr lang="en-US" sz="1600" dirty="0">
-                <a:latin typeface="Andale Mono" panose="020B0509000000000004" pitchFamily="49" charset="0"/>
-                <a:cs typeface="Courier New" panose="02070309020205020404" pitchFamily="49" charset="0"/>
-              </a:rPr>
-              <a:t> family:</a:t>
-            </a:r>
-          </a:p>
-          <a:p>
-            <a:r>
-              <a:rPr lang="en-US" sz="1600" dirty="0">
-                <a:latin typeface="Andale Mono" panose="020B0509000000000004" pitchFamily="49" charset="0"/>
-                <a:cs typeface="Courier New" panose="02070309020205020404" pitchFamily="49" charset="0"/>
-              </a:rPr>
-              <a:t>   print(family[member])</a:t>
-            </a:r>
-          </a:p>
-          <a:p>
-            <a:r>
-              <a:rPr lang="en-US" sz="1600" dirty="0">
-                <a:latin typeface="Andale Mono" panose="020B0509000000000004" pitchFamily="49" charset="0"/>
-                <a:cs typeface="Courier New" panose="02070309020205020404" pitchFamily="49" charset="0"/>
-              </a:rPr>
-              <a:t>   </a:t>
-            </a:r>
-          </a:p>
-          <a:p>
-            <a:endParaRPr lang="en-US" sz="1600" dirty="0">
-              <a:latin typeface="Andale Mono" panose="020B0509000000000004" pitchFamily="49" charset="0"/>
-              <a:cs typeface="Courier New" panose="02070309020205020404" pitchFamily="49" charset="0"/>
-            </a:endParaRPr>
-          </a:p>
-          <a:p>
-            <a:endParaRPr lang="en-US" sz="1600" dirty="0">
-              <a:solidFill>
-                <a:srgbClr val="00B050"/>
-              </a:solidFill>
-              <a:latin typeface="Andale Mono" panose="020B0509000000000004" pitchFamily="49" charset="0"/>
-              <a:cs typeface="Courier New" panose="02070309020205020404" pitchFamily="49" charset="0"/>
-            </a:endParaRPr>
-          </a:p>
-        </p:txBody>
-      </p:sp>
     </p:spTree>
     <p:extLst>
       <p:ext uri="{BB962C8B-B14F-4D97-AF65-F5344CB8AC3E}">
-        <p14:creationId xmlns:p14="http://schemas.microsoft.com/office/powerpoint/2010/main" val="468076750"/>
+        <p14:creationId xmlns:p14="http://schemas.microsoft.com/office/powerpoint/2010/main" val="1934705282"/>
       </p:ext>
     </p:extLst>
   </p:cSld>
@@ -26270,7 +26337,7 @@
           <a:p>
             <a:r>
               <a:rPr lang="en-US" dirty="0"/>
-              <a:t>Training a bit</a:t>
+              <a:t>If we still have time (Extra!)</a:t>
             </a:r>
           </a:p>
         </p:txBody>
@@ -26298,95 +26365,60 @@
           <a:p>
             <a:r>
               <a:rPr lang="en-US" sz="2800" dirty="0"/>
-              <a:t>Given the grades dictionary provided previously </a:t>
-            </a:r>
-          </a:p>
-          <a:p>
-            <a:pPr marL="457188" lvl="1" indent="0">
-              <a:buNone/>
-            </a:pPr>
-            <a:r>
-              <a:rPr lang="en-US" sz="2100" dirty="0">
-                <a:latin typeface="Courier" pitchFamily="2" charset="0"/>
-              </a:rPr>
-              <a:t>{'John': 90, 'Paul': 84, 'Ben': 70, 'Tony': 35, 'Kate': 100}</a:t>
-            </a:r>
-          </a:p>
-          <a:p>
-            <a:pPr marL="457188" lvl="1" indent="0">
-              <a:buNone/>
-            </a:pPr>
-            <a:r>
-              <a:rPr lang="en-US" sz="2100" dirty="0">
-                <a:latin typeface="Courier" pitchFamily="2" charset="0"/>
-              </a:rPr>
-              <a:t>Create a program that enables the user to choose one of the options:</a:t>
-            </a:r>
-          </a:p>
-          <a:p>
-            <a:pPr marL="914388" lvl="1" indent="-457200">
-              <a:buAutoNum type="arabicPeriod"/>
-            </a:pPr>
-            <a:r>
-              <a:rPr lang="en-US" sz="2100" dirty="0">
-                <a:latin typeface="Courier" pitchFamily="2" charset="0"/>
-              </a:rPr>
-              <a:t>See the grade of someone by providing a name</a:t>
-            </a:r>
-          </a:p>
-          <a:p>
-            <a:pPr marL="914388" lvl="1" indent="-457200">
-              <a:buAutoNum type="arabicPeriod"/>
-            </a:pPr>
-            <a:r>
-              <a:rPr lang="en-US" sz="2100" dirty="0">
-                <a:latin typeface="Courier" pitchFamily="2" charset="0"/>
-              </a:rPr>
-              <a:t>Add a new student and grade</a:t>
-            </a:r>
-          </a:p>
-          <a:p>
-            <a:pPr marL="914388" lvl="1" indent="-457200">
-              <a:buAutoNum type="arabicPeriod"/>
-            </a:pPr>
-            <a:r>
-              <a:rPr lang="en-US" sz="2100" dirty="0">
-                <a:latin typeface="Courier" pitchFamily="2" charset="0"/>
-              </a:rPr>
-              <a:t>Change a grade given a name of an existing student</a:t>
-            </a:r>
-          </a:p>
-          <a:p>
-            <a:pPr marL="914388" lvl="1" indent="-457200">
-              <a:buAutoNum type="arabicPeriod"/>
-            </a:pPr>
-            <a:r>
-              <a:rPr lang="en-US" sz="2100" dirty="0">
-                <a:latin typeface="Courier" pitchFamily="2" charset="0"/>
-              </a:rPr>
-              <a:t>List all the grades in the dictionary</a:t>
-            </a:r>
-          </a:p>
-          <a:p>
-            <a:pPr marL="457188" lvl="1" indent="0">
-              <a:buNone/>
-            </a:pPr>
-            <a:endParaRPr lang="en-US" sz="2100" dirty="0">
-              <a:latin typeface="Courier" pitchFamily="2" charset="0"/>
-            </a:endParaRPr>
-          </a:p>
-          <a:p>
-            <a:pPr marL="457188" lvl="1" indent="0">
-              <a:buNone/>
-            </a:pPr>
-            <a:r>
-              <a:rPr lang="en-US" sz="2100" dirty="0">
-                <a:latin typeface="Courier" pitchFamily="2" charset="0"/>
-              </a:rPr>
-              <a:t>Each of the options needs to be implemented as a different function.</a:t>
-            </a:r>
-          </a:p>
-          <a:p>
+              <a:t>Mountain Heights </a:t>
+            </a:r>
+          </a:p>
+          <a:p>
+            <a:pPr lvl="1"/>
+            <a:r>
+              <a:rPr lang="en-US" dirty="0"/>
+              <a:t>Wikipedia has a list of the </a:t>
+            </a:r>
+            <a:r>
+              <a:rPr lang="en-US" u="sng" dirty="0">
+                <a:hlinkClick r:id="rId3"/>
+              </a:rPr>
+              <a:t>tallest mountains in the world</a:t>
+            </a:r>
+            <a:r>
+              <a:rPr lang="en-US" dirty="0"/>
+              <a:t>, with each mountain's elevation. Pick five mountains from this list.</a:t>
+            </a:r>
+          </a:p>
+          <a:p>
+            <a:pPr lvl="2"/>
+            <a:r>
+              <a:rPr lang="en-US" b="0" dirty="0"/>
+              <a:t>Create a dictionary with the mountain names as keys, and the elevations as values.</a:t>
+            </a:r>
+          </a:p>
+          <a:p>
+            <a:pPr lvl="2"/>
+            <a:r>
+              <a:rPr lang="en-US" b="0" dirty="0"/>
+              <a:t>Create a function that receives the dictionary as a parameter and prints out just the mountains' names</a:t>
+            </a:r>
+            <a:r>
+              <a:rPr lang="en-US" dirty="0"/>
+              <a:t> and </a:t>
+            </a:r>
+            <a:r>
+              <a:rPr lang="en-US" b="0" dirty="0"/>
+              <a:t>elevations, as a series of statements telling how tall each mountain is: "Everest is 8848 m tall."</a:t>
+            </a:r>
+          </a:p>
+          <a:p>
+            <a:r>
+              <a:rPr lang="en-US" sz="2800" dirty="0"/>
+              <a:t>Mountain Heights 2</a:t>
+            </a:r>
+          </a:p>
+          <a:p>
+            <a:pPr lvl="1"/>
+            <a:r>
+              <a:rPr lang="en-US" dirty="0"/>
+              <a:t>Change your function adding a second parameter (Boolean) called sorted. When this parameter is True, your algorithm needs to print the same statements as before, but in alphabetical order.</a:t>
+            </a:r>
             <a:endParaRPr lang="en-US" sz="2400" dirty="0"/>
           </a:p>
         </p:txBody>
@@ -26421,180 +26453,6 @@
                 <a:defRPr/>
               </a:pPr>
               <a:t>42</a:t>
-            </a:fld>
-            <a:endParaRPr lang="en-US"/>
-          </a:p>
-        </p:txBody>
-      </p:sp>
-    </p:spTree>
-    <p:extLst>
-      <p:ext uri="{BB962C8B-B14F-4D97-AF65-F5344CB8AC3E}">
-        <p14:creationId xmlns:p14="http://schemas.microsoft.com/office/powerpoint/2010/main" val="1934705282"/>
-      </p:ext>
-    </p:extLst>
-  </p:cSld>
-  <p:clrMapOvr>
-    <a:masterClrMapping/>
-  </p:clrMapOvr>
-</p:sld>
-</file>
-
-<file path=ppt/slides/slide43.xml><?xml version="1.0" encoding="utf-8"?>
-<p:sld xmlns:a="http://schemas.openxmlformats.org/drawingml/2006/main" xmlns:r="http://schemas.openxmlformats.org/officeDocument/2006/relationships" xmlns:p="http://schemas.openxmlformats.org/presentationml/2006/main">
-  <p:cSld>
-    <p:spTree>
-      <p:nvGrpSpPr>
-        <p:cNvPr id="1" name=""/>
-        <p:cNvGrpSpPr/>
-        <p:nvPr/>
-      </p:nvGrpSpPr>
-      <p:grpSpPr>
-        <a:xfrm>
-          <a:off x="0" y="0"/>
-          <a:ext cx="0" cy="0"/>
-          <a:chOff x="0" y="0"/>
-          <a:chExt cx="0" cy="0"/>
-        </a:xfrm>
-      </p:grpSpPr>
-      <p:sp>
-        <p:nvSpPr>
-          <p:cNvPr id="2" name="Title 1">
-            <a:extLst>
-              <a:ext uri="{FF2B5EF4-FFF2-40B4-BE49-F238E27FC236}">
-                <a16:creationId xmlns:a16="http://schemas.microsoft.com/office/drawing/2014/main" id="{79D0BB85-4555-8D45-9580-751F43961F61}"/>
-              </a:ext>
-            </a:extLst>
-          </p:cNvPr>
-          <p:cNvSpPr>
-            <a:spLocks noGrp="1"/>
-          </p:cNvSpPr>
-          <p:nvPr>
-            <p:ph type="title"/>
-          </p:nvPr>
-        </p:nvSpPr>
-        <p:spPr/>
-        <p:txBody>
-          <a:bodyPr/>
-          <a:lstStyle/>
-          <a:p>
-            <a:r>
-              <a:rPr lang="en-US" dirty="0"/>
-              <a:t>If we still have time (Extra!)</a:t>
-            </a:r>
-          </a:p>
-        </p:txBody>
-      </p:sp>
-      <p:sp>
-        <p:nvSpPr>
-          <p:cNvPr id="3" name="Content Placeholder 2">
-            <a:extLst>
-              <a:ext uri="{FF2B5EF4-FFF2-40B4-BE49-F238E27FC236}">
-                <a16:creationId xmlns:a16="http://schemas.microsoft.com/office/drawing/2014/main" id="{6757132F-9A59-AE49-AA59-4F0827A52009}"/>
-              </a:ext>
-            </a:extLst>
-          </p:cNvPr>
-          <p:cNvSpPr>
-            <a:spLocks noGrp="1"/>
-          </p:cNvSpPr>
-          <p:nvPr>
-            <p:ph idx="1"/>
-          </p:nvPr>
-        </p:nvSpPr>
-        <p:spPr/>
-        <p:txBody>
-          <a:bodyPr/>
-          <a:lstStyle/>
-          <a:p>
-            <a:r>
-              <a:rPr lang="en-US" sz="2800" dirty="0"/>
-              <a:t>Mountain Heights </a:t>
-            </a:r>
-          </a:p>
-          <a:p>
-            <a:pPr lvl="1"/>
-            <a:r>
-              <a:rPr lang="en-US" dirty="0"/>
-              <a:t>Wikipedia has a list of the </a:t>
-            </a:r>
-            <a:r>
-              <a:rPr lang="en-US" u="sng" dirty="0">
-                <a:hlinkClick r:id="rId3"/>
-              </a:rPr>
-              <a:t>tallest mountains in the world</a:t>
-            </a:r>
-            <a:r>
-              <a:rPr lang="en-US" dirty="0"/>
-              <a:t>, with each mountain's elevation. Pick five mountains from this list.</a:t>
-            </a:r>
-          </a:p>
-          <a:p>
-            <a:pPr lvl="2"/>
-            <a:r>
-              <a:rPr lang="en-US" b="0" dirty="0"/>
-              <a:t>Create a dictionary with the mountain names as keys, and the elevations as values.</a:t>
-            </a:r>
-          </a:p>
-          <a:p>
-            <a:pPr lvl="2"/>
-            <a:r>
-              <a:rPr lang="en-US" b="0" dirty="0"/>
-              <a:t>Create a function that receives the dictionary as a parameter and prints out just the mountains' names</a:t>
-            </a:r>
-            <a:r>
-              <a:rPr lang="en-US" dirty="0"/>
-              <a:t> and </a:t>
-            </a:r>
-            <a:r>
-              <a:rPr lang="en-US" b="0" dirty="0"/>
-              <a:t>elevations, as a series of statements telling how tall each mountain is: "Everest is 8848 m tall."</a:t>
-            </a:r>
-          </a:p>
-          <a:p>
-            <a:r>
-              <a:rPr lang="en-US" sz="2800" dirty="0"/>
-              <a:t>Mountain Heights 2</a:t>
-            </a:r>
-          </a:p>
-          <a:p>
-            <a:pPr lvl="1"/>
-            <a:r>
-              <a:rPr lang="en-US" dirty="0"/>
-              <a:t>Change your function adding a second parameter (Boolean) called sorted. When this parameter is True, your algorithm needs to print the same statements as before, but in alphabetical order.</a:t>
-            </a:r>
-            <a:endParaRPr lang="en-US" sz="2400" dirty="0"/>
-          </a:p>
-        </p:txBody>
-      </p:sp>
-      <p:sp>
-        <p:nvSpPr>
-          <p:cNvPr id="4" name="Slide Number Placeholder 3">
-            <a:extLst>
-              <a:ext uri="{FF2B5EF4-FFF2-40B4-BE49-F238E27FC236}">
-                <a16:creationId xmlns:a16="http://schemas.microsoft.com/office/drawing/2014/main" id="{028DE08C-EBB3-084A-A106-210DD7E01AD7}"/>
-              </a:ext>
-            </a:extLst>
-          </p:cNvPr>
-          <p:cNvSpPr>
-            <a:spLocks noGrp="1"/>
-          </p:cNvSpPr>
-          <p:nvPr>
-            <p:ph type="sldNum" sz="quarter" idx="12"/>
-          </p:nvPr>
-        </p:nvSpPr>
-        <p:spPr/>
-        <p:txBody>
-          <a:bodyPr/>
-          <a:lstStyle/>
-          <a:p>
-            <a:pPr>
-              <a:defRPr/>
-            </a:pPr>
-            <a:fld id="{3464530E-D695-45C9-AFB6-E411BBE0972A}" type="slidenum">
-              <a:rPr lang="en-US" smtClean="0"/>
-              <a:pPr>
-                <a:defRPr/>
-              </a:pPr>
-              <a:t>43</a:t>
             </a:fld>
             <a:endParaRPr lang="en-US"/>
           </a:p>
